--- a/Leçon chimie/LC 5/LC5-Stratégie et sélectivité en chimie organique.pptx
+++ b/Leçon chimie/LC 5/LC5-Stratégie et sélectivité en chimie organique.pptx
@@ -5,7 +5,7 @@
     <p:sldMasterId id="2147483659" r:id="rId1"/>
   </p:sldMasterIdLst>
   <p:notesMasterIdLst>
-    <p:notesMasterId r:id="rId24"/>
+    <p:notesMasterId r:id="rId25"/>
   </p:notesMasterIdLst>
   <p:sldIdLst>
     <p:sldId id="256" r:id="rId2"/>
@@ -15,21 +15,22 @@
     <p:sldId id="261" r:id="rId6"/>
     <p:sldId id="285" r:id="rId7"/>
     <p:sldId id="265" r:id="rId8"/>
-    <p:sldId id="266" r:id="rId9"/>
-    <p:sldId id="268" r:id="rId10"/>
-    <p:sldId id="274" r:id="rId11"/>
-    <p:sldId id="288" r:id="rId12"/>
-    <p:sldId id="289" r:id="rId13"/>
-    <p:sldId id="286" r:id="rId14"/>
-    <p:sldId id="267" r:id="rId15"/>
-    <p:sldId id="276" r:id="rId16"/>
-    <p:sldId id="287" r:id="rId17"/>
-    <p:sldId id="277" r:id="rId18"/>
-    <p:sldId id="278" r:id="rId19"/>
-    <p:sldId id="279" r:id="rId20"/>
-    <p:sldId id="280" r:id="rId21"/>
-    <p:sldId id="281" r:id="rId22"/>
-    <p:sldId id="282" r:id="rId23"/>
+    <p:sldId id="290" r:id="rId9"/>
+    <p:sldId id="266" r:id="rId10"/>
+    <p:sldId id="268" r:id="rId11"/>
+    <p:sldId id="274" r:id="rId12"/>
+    <p:sldId id="288" r:id="rId13"/>
+    <p:sldId id="289" r:id="rId14"/>
+    <p:sldId id="286" r:id="rId15"/>
+    <p:sldId id="267" r:id="rId16"/>
+    <p:sldId id="276" r:id="rId17"/>
+    <p:sldId id="287" r:id="rId18"/>
+    <p:sldId id="277" r:id="rId19"/>
+    <p:sldId id="278" r:id="rId20"/>
+    <p:sldId id="279" r:id="rId21"/>
+    <p:sldId id="280" r:id="rId22"/>
+    <p:sldId id="281" r:id="rId23"/>
+    <p:sldId id="282" r:id="rId24"/>
   </p:sldIdLst>
   <p:sldSz cx="9144000" cy="5143500" type="screen16x9"/>
   <p:notesSz cx="6858000" cy="9144000"/>
@@ -264,7 +265,7 @@
   </p:defaultTextStyle>
   <p:extLst>
     <p:ext uri="{EFAFB233-063F-42B5-8137-9DF3F51BA10A}">
-      <p15:sldGuideLst xmlns="" xmlns:mc="http://schemas.openxmlformats.org/markup-compatibility/2006" xmlns:mv="urn:schemas-microsoft-com:mac:vml" xmlns:c="http://schemas.openxmlformats.org/drawingml/2006/chart" xmlns:dgm="http://schemas.openxmlformats.org/drawingml/2006/diagram" xmlns:o="urn:schemas-microsoft-com:office:office" xmlns:v="urn:schemas-microsoft-com:vml" xmlns:pvml="urn:schemas-microsoft-com:office:powerpoint" xmlns:com="http://schemas.openxmlformats.org/drawingml/2006/compatibility" xmlns:p14="http://schemas.microsoft.com/office/powerpoint/2010/main" xmlns:p15="http://schemas.microsoft.com/office/powerpoint/2012/main">
+      <p15:sldGuideLst xmlns:p15="http://schemas.microsoft.com/office/powerpoint/2012/main" xmlns:p14="http://schemas.microsoft.com/office/powerpoint/2010/main" xmlns:com="http://schemas.openxmlformats.org/drawingml/2006/compatibility" xmlns:pvml="urn:schemas-microsoft-com:office:powerpoint" xmlns:v="urn:schemas-microsoft-com:vml" xmlns:o="urn:schemas-microsoft-com:office:office" xmlns:dgm="http://schemas.openxmlformats.org/drawingml/2006/diagram" xmlns:c="http://schemas.openxmlformats.org/drawingml/2006/chart" xmlns:mv="urn:schemas-microsoft-com:mac:vml" xmlns:mc="http://schemas.openxmlformats.org/markup-compatibility/2006" xmlns="">
         <p15:guide id="1" orient="horz" pos="1620">
           <p15:clr>
             <a:srgbClr val="A4A3A4"/>
@@ -3587,47 +3588,47 @@
     </dgm:pt>
   </dgm:ptLst>
   <dgm:cxnLst>
+    <dgm:cxn modelId="{E5F466CB-2906-C744-B8B5-FC04E4360D9D}" type="presOf" srcId="{44EACAE5-FF31-3F4D-BB78-37F28AE2BC2E}" destId="{569E1AB0-5A6B-C640-919A-513426F32701}" srcOrd="1" destOrd="0" presId="urn:microsoft.com/office/officeart/2005/8/layout/process1"/>
+    <dgm:cxn modelId="{BF9ABEB2-7933-4946-8647-04A95C1BBA2F}" srcId="{F5AAA436-4F59-D14E-A10B-15323EDC5DFD}" destId="{B8751F8F-CC1D-4148-9CE8-C84D9A2DA468}" srcOrd="5" destOrd="0" parTransId="{87AF2284-516F-A64E-BDB5-9689880250AF}" sibTransId="{1F7A2CAC-63B8-E74D-8515-BDF474FD1BE2}"/>
+    <dgm:cxn modelId="{EEF06E48-2C4E-C74A-AC07-54EF94F9164A}" type="presOf" srcId="{D8205326-D657-C44F-99D9-55E16922340C}" destId="{856B51CA-789E-8946-9E14-45DA5D56867A}" srcOrd="0" destOrd="0" presId="urn:microsoft.com/office/officeart/2005/8/layout/process1"/>
+    <dgm:cxn modelId="{ED4C2F42-6A9E-8640-BC8A-C84049EBB612}" type="presOf" srcId="{B8751F8F-CC1D-4148-9CE8-C84D9A2DA468}" destId="{816FCC64-4145-294F-9876-21B54D10F82A}" srcOrd="0" destOrd="0" presId="urn:microsoft.com/office/officeart/2005/8/layout/process1"/>
+    <dgm:cxn modelId="{F1C99A73-A56B-E84F-86A6-DFBC579CEBCE}" srcId="{B8751F8F-CC1D-4148-9CE8-C84D9A2DA468}" destId="{DC491088-2006-F649-87EA-149827860AB1}" srcOrd="2" destOrd="0" parTransId="{EFC3B622-2F7A-3E47-A7B2-D648DE94E123}" sibTransId="{431A707D-DCCF-D143-8BE6-920CE3E227B3}"/>
+    <dgm:cxn modelId="{621F3E5F-FF74-774B-904A-50170B50E741}" srcId="{F5AAA436-4F59-D14E-A10B-15323EDC5DFD}" destId="{38C70F78-006C-1640-825C-BADCE6BB014D}" srcOrd="4" destOrd="0" parTransId="{35DAFC1B-44BB-4347-9360-932CA9A13E38}" sibTransId="{F3A08EF7-2D39-5C4A-A3B5-A7B21FA26263}"/>
+    <dgm:cxn modelId="{49080E83-8D39-5940-B154-D4AAE66704A7}" srcId="{F5AAA436-4F59-D14E-A10B-15323EDC5DFD}" destId="{D8205326-D657-C44F-99D9-55E16922340C}" srcOrd="1" destOrd="0" parTransId="{5212ABAE-5963-1E48-B1AD-F611BDE56926}" sibTransId="{05D231F7-9B49-2745-9283-AA30961F111D}"/>
+    <dgm:cxn modelId="{841F5915-508B-2740-A905-10E37BAC0DCB}" srcId="{B8751F8F-CC1D-4148-9CE8-C84D9A2DA468}" destId="{32EF24E3-15E0-0543-B641-E194E3123FB6}" srcOrd="0" destOrd="0" parTransId="{14B41F6C-66DF-8341-B46B-186A895CDB25}" sibTransId="{0A9C86E8-33CE-A441-8CF3-15FE312764AC}"/>
+    <dgm:cxn modelId="{E05E65E6-1902-E24D-BBF6-5C64A0A27131}" srcId="{38C70F78-006C-1640-825C-BADCE6BB014D}" destId="{495B65AD-3D22-7844-8DBF-DE2190C1FF08}" srcOrd="1" destOrd="0" parTransId="{82CCF03A-BD55-CF47-BCFA-E1D01D42F5BC}" sibTransId="{354197FF-AF5A-5649-8183-B5B29B348D3F}"/>
+    <dgm:cxn modelId="{FC1B2A89-E498-604E-8D34-916BD2676B45}" type="presOf" srcId="{D79DCFF7-4924-0E40-8DDC-5D9636AD45E4}" destId="{DF3B56E6-D745-DE44-A7EB-31AF5BD3244F}" srcOrd="0" destOrd="1" presId="urn:microsoft.com/office/officeart/2005/8/layout/process1"/>
+    <dgm:cxn modelId="{A1ADE9F4-90B9-2146-81CE-C0F59C8AB539}" srcId="{38C70F78-006C-1640-825C-BADCE6BB014D}" destId="{0589A48F-48C3-F344-8B72-8599EA835837}" srcOrd="0" destOrd="0" parTransId="{0B48F769-B972-014D-931D-1DFDF5A97C72}" sibTransId="{F31A8222-24DA-ED47-94B6-20B942D7D41B}"/>
+    <dgm:cxn modelId="{E124571B-F853-0847-89C0-966B984D71AA}" srcId="{FB087F6F-FC51-7E43-A224-02A78176F40B}" destId="{D79DCFF7-4924-0E40-8DDC-5D9636AD45E4}" srcOrd="0" destOrd="0" parTransId="{CD1BB076-1E35-2E4A-AB8C-43909808F26A}" sibTransId="{A297662B-95B3-114E-991A-8A3051978D3E}"/>
+    <dgm:cxn modelId="{81C171AC-E719-FC40-B9F2-DD16E4CDD75A}" type="presOf" srcId="{F3A08EF7-2D39-5C4A-A3B5-A7B21FA26263}" destId="{689F657A-2AD2-F549-AFF4-9C64C5E5614E}" srcOrd="1" destOrd="0" presId="urn:microsoft.com/office/officeart/2005/8/layout/process1"/>
+    <dgm:cxn modelId="{E7524A64-03A7-1B40-9608-E3BC1A4D5CBF}" srcId="{F5AAA436-4F59-D14E-A10B-15323EDC5DFD}" destId="{FB087F6F-FC51-7E43-A224-02A78176F40B}" srcOrd="2" destOrd="0" parTransId="{97D261BB-EE35-AD4F-8D6F-FF3D1F4EECE6}" sibTransId="{0A5B366B-0E51-BC44-A1E6-0A65C8017258}"/>
+    <dgm:cxn modelId="{30996B43-0CBC-0C4D-BE6A-83C107B0C8DC}" type="presOf" srcId="{0589A48F-48C3-F344-8B72-8599EA835837}" destId="{96606982-F3A4-024C-AC83-CE77591E02F9}" srcOrd="0" destOrd="1" presId="urn:microsoft.com/office/officeart/2005/8/layout/process1"/>
+    <dgm:cxn modelId="{186FBBD0-9900-7E43-9151-1AFC9FDCBDF1}" type="presOf" srcId="{FB087F6F-FC51-7E43-A224-02A78176F40B}" destId="{DF3B56E6-D745-DE44-A7EB-31AF5BD3244F}" srcOrd="0" destOrd="0" presId="urn:microsoft.com/office/officeart/2005/8/layout/process1"/>
     <dgm:cxn modelId="{12990630-8D66-C744-85F5-E299C9C7A68A}" type="presOf" srcId="{09DBAD08-2D4B-D74E-B8C3-D633ED7EFA78}" destId="{5D689EB8-758D-7244-A1FF-637EE9D3D448}" srcOrd="0" destOrd="0" presId="urn:microsoft.com/office/officeart/2005/8/layout/process1"/>
-    <dgm:cxn modelId="{7420E4C6-9886-FE42-B3E1-A1E90B5D5D85}" type="presOf" srcId="{09DBAD08-2D4B-D74E-B8C3-D633ED7EFA78}" destId="{5252520A-2CCD-0842-A48E-C552B30CDF4B}" srcOrd="1" destOrd="0" presId="urn:microsoft.com/office/officeart/2005/8/layout/process1"/>
     <dgm:cxn modelId="{E19251B1-7564-8344-8EC9-01C5BB32EDEB}" srcId="{E35BD2A4-6D55-F941-9DEB-C042C5455B14}" destId="{85E21379-0253-BF4B-910F-3A69E92E2BC4}" srcOrd="1" destOrd="0" parTransId="{41C372D7-F720-1044-A395-07D85575A730}" sibTransId="{E4D266BC-4608-704E-B1FC-AA984DC992EB}"/>
+    <dgm:cxn modelId="{D971C6B7-22D0-9D4B-91FA-6ACBD72634E3}" type="presOf" srcId="{85E21379-0253-BF4B-910F-3A69E92E2BC4}" destId="{A5C55B32-839B-2948-9618-28ABCBDD7242}" srcOrd="0" destOrd="2" presId="urn:microsoft.com/office/officeart/2005/8/layout/process1"/>
+    <dgm:cxn modelId="{8EBC375C-FD74-4A42-93B1-C0375B66EDFF}" type="presOf" srcId="{38C70F78-006C-1640-825C-BADCE6BB014D}" destId="{96606982-F3A4-024C-AC83-CE77591E02F9}" srcOrd="0" destOrd="0" presId="urn:microsoft.com/office/officeart/2005/8/layout/process1"/>
+    <dgm:cxn modelId="{2717A3D8-47EE-4542-B652-57D030BB06A0}" type="presOf" srcId="{0A5B366B-0E51-BC44-A1E6-0A65C8017258}" destId="{D83176DB-F5FF-2C4F-8A36-62652ABF5671}" srcOrd="1" destOrd="0" presId="urn:microsoft.com/office/officeart/2005/8/layout/process1"/>
+    <dgm:cxn modelId="{63D07977-105C-C747-86CD-3C95DEB049EA}" type="presOf" srcId="{4E402675-F692-374F-8A17-A5133C93439D}" destId="{502BF0D8-9C8E-B74C-B5B6-21E645CB7972}" srcOrd="0" destOrd="0" presId="urn:microsoft.com/office/officeart/2005/8/layout/process1"/>
+    <dgm:cxn modelId="{4D111630-9B32-374A-AF7B-F752814A0711}" type="presOf" srcId="{12D35348-71B3-154C-B683-D9108D73548C}" destId="{DF3B56E6-D745-DE44-A7EB-31AF5BD3244F}" srcOrd="0" destOrd="2" presId="urn:microsoft.com/office/officeart/2005/8/layout/process1"/>
+    <dgm:cxn modelId="{D8A411D3-95E4-3D48-A824-4ACE331811B9}" type="presOf" srcId="{495B65AD-3D22-7844-8DBF-DE2190C1FF08}" destId="{96606982-F3A4-024C-AC83-CE77591E02F9}" srcOrd="0" destOrd="2" presId="urn:microsoft.com/office/officeart/2005/8/layout/process1"/>
+    <dgm:cxn modelId="{EB99AFE5-4EBA-8748-A841-0906DF47CE61}" srcId="{F5AAA436-4F59-D14E-A10B-15323EDC5DFD}" destId="{E35BD2A4-6D55-F941-9DEB-C042C5455B14}" srcOrd="3" destOrd="0" parTransId="{B0FE4BF2-BEDB-394E-A600-CA33867EA785}" sibTransId="{09DBAD08-2D4B-D74E-B8C3-D633ED7EFA78}"/>
+    <dgm:cxn modelId="{6B37BDB0-BE2D-7F44-8567-B35E24617430}" srcId="{E35BD2A4-6D55-F941-9DEB-C042C5455B14}" destId="{EF37619C-094B-2644-B03C-0F1CDB0EF855}" srcOrd="0" destOrd="0" parTransId="{DB57F39C-2FDF-5F4E-AEA2-99ACD8B4FF52}" sibTransId="{8FB78E42-085D-634E-BF5D-D37B2650A617}"/>
     <dgm:cxn modelId="{BF63655D-7E00-7148-BFB6-C8574CC10AD4}" type="presOf" srcId="{44EACAE5-FF31-3F4D-BB78-37F28AE2BC2E}" destId="{D4231F00-DF1F-0A48-9003-99A6B28C75C5}" srcOrd="0" destOrd="0" presId="urn:microsoft.com/office/officeart/2005/8/layout/process1"/>
     <dgm:cxn modelId="{6534C9EB-B940-8543-8838-1CFF3D3305EE}" type="presOf" srcId="{05D231F7-9B49-2745-9283-AA30961F111D}" destId="{9513F53D-682B-F440-A7C7-CFA17313B482}" srcOrd="0" destOrd="0" presId="urn:microsoft.com/office/officeart/2005/8/layout/process1"/>
-    <dgm:cxn modelId="{6B37BDB0-BE2D-7F44-8567-B35E24617430}" srcId="{E35BD2A4-6D55-F941-9DEB-C042C5455B14}" destId="{EF37619C-094B-2644-B03C-0F1CDB0EF855}" srcOrd="0" destOrd="0" parTransId="{DB57F39C-2FDF-5F4E-AEA2-99ACD8B4FF52}" sibTransId="{8FB78E42-085D-634E-BF5D-D37B2650A617}"/>
-    <dgm:cxn modelId="{E05E65E6-1902-E24D-BBF6-5C64A0A27131}" srcId="{38C70F78-006C-1640-825C-BADCE6BB014D}" destId="{495B65AD-3D22-7844-8DBF-DE2190C1FF08}" srcOrd="1" destOrd="0" parTransId="{82CCF03A-BD55-CF47-BCFA-E1D01D42F5BC}" sibTransId="{354197FF-AF5A-5649-8183-B5B29B348D3F}"/>
+    <dgm:cxn modelId="{0E59DEDD-6DB7-DE40-86B9-E7093127B454}" type="presOf" srcId="{F3A08EF7-2D39-5C4A-A3B5-A7B21FA26263}" destId="{9DF8B5F0-5484-1D4F-940C-A79F02191822}" srcOrd="0" destOrd="0" presId="urn:microsoft.com/office/officeart/2005/8/layout/process1"/>
+    <dgm:cxn modelId="{A731ECA7-60FA-E94D-8E0A-806D41AF8453}" type="presOf" srcId="{531143A0-637E-4048-96D1-80B7B34EA244}" destId="{816FCC64-4145-294F-9876-21B54D10F82A}" srcOrd="0" destOrd="2" presId="urn:microsoft.com/office/officeart/2005/8/layout/process1"/>
+    <dgm:cxn modelId="{9FD228C6-947C-1B4E-ABDF-3B2199A988E7}" type="presOf" srcId="{05D231F7-9B49-2745-9283-AA30961F111D}" destId="{1342FEAE-AEFF-2B45-B36B-CAE28A593946}" srcOrd="1" destOrd="0" presId="urn:microsoft.com/office/officeart/2005/8/layout/process1"/>
+    <dgm:cxn modelId="{1F5136A7-C80B-5D46-9C25-1614966768BB}" type="presOf" srcId="{EF37619C-094B-2644-B03C-0F1CDB0EF855}" destId="{A5C55B32-839B-2948-9618-28ABCBDD7242}" srcOrd="0" destOrd="1" presId="urn:microsoft.com/office/officeart/2005/8/layout/process1"/>
+    <dgm:cxn modelId="{05E613B1-2334-224F-B915-FAB82E2BD017}" srcId="{FB087F6F-FC51-7E43-A224-02A78176F40B}" destId="{12D35348-71B3-154C-B683-D9108D73548C}" srcOrd="1" destOrd="0" parTransId="{2966E221-7E80-7B4A-B04D-0136B3535590}" sibTransId="{66B098C2-BCD2-574B-AC6C-085BB08C773F}"/>
+    <dgm:cxn modelId="{A7D2993F-A690-704D-AF9D-05996003B388}" type="presOf" srcId="{E35BD2A4-6D55-F941-9DEB-C042C5455B14}" destId="{A5C55B32-839B-2948-9618-28ABCBDD7242}" srcOrd="0" destOrd="0" presId="urn:microsoft.com/office/officeart/2005/8/layout/process1"/>
+    <dgm:cxn modelId="{62EE9E4B-FA52-FE46-8576-485A0DAAFE51}" type="presOf" srcId="{0A5B366B-0E51-BC44-A1E6-0A65C8017258}" destId="{4D022B2D-2789-244A-88C8-A50007FFB93B}" srcOrd="0" destOrd="0" presId="urn:microsoft.com/office/officeart/2005/8/layout/process1"/>
+    <dgm:cxn modelId="{B3F1C935-D227-CD43-92E8-2C94E8DE04B0}" srcId="{F5AAA436-4F59-D14E-A10B-15323EDC5DFD}" destId="{4E402675-F692-374F-8A17-A5133C93439D}" srcOrd="0" destOrd="0" parTransId="{0389D240-CE42-C442-8C97-958682B28883}" sibTransId="{44EACAE5-FF31-3F4D-BB78-37F28AE2BC2E}"/>
+    <dgm:cxn modelId="{FD915FB5-8BC8-DC40-864B-174A698DC54A}" srcId="{B8751F8F-CC1D-4148-9CE8-C84D9A2DA468}" destId="{531143A0-637E-4048-96D1-80B7B34EA244}" srcOrd="1" destOrd="0" parTransId="{51C3A08F-FC9F-A541-B55C-50433B2AE58B}" sibTransId="{578E6BF1-E6BF-D74C-98E9-F6433F23B3C2}"/>
+    <dgm:cxn modelId="{3200B374-8C8D-2248-9059-793E0A04B9DF}" type="presOf" srcId="{F5AAA436-4F59-D14E-A10B-15323EDC5DFD}" destId="{28591860-CB32-9B40-BE4B-B156B74E000C}" srcOrd="0" destOrd="0" presId="urn:microsoft.com/office/officeart/2005/8/layout/process1"/>
     <dgm:cxn modelId="{50CA3E68-F636-E646-AD37-2DC280A6AB22}" type="presOf" srcId="{DC491088-2006-F649-87EA-149827860AB1}" destId="{816FCC64-4145-294F-9876-21B54D10F82A}" srcOrd="0" destOrd="3" presId="urn:microsoft.com/office/officeart/2005/8/layout/process1"/>
-    <dgm:cxn modelId="{2717A3D8-47EE-4542-B652-57D030BB06A0}" type="presOf" srcId="{0A5B366B-0E51-BC44-A1E6-0A65C8017258}" destId="{D83176DB-F5FF-2C4F-8A36-62652ABF5671}" srcOrd="1" destOrd="0" presId="urn:microsoft.com/office/officeart/2005/8/layout/process1"/>
-    <dgm:cxn modelId="{A1ADE9F4-90B9-2146-81CE-C0F59C8AB539}" srcId="{38C70F78-006C-1640-825C-BADCE6BB014D}" destId="{0589A48F-48C3-F344-8B72-8599EA835837}" srcOrd="0" destOrd="0" parTransId="{0B48F769-B972-014D-931D-1DFDF5A97C72}" sibTransId="{F31A8222-24DA-ED47-94B6-20B942D7D41B}"/>
-    <dgm:cxn modelId="{62EE9E4B-FA52-FE46-8576-485A0DAAFE51}" type="presOf" srcId="{0A5B366B-0E51-BC44-A1E6-0A65C8017258}" destId="{4D022B2D-2789-244A-88C8-A50007FFB93B}" srcOrd="0" destOrd="0" presId="urn:microsoft.com/office/officeart/2005/8/layout/process1"/>
-    <dgm:cxn modelId="{A731ECA7-60FA-E94D-8E0A-806D41AF8453}" type="presOf" srcId="{531143A0-637E-4048-96D1-80B7B34EA244}" destId="{816FCC64-4145-294F-9876-21B54D10F82A}" srcOrd="0" destOrd="2" presId="urn:microsoft.com/office/officeart/2005/8/layout/process1"/>
-    <dgm:cxn modelId="{30996B43-0CBC-0C4D-BE6A-83C107B0C8DC}" type="presOf" srcId="{0589A48F-48C3-F344-8B72-8599EA835837}" destId="{96606982-F3A4-024C-AC83-CE77591E02F9}" srcOrd="0" destOrd="1" presId="urn:microsoft.com/office/officeart/2005/8/layout/process1"/>
     <dgm:cxn modelId="{0BBC186B-22F2-184D-BE0B-55BB0A08F489}" type="presOf" srcId="{32EF24E3-15E0-0543-B641-E194E3123FB6}" destId="{816FCC64-4145-294F-9876-21B54D10F82A}" srcOrd="0" destOrd="1" presId="urn:microsoft.com/office/officeart/2005/8/layout/process1"/>
-    <dgm:cxn modelId="{F1C99A73-A56B-E84F-86A6-DFBC579CEBCE}" srcId="{B8751F8F-CC1D-4148-9CE8-C84D9A2DA468}" destId="{DC491088-2006-F649-87EA-149827860AB1}" srcOrd="2" destOrd="0" parTransId="{EFC3B622-2F7A-3E47-A7B2-D648DE94E123}" sibTransId="{431A707D-DCCF-D143-8BE6-920CE3E227B3}"/>
-    <dgm:cxn modelId="{8EBC375C-FD74-4A42-93B1-C0375B66EDFF}" type="presOf" srcId="{38C70F78-006C-1640-825C-BADCE6BB014D}" destId="{96606982-F3A4-024C-AC83-CE77591E02F9}" srcOrd="0" destOrd="0" presId="urn:microsoft.com/office/officeart/2005/8/layout/process1"/>
-    <dgm:cxn modelId="{621F3E5F-FF74-774B-904A-50170B50E741}" srcId="{F5AAA436-4F59-D14E-A10B-15323EDC5DFD}" destId="{38C70F78-006C-1640-825C-BADCE6BB014D}" srcOrd="4" destOrd="0" parTransId="{35DAFC1B-44BB-4347-9360-932CA9A13E38}" sibTransId="{F3A08EF7-2D39-5C4A-A3B5-A7B21FA26263}"/>
-    <dgm:cxn modelId="{0E59DEDD-6DB7-DE40-86B9-E7093127B454}" type="presOf" srcId="{F3A08EF7-2D39-5C4A-A3B5-A7B21FA26263}" destId="{9DF8B5F0-5484-1D4F-940C-A79F02191822}" srcOrd="0" destOrd="0" presId="urn:microsoft.com/office/officeart/2005/8/layout/process1"/>
-    <dgm:cxn modelId="{ED4C2F42-6A9E-8640-BC8A-C84049EBB612}" type="presOf" srcId="{B8751F8F-CC1D-4148-9CE8-C84D9A2DA468}" destId="{816FCC64-4145-294F-9876-21B54D10F82A}" srcOrd="0" destOrd="0" presId="urn:microsoft.com/office/officeart/2005/8/layout/process1"/>
-    <dgm:cxn modelId="{81C171AC-E719-FC40-B9F2-DD16E4CDD75A}" type="presOf" srcId="{F3A08EF7-2D39-5C4A-A3B5-A7B21FA26263}" destId="{689F657A-2AD2-F549-AFF4-9C64C5E5614E}" srcOrd="1" destOrd="0" presId="urn:microsoft.com/office/officeart/2005/8/layout/process1"/>
-    <dgm:cxn modelId="{EB99AFE5-4EBA-8748-A841-0906DF47CE61}" srcId="{F5AAA436-4F59-D14E-A10B-15323EDC5DFD}" destId="{E35BD2A4-6D55-F941-9DEB-C042C5455B14}" srcOrd="3" destOrd="0" parTransId="{B0FE4BF2-BEDB-394E-A600-CA33867EA785}" sibTransId="{09DBAD08-2D4B-D74E-B8C3-D633ED7EFA78}"/>
-    <dgm:cxn modelId="{E5F466CB-2906-C744-B8B5-FC04E4360D9D}" type="presOf" srcId="{44EACAE5-FF31-3F4D-BB78-37F28AE2BC2E}" destId="{569E1AB0-5A6B-C640-919A-513426F32701}" srcOrd="1" destOrd="0" presId="urn:microsoft.com/office/officeart/2005/8/layout/process1"/>
-    <dgm:cxn modelId="{63D07977-105C-C747-86CD-3C95DEB049EA}" type="presOf" srcId="{4E402675-F692-374F-8A17-A5133C93439D}" destId="{502BF0D8-9C8E-B74C-B5B6-21E645CB7972}" srcOrd="0" destOrd="0" presId="urn:microsoft.com/office/officeart/2005/8/layout/process1"/>
-    <dgm:cxn modelId="{FC1B2A89-E498-604E-8D34-916BD2676B45}" type="presOf" srcId="{D79DCFF7-4924-0E40-8DDC-5D9636AD45E4}" destId="{DF3B56E6-D745-DE44-A7EB-31AF5BD3244F}" srcOrd="0" destOrd="1" presId="urn:microsoft.com/office/officeart/2005/8/layout/process1"/>
-    <dgm:cxn modelId="{B3F1C935-D227-CD43-92E8-2C94E8DE04B0}" srcId="{F5AAA436-4F59-D14E-A10B-15323EDC5DFD}" destId="{4E402675-F692-374F-8A17-A5133C93439D}" srcOrd="0" destOrd="0" parTransId="{0389D240-CE42-C442-8C97-958682B28883}" sibTransId="{44EACAE5-FF31-3F4D-BB78-37F28AE2BC2E}"/>
-    <dgm:cxn modelId="{9FD228C6-947C-1B4E-ABDF-3B2199A988E7}" type="presOf" srcId="{05D231F7-9B49-2745-9283-AA30961F111D}" destId="{1342FEAE-AEFF-2B45-B36B-CAE28A593946}" srcOrd="1" destOrd="0" presId="urn:microsoft.com/office/officeart/2005/8/layout/process1"/>
-    <dgm:cxn modelId="{186FBBD0-9900-7E43-9151-1AFC9FDCBDF1}" type="presOf" srcId="{FB087F6F-FC51-7E43-A224-02A78176F40B}" destId="{DF3B56E6-D745-DE44-A7EB-31AF5BD3244F}" srcOrd="0" destOrd="0" presId="urn:microsoft.com/office/officeart/2005/8/layout/process1"/>
-    <dgm:cxn modelId="{A7D2993F-A690-704D-AF9D-05996003B388}" type="presOf" srcId="{E35BD2A4-6D55-F941-9DEB-C042C5455B14}" destId="{A5C55B32-839B-2948-9618-28ABCBDD7242}" srcOrd="0" destOrd="0" presId="urn:microsoft.com/office/officeart/2005/8/layout/process1"/>
-    <dgm:cxn modelId="{49080E83-8D39-5940-B154-D4AAE66704A7}" srcId="{F5AAA436-4F59-D14E-A10B-15323EDC5DFD}" destId="{D8205326-D657-C44F-99D9-55E16922340C}" srcOrd="1" destOrd="0" parTransId="{5212ABAE-5963-1E48-B1AD-F611BDE56926}" sibTransId="{05D231F7-9B49-2745-9283-AA30961F111D}"/>
-    <dgm:cxn modelId="{3200B374-8C8D-2248-9059-793E0A04B9DF}" type="presOf" srcId="{F5AAA436-4F59-D14E-A10B-15323EDC5DFD}" destId="{28591860-CB32-9B40-BE4B-B156B74E000C}" srcOrd="0" destOrd="0" presId="urn:microsoft.com/office/officeart/2005/8/layout/process1"/>
-    <dgm:cxn modelId="{1F5136A7-C80B-5D46-9C25-1614966768BB}" type="presOf" srcId="{EF37619C-094B-2644-B03C-0F1CDB0EF855}" destId="{A5C55B32-839B-2948-9618-28ABCBDD7242}" srcOrd="0" destOrd="1" presId="urn:microsoft.com/office/officeart/2005/8/layout/process1"/>
-    <dgm:cxn modelId="{BF9ABEB2-7933-4946-8647-04A95C1BBA2F}" srcId="{F5AAA436-4F59-D14E-A10B-15323EDC5DFD}" destId="{B8751F8F-CC1D-4148-9CE8-C84D9A2DA468}" srcOrd="5" destOrd="0" parTransId="{87AF2284-516F-A64E-BDB5-9689880250AF}" sibTransId="{1F7A2CAC-63B8-E74D-8515-BDF474FD1BE2}"/>
-    <dgm:cxn modelId="{E7524A64-03A7-1B40-9608-E3BC1A4D5CBF}" srcId="{F5AAA436-4F59-D14E-A10B-15323EDC5DFD}" destId="{FB087F6F-FC51-7E43-A224-02A78176F40B}" srcOrd="2" destOrd="0" parTransId="{97D261BB-EE35-AD4F-8D6F-FF3D1F4EECE6}" sibTransId="{0A5B366B-0E51-BC44-A1E6-0A65C8017258}"/>
-    <dgm:cxn modelId="{D971C6B7-22D0-9D4B-91FA-6ACBD72634E3}" type="presOf" srcId="{85E21379-0253-BF4B-910F-3A69E92E2BC4}" destId="{A5C55B32-839B-2948-9618-28ABCBDD7242}" srcOrd="0" destOrd="2" presId="urn:microsoft.com/office/officeart/2005/8/layout/process1"/>
-    <dgm:cxn modelId="{D8A411D3-95E4-3D48-A824-4ACE331811B9}" type="presOf" srcId="{495B65AD-3D22-7844-8DBF-DE2190C1FF08}" destId="{96606982-F3A4-024C-AC83-CE77591E02F9}" srcOrd="0" destOrd="2" presId="urn:microsoft.com/office/officeart/2005/8/layout/process1"/>
-    <dgm:cxn modelId="{FD915FB5-8BC8-DC40-864B-174A698DC54A}" srcId="{B8751F8F-CC1D-4148-9CE8-C84D9A2DA468}" destId="{531143A0-637E-4048-96D1-80B7B34EA244}" srcOrd="1" destOrd="0" parTransId="{51C3A08F-FC9F-A541-B55C-50433B2AE58B}" sibTransId="{578E6BF1-E6BF-D74C-98E9-F6433F23B3C2}"/>
-    <dgm:cxn modelId="{E124571B-F853-0847-89C0-966B984D71AA}" srcId="{FB087F6F-FC51-7E43-A224-02A78176F40B}" destId="{D79DCFF7-4924-0E40-8DDC-5D9636AD45E4}" srcOrd="0" destOrd="0" parTransId="{CD1BB076-1E35-2E4A-AB8C-43909808F26A}" sibTransId="{A297662B-95B3-114E-991A-8A3051978D3E}"/>
-    <dgm:cxn modelId="{EEF06E48-2C4E-C74A-AC07-54EF94F9164A}" type="presOf" srcId="{D8205326-D657-C44F-99D9-55E16922340C}" destId="{856B51CA-789E-8946-9E14-45DA5D56867A}" srcOrd="0" destOrd="0" presId="urn:microsoft.com/office/officeart/2005/8/layout/process1"/>
-    <dgm:cxn modelId="{841F5915-508B-2740-A905-10E37BAC0DCB}" srcId="{B8751F8F-CC1D-4148-9CE8-C84D9A2DA468}" destId="{32EF24E3-15E0-0543-B641-E194E3123FB6}" srcOrd="0" destOrd="0" parTransId="{14B41F6C-66DF-8341-B46B-186A895CDB25}" sibTransId="{0A9C86E8-33CE-A441-8CF3-15FE312764AC}"/>
-    <dgm:cxn modelId="{05E613B1-2334-224F-B915-FAB82E2BD017}" srcId="{FB087F6F-FC51-7E43-A224-02A78176F40B}" destId="{12D35348-71B3-154C-B683-D9108D73548C}" srcOrd="1" destOrd="0" parTransId="{2966E221-7E80-7B4A-B04D-0136B3535590}" sibTransId="{66B098C2-BCD2-574B-AC6C-085BB08C773F}"/>
-    <dgm:cxn modelId="{4D111630-9B32-374A-AF7B-F752814A0711}" type="presOf" srcId="{12D35348-71B3-154C-B683-D9108D73548C}" destId="{DF3B56E6-D745-DE44-A7EB-31AF5BD3244F}" srcOrd="0" destOrd="2" presId="urn:microsoft.com/office/officeart/2005/8/layout/process1"/>
+    <dgm:cxn modelId="{7420E4C6-9886-FE42-B3E1-A1E90B5D5D85}" type="presOf" srcId="{09DBAD08-2D4B-D74E-B8C3-D633ED7EFA78}" destId="{5252520A-2CCD-0842-A48E-C552B30CDF4B}" srcOrd="1" destOrd="0" presId="urn:microsoft.com/office/officeart/2005/8/layout/process1"/>
     <dgm:cxn modelId="{D3216787-A0C8-BA47-8176-4AF7304DCB51}" type="presParOf" srcId="{28591860-CB32-9B40-BE4B-B156B74E000C}" destId="{502BF0D8-9C8E-B74C-B5B6-21E645CB7972}" srcOrd="0" destOrd="0" presId="urn:microsoft.com/office/officeart/2005/8/layout/process1"/>
     <dgm:cxn modelId="{36A7084A-8286-3F43-825A-DE3A0A7F6C17}" type="presParOf" srcId="{28591860-CB32-9B40-BE4B-B156B74E000C}" destId="{D4231F00-DF1F-0A48-9003-99A6B28C75C5}" srcOrd="1" destOrd="0" presId="urn:microsoft.com/office/officeart/2005/8/layout/process1"/>
     <dgm:cxn modelId="{71A7EFC5-EE71-CA44-AB07-27EBC53FF68D}" type="presParOf" srcId="{D4231F00-DF1F-0A48-9003-99A6B28C75C5}" destId="{569E1AB0-5A6B-C640-919A-513426F32701}" srcOrd="0" destOrd="0" presId="urn:microsoft.com/office/officeart/2005/8/layout/process1"/>
@@ -14732,6 +14733,231 @@
       </p:grpSpPr>
       <p:sp>
         <p:nvSpPr>
+          <p:cNvPr id="2" name="Titre 1">
+            <a:extLst>
+              <a:ext uri="{FF2B5EF4-FFF2-40B4-BE49-F238E27FC236}">
+                <a16:creationId xmlns:a16="http://schemas.microsoft.com/office/drawing/2014/main" xmlns="" id="{4F284A6F-2156-4A72-BFA8-279770C09871}"/>
+              </a:ext>
+            </a:extLst>
+          </p:cNvPr>
+          <p:cNvSpPr>
+            <a:spLocks noGrp="1"/>
+          </p:cNvSpPr>
+          <p:nvPr>
+            <p:ph type="title"/>
+          </p:nvPr>
+        </p:nvSpPr>
+        <p:spPr/>
+        <p:txBody>
+          <a:bodyPr/>
+          <a:lstStyle/>
+          <a:p>
+            <a:r>
+              <a:rPr lang="fr-FR" dirty="0">
+                <a:solidFill>
+                  <a:srgbClr val="FF6600"/>
+                </a:solidFill>
+                <a:latin typeface="Times"/>
+                <a:cs typeface="Times"/>
+              </a:rPr>
+              <a:t>Techniques de caractérisations</a:t>
+            </a:r>
+          </a:p>
+        </p:txBody>
+      </p:sp>
+      <p:sp>
+        <p:nvSpPr>
+          <p:cNvPr id="4" name="Espace réservé du numéro de diapositive 3">
+            <a:extLst>
+              <a:ext uri="{FF2B5EF4-FFF2-40B4-BE49-F238E27FC236}">
+                <a16:creationId xmlns:a16="http://schemas.microsoft.com/office/drawing/2014/main" xmlns="" id="{36899F0A-B108-4D7F-B10E-0FE49640BC34}"/>
+              </a:ext>
+            </a:extLst>
+          </p:cNvPr>
+          <p:cNvSpPr>
+            <a:spLocks noGrp="1"/>
+          </p:cNvSpPr>
+          <p:nvPr>
+            <p:ph type="sldNum" sz="quarter" idx="12"/>
+          </p:nvPr>
+        </p:nvSpPr>
+        <p:spPr/>
+        <p:txBody>
+          <a:bodyPr/>
+          <a:lstStyle/>
+          <a:p>
+            <a:fld id="{5BA00AD0-89FA-4358-AFE4-0A4CF2693EF1}" type="slidenum">
+              <a:rPr lang="fr-FR" smtClean="0"/>
+              <a:t>10</a:t>
+            </a:fld>
+            <a:endParaRPr lang="fr-FR"/>
+          </a:p>
+        </p:txBody>
+      </p:sp>
+      <p:pic>
+        <p:nvPicPr>
+          <p:cNvPr id="5" name="table">
+            <a:extLst>
+              <a:ext uri="{FF2B5EF4-FFF2-40B4-BE49-F238E27FC236}">
+                <a16:creationId xmlns:a16="http://schemas.microsoft.com/office/drawing/2014/main" xmlns="" id="{1B95E68B-CA76-4137-A1D4-C62C60CE6C90}"/>
+              </a:ext>
+            </a:extLst>
+          </p:cNvPr>
+          <p:cNvPicPr>
+            <a:picLocks noChangeAspect="1"/>
+          </p:cNvPicPr>
+          <p:nvPr/>
+        </p:nvPicPr>
+        <p:blipFill>
+          <a:blip r:embed="rId2"/>
+          <a:stretch>
+            <a:fillRect/>
+          </a:stretch>
+        </p:blipFill>
+        <p:spPr>
+          <a:xfrm>
+            <a:off x="778799" y="1249239"/>
+            <a:ext cx="7586403" cy="3197914"/>
+          </a:xfrm>
+          <a:prstGeom prst="rect">
+            <a:avLst/>
+          </a:prstGeom>
+        </p:spPr>
+      </p:pic>
+      <p:pic>
+        <p:nvPicPr>
+          <p:cNvPr id="6" name="Picture 2" descr="Lot de 8 substances pour Banc Kofler - Jeulin">
+            <a:extLst>
+              <a:ext uri="{FF2B5EF4-FFF2-40B4-BE49-F238E27FC236}">
+                <a16:creationId xmlns:a16="http://schemas.microsoft.com/office/drawing/2014/main" xmlns="" id="{90CABF52-028B-4B1D-9980-5EAC2DE096D4}"/>
+              </a:ext>
+            </a:extLst>
+          </p:cNvPr>
+          <p:cNvPicPr>
+            <a:picLocks noChangeAspect="1" noChangeArrowheads="1"/>
+          </p:cNvPicPr>
+          <p:nvPr/>
+        </p:nvPicPr>
+        <p:blipFill rotWithShape="1">
+          <a:blip r:embed="rId3">
+            <a:extLst>
+              <a:ext uri="{28A0092B-C50C-407E-A947-70E740481C1C}">
+                <a14:useLocalDpi xmlns:a14="http://schemas.microsoft.com/office/drawing/2010/main" val="0"/>
+              </a:ext>
+            </a:extLst>
+          </a:blip>
+          <a:srcRect t="31502" b="27708"/>
+          <a:stretch/>
+        </p:blipFill>
+        <p:spPr bwMode="auto">
+          <a:xfrm>
+            <a:off x="973357" y="2848195"/>
+            <a:ext cx="3143250" cy="1282148"/>
+          </a:xfrm>
+          <a:prstGeom prst="rect">
+            <a:avLst/>
+          </a:prstGeom>
+          <a:noFill/>
+          <a:extLst>
+            <a:ext uri="{909E8E84-426E-40dd-AFC4-6F175D3DCCD1}">
+              <a14:hiddenFill xmlns:a14="http://schemas.microsoft.com/office/drawing/2010/main">
+                <a:solidFill>
+                  <a:srgbClr val="FFFFFF"/>
+                </a:solidFill>
+              </a14:hiddenFill>
+            </a:ext>
+          </a:extLst>
+        </p:spPr>
+      </p:pic>
+      <p:pic>
+        <p:nvPicPr>
+          <p:cNvPr id="7" name="Picture 4" descr="RÃ©fractomÃ¨tre d'AbbÃ© NOVEX - Jeulin">
+            <a:extLst>
+              <a:ext uri="{FF2B5EF4-FFF2-40B4-BE49-F238E27FC236}">
+                <a16:creationId xmlns:a16="http://schemas.microsoft.com/office/drawing/2014/main" xmlns="" id="{F1499DEB-7025-4DC9-B824-088160F2674E}"/>
+              </a:ext>
+            </a:extLst>
+          </p:cNvPr>
+          <p:cNvPicPr>
+            <a:picLocks noChangeAspect="1" noChangeArrowheads="1"/>
+          </p:cNvPicPr>
+          <p:nvPr/>
+        </p:nvPicPr>
+        <p:blipFill>
+          <a:blip r:embed="rId4">
+            <a:clrChange>
+              <a:clrFrom>
+                <a:srgbClr val="FFFFFF"/>
+              </a:clrFrom>
+              <a:clrTo>
+                <a:srgbClr val="FFFFFF">
+                  <a:alpha val="0"/>
+                </a:srgbClr>
+              </a:clrTo>
+            </a:clrChange>
+            <a:extLst>
+              <a:ext uri="{28A0092B-C50C-407E-A947-70E740481C1C}">
+                <a14:useLocalDpi xmlns:a14="http://schemas.microsoft.com/office/drawing/2010/main" val="0"/>
+              </a:ext>
+            </a:extLst>
+          </a:blip>
+          <a:srcRect/>
+          <a:stretch>
+            <a:fillRect/>
+          </a:stretch>
+        </p:blipFill>
+        <p:spPr bwMode="auto">
+          <a:xfrm>
+            <a:off x="5669596" y="2453113"/>
+            <a:ext cx="1919495" cy="1919495"/>
+          </a:xfrm>
+          <a:prstGeom prst="rect">
+            <a:avLst/>
+          </a:prstGeom>
+          <a:noFill/>
+          <a:extLst>
+            <a:ext uri="{909E8E84-426E-40dd-AFC4-6F175D3DCCD1}">
+              <a14:hiddenFill xmlns:a14="http://schemas.microsoft.com/office/drawing/2010/main">
+                <a:solidFill>
+                  <a:srgbClr val="FFFFFF"/>
+                </a:solidFill>
+              </a14:hiddenFill>
+            </a:ext>
+          </a:extLst>
+        </p:spPr>
+      </p:pic>
+    </p:spTree>
+    <p:extLst>
+      <p:ext uri="{BB962C8B-B14F-4D97-AF65-F5344CB8AC3E}">
+        <p14:creationId xmlns:p14="http://schemas.microsoft.com/office/powerpoint/2010/main" val="3576859831"/>
+      </p:ext>
+    </p:extLst>
+  </p:cSld>
+  <p:clrMapOvr>
+    <a:masterClrMapping/>
+  </p:clrMapOvr>
+</p:sld>
+</file>
+
+<file path=ppt/slides/slide11.xml><?xml version="1.0" encoding="utf-8"?>
+<p:sld xmlns:a="http://schemas.openxmlformats.org/drawingml/2006/main" xmlns:r="http://schemas.openxmlformats.org/officeDocument/2006/relationships" xmlns:p="http://schemas.openxmlformats.org/presentationml/2006/main">
+  <p:cSld>
+    <p:spTree>
+      <p:nvGrpSpPr>
+        <p:cNvPr id="1" name=""/>
+        <p:cNvGrpSpPr/>
+        <p:nvPr/>
+      </p:nvGrpSpPr>
+      <p:grpSpPr>
+        <a:xfrm>
+          <a:off x="0" y="0"/>
+          <a:ext cx="0" cy="0"/>
+          <a:chOff x="0" y="0"/>
+          <a:chExt cx="0" cy="0"/>
+        </a:xfrm>
+      </p:grpSpPr>
+      <p:sp>
+        <p:nvSpPr>
           <p:cNvPr id="2" name="Titre 1"/>
           <p:cNvSpPr>
             <a:spLocks noGrp="1"/>
@@ -14830,7 +15056,7 @@
             </a:pPr>
             <a:fld id="{00000000-1234-1234-1234-123412341234}" type="slidenum">
               <a:rPr lang="fr" smtClean="0"/>
-              <a:t>10</a:t>
+              <a:t>11</a:t>
             </a:fld>
             <a:endParaRPr lang="fr"/>
           </a:p>
@@ -15136,7 +15362,7 @@
 </p:sld>
 </file>
 
-<file path=ppt/slides/slide11.xml><?xml version="1.0" encoding="utf-8"?>
+<file path=ppt/slides/slide12.xml><?xml version="1.0" encoding="utf-8"?>
 <p:sld xmlns:a="http://schemas.openxmlformats.org/drawingml/2006/main" xmlns:r="http://schemas.openxmlformats.org/officeDocument/2006/relationships" xmlns:p="http://schemas.openxmlformats.org/presentationml/2006/main">
   <p:cSld>
     <p:spTree>
@@ -15158,7 +15384,7 @@
           <p:cNvPr id="2" name="Titre 1">
             <a:extLst>
               <a:ext uri="{FF2B5EF4-FFF2-40B4-BE49-F238E27FC236}">
-                <a16:creationId xmlns="" xmlns:a16="http://schemas.microsoft.com/office/drawing/2014/main" id="{78456B7B-6855-4B62-AC25-7C4060AACBE3}"/>
+                <a16:creationId xmlns:a16="http://schemas.microsoft.com/office/drawing/2014/main" xmlns="" id="{78456B7B-6855-4B62-AC25-7C4060AACBE3}"/>
               </a:ext>
             </a:extLst>
           </p:cNvPr>
@@ -15194,7 +15420,7 @@
           <p:cNvPr id="6" name="ZoneTexte 5">
             <a:extLst>
               <a:ext uri="{FF2B5EF4-FFF2-40B4-BE49-F238E27FC236}">
-                <a16:creationId xmlns="" xmlns:a16="http://schemas.microsoft.com/office/drawing/2014/main" id="{AB79911D-B615-45F4-8733-40E6FF71FA56}"/>
+                <a16:creationId xmlns:a16="http://schemas.microsoft.com/office/drawing/2014/main" xmlns="" id="{AB79911D-B615-45F4-8733-40E6FF71FA56}"/>
               </a:ext>
             </a:extLst>
           </p:cNvPr>
@@ -15462,7 +15688,7 @@
           <p:cNvPr id="10" name="Arrondir un rectangle avec un coin du même côté 734">
             <a:extLst>
               <a:ext uri="{FF2B5EF4-FFF2-40B4-BE49-F238E27FC236}">
-                <a16:creationId xmlns="" xmlns:a16="http://schemas.microsoft.com/office/drawing/2014/main" id="{BBD06ECA-D199-4FD9-81FD-761CB81F8BFB}"/>
+                <a16:creationId xmlns:a16="http://schemas.microsoft.com/office/drawing/2014/main" xmlns="" id="{BBD06ECA-D199-4FD9-81FD-761CB81F8BFB}"/>
               </a:ext>
             </a:extLst>
           </p:cNvPr>
@@ -15621,7 +15847,7 @@
           <p:cNvPr id="11" name="Parallélogramme 10">
             <a:extLst>
               <a:ext uri="{FF2B5EF4-FFF2-40B4-BE49-F238E27FC236}">
-                <a16:creationId xmlns="" xmlns:a16="http://schemas.microsoft.com/office/drawing/2014/main" id="{3EB2DF32-3C3B-406F-B3F4-A8164082033E}"/>
+                <a16:creationId xmlns:a16="http://schemas.microsoft.com/office/drawing/2014/main" xmlns="" id="{3EB2DF32-3C3B-406F-B3F4-A8164082033E}"/>
               </a:ext>
             </a:extLst>
           </p:cNvPr>
@@ -15682,7 +15908,7 @@
           <p:cNvPr id="12" name="Connecteur droit 11">
             <a:extLst>
               <a:ext uri="{FF2B5EF4-FFF2-40B4-BE49-F238E27FC236}">
-                <a16:creationId xmlns="" xmlns:a16="http://schemas.microsoft.com/office/drawing/2014/main" id="{6FF2128C-DA56-4D19-8F2D-139990948AF4}"/>
+                <a16:creationId xmlns:a16="http://schemas.microsoft.com/office/drawing/2014/main" xmlns="" id="{6FF2128C-DA56-4D19-8F2D-139990948AF4}"/>
               </a:ext>
             </a:extLst>
           </p:cNvPr>
@@ -15926,7 +16152,7 @@
           <p:cNvPr id="21" name="Rectangle 20">
             <a:extLst>
               <a:ext uri="{FF2B5EF4-FFF2-40B4-BE49-F238E27FC236}">
-                <a16:creationId xmlns="" xmlns:a16="http://schemas.microsoft.com/office/drawing/2014/main" id="{C5F1A8B9-B2AF-42D5-83FF-5BE61975432C}"/>
+                <a16:creationId xmlns:a16="http://schemas.microsoft.com/office/drawing/2014/main" xmlns="" id="{C5F1A8B9-B2AF-42D5-83FF-5BE61975432C}"/>
               </a:ext>
             </a:extLst>
           </p:cNvPr>
@@ -15970,7 +16196,7 @@
           <p:cNvPr id="23" name="Ellipse 22">
             <a:extLst>
               <a:ext uri="{FF2B5EF4-FFF2-40B4-BE49-F238E27FC236}">
-                <a16:creationId xmlns="" xmlns:a16="http://schemas.microsoft.com/office/drawing/2014/main" id="{0EF94BED-821B-4945-B129-BBC507BD2A06}"/>
+                <a16:creationId xmlns:a16="http://schemas.microsoft.com/office/drawing/2014/main" xmlns="" id="{0EF94BED-821B-4945-B129-BBC507BD2A06}"/>
               </a:ext>
             </a:extLst>
           </p:cNvPr>
@@ -16057,7 +16283,7 @@
           <p:cNvPr id="25" name="Ellipse 24">
             <a:extLst>
               <a:ext uri="{FF2B5EF4-FFF2-40B4-BE49-F238E27FC236}">
-                <a16:creationId xmlns="" xmlns:a16="http://schemas.microsoft.com/office/drawing/2014/main" id="{0EF94BED-821B-4945-B129-BBC507BD2A06}"/>
+                <a16:creationId xmlns:a16="http://schemas.microsoft.com/office/drawing/2014/main" xmlns="" id="{0EF94BED-821B-4945-B129-BBC507BD2A06}"/>
               </a:ext>
             </a:extLst>
           </p:cNvPr>
@@ -16109,7 +16335,7 @@
           <p:cNvPr id="26" name="Ellipse 25">
             <a:extLst>
               <a:ext uri="{FF2B5EF4-FFF2-40B4-BE49-F238E27FC236}">
-                <a16:creationId xmlns="" xmlns:a16="http://schemas.microsoft.com/office/drawing/2014/main" id="{0EF94BED-821B-4945-B129-BBC507BD2A06}"/>
+                <a16:creationId xmlns:a16="http://schemas.microsoft.com/office/drawing/2014/main" xmlns="" id="{0EF94BED-821B-4945-B129-BBC507BD2A06}"/>
               </a:ext>
             </a:extLst>
           </p:cNvPr>
@@ -16161,7 +16387,7 @@
           <p:cNvPr id="27" name="Ellipse 26">
             <a:extLst>
               <a:ext uri="{FF2B5EF4-FFF2-40B4-BE49-F238E27FC236}">
-                <a16:creationId xmlns="" xmlns:a16="http://schemas.microsoft.com/office/drawing/2014/main" id="{0EF94BED-821B-4945-B129-BBC507BD2A06}"/>
+                <a16:creationId xmlns:a16="http://schemas.microsoft.com/office/drawing/2014/main" xmlns="" id="{0EF94BED-821B-4945-B129-BBC507BD2A06}"/>
               </a:ext>
             </a:extLst>
           </p:cNvPr>
@@ -16251,7 +16477,7 @@
 </p:sld>
 </file>
 
-<file path=ppt/slides/slide12.xml><?xml version="1.0" encoding="utf-8"?>
+<file path=ppt/slides/slide13.xml><?xml version="1.0" encoding="utf-8"?>
 <p:sld xmlns:a="http://schemas.openxmlformats.org/drawingml/2006/main" xmlns:r="http://schemas.openxmlformats.org/officeDocument/2006/relationships" xmlns:p="http://schemas.openxmlformats.org/presentationml/2006/main">
   <p:cSld>
     <p:spTree>
@@ -16273,7 +16499,7 @@
           <p:cNvPr id="2" name="Titre 1">
             <a:extLst>
               <a:ext uri="{FF2B5EF4-FFF2-40B4-BE49-F238E27FC236}">
-                <a16:creationId xmlns="" xmlns:a16="http://schemas.microsoft.com/office/drawing/2014/main" id="{78456B7B-6855-4B62-AC25-7C4060AACBE3}"/>
+                <a16:creationId xmlns:a16="http://schemas.microsoft.com/office/drawing/2014/main" xmlns="" id="{78456B7B-6855-4B62-AC25-7C4060AACBE3}"/>
               </a:ext>
             </a:extLst>
           </p:cNvPr>
@@ -16467,7 +16693,7 @@
           <p:cNvPr id="21" name="Rectangle 20">
             <a:extLst>
               <a:ext uri="{FF2B5EF4-FFF2-40B4-BE49-F238E27FC236}">
-                <a16:creationId xmlns="" xmlns:a16="http://schemas.microsoft.com/office/drawing/2014/main" id="{C5F1A8B9-B2AF-42D5-83FF-5BE61975432C}"/>
+                <a16:creationId xmlns:a16="http://schemas.microsoft.com/office/drawing/2014/main" xmlns="" id="{C5F1A8B9-B2AF-42D5-83FF-5BE61975432C}"/>
               </a:ext>
             </a:extLst>
           </p:cNvPr>
@@ -16511,7 +16737,7 @@
           <p:cNvPr id="23" name="Ellipse 22">
             <a:extLst>
               <a:ext uri="{FF2B5EF4-FFF2-40B4-BE49-F238E27FC236}">
-                <a16:creationId xmlns="" xmlns:a16="http://schemas.microsoft.com/office/drawing/2014/main" id="{0EF94BED-821B-4945-B129-BBC507BD2A06}"/>
+                <a16:creationId xmlns:a16="http://schemas.microsoft.com/office/drawing/2014/main" xmlns="" id="{0EF94BED-821B-4945-B129-BBC507BD2A06}"/>
               </a:ext>
             </a:extLst>
           </p:cNvPr>
@@ -16598,7 +16824,7 @@
           <p:cNvPr id="25" name="Ellipse 24">
             <a:extLst>
               <a:ext uri="{FF2B5EF4-FFF2-40B4-BE49-F238E27FC236}">
-                <a16:creationId xmlns="" xmlns:a16="http://schemas.microsoft.com/office/drawing/2014/main" id="{0EF94BED-821B-4945-B129-BBC507BD2A06}"/>
+                <a16:creationId xmlns:a16="http://schemas.microsoft.com/office/drawing/2014/main" xmlns="" id="{0EF94BED-821B-4945-B129-BBC507BD2A06}"/>
               </a:ext>
             </a:extLst>
           </p:cNvPr>
@@ -16650,7 +16876,7 @@
           <p:cNvPr id="26" name="Ellipse 25">
             <a:extLst>
               <a:ext uri="{FF2B5EF4-FFF2-40B4-BE49-F238E27FC236}">
-                <a16:creationId xmlns="" xmlns:a16="http://schemas.microsoft.com/office/drawing/2014/main" id="{0EF94BED-821B-4945-B129-BBC507BD2A06}"/>
+                <a16:creationId xmlns:a16="http://schemas.microsoft.com/office/drawing/2014/main" xmlns="" id="{0EF94BED-821B-4945-B129-BBC507BD2A06}"/>
               </a:ext>
             </a:extLst>
           </p:cNvPr>
@@ -16702,7 +16928,7 @@
           <p:cNvPr id="27" name="Ellipse 26">
             <a:extLst>
               <a:ext uri="{FF2B5EF4-FFF2-40B4-BE49-F238E27FC236}">
-                <a16:creationId xmlns="" xmlns:a16="http://schemas.microsoft.com/office/drawing/2014/main" id="{0EF94BED-821B-4945-B129-BBC507BD2A06}"/>
+                <a16:creationId xmlns:a16="http://schemas.microsoft.com/office/drawing/2014/main" xmlns="" id="{0EF94BED-821B-4945-B129-BBC507BD2A06}"/>
               </a:ext>
             </a:extLst>
           </p:cNvPr>
@@ -16876,7 +17102,7 @@
           <p:cNvPr id="32" name="Ellipse 31">
             <a:extLst>
               <a:ext uri="{FF2B5EF4-FFF2-40B4-BE49-F238E27FC236}">
-                <a16:creationId xmlns="" xmlns:a16="http://schemas.microsoft.com/office/drawing/2014/main" id="{0EF94BED-821B-4945-B129-BBC507BD2A06}"/>
+                <a16:creationId xmlns:a16="http://schemas.microsoft.com/office/drawing/2014/main" xmlns="" id="{0EF94BED-821B-4945-B129-BBC507BD2A06}"/>
               </a:ext>
             </a:extLst>
           </p:cNvPr>
@@ -16936,7 +17162,7 @@
 </p:sld>
 </file>
 
-<file path=ppt/slides/slide13.xml><?xml version="1.0" encoding="utf-8"?>
+<file path=ppt/slides/slide14.xml><?xml version="1.0" encoding="utf-8"?>
 <p:sld xmlns:a="http://schemas.openxmlformats.org/drawingml/2006/main" xmlns:r="http://schemas.openxmlformats.org/officeDocument/2006/relationships" xmlns:p="http://schemas.openxmlformats.org/presentationml/2006/main">
   <p:cSld>
     <p:spTree>
@@ -16958,7 +17184,7 @@
           <p:cNvPr id="2" name="Titre 1">
             <a:extLst>
               <a:ext uri="{FF2B5EF4-FFF2-40B4-BE49-F238E27FC236}">
-                <a16:creationId xmlns:a16="http://schemas.microsoft.com/office/drawing/2014/main" xmlns="" id="{8244945E-DD04-4EE7-B704-880798D4913F}"/>
+                <a16:creationId xmlns="" xmlns:a16="http://schemas.microsoft.com/office/drawing/2014/main" id="{8244945E-DD04-4EE7-B704-880798D4913F}"/>
               </a:ext>
             </a:extLst>
           </p:cNvPr>
@@ -17014,7 +17240,7 @@
           <p:cNvPr id="3" name="Espace réservé du pied de page 2">
             <a:extLst>
               <a:ext uri="{FF2B5EF4-FFF2-40B4-BE49-F238E27FC236}">
-                <a16:creationId xmlns:a16="http://schemas.microsoft.com/office/drawing/2014/main" xmlns="" id="{E674092A-98F1-4D78-995C-58BD6104A185}"/>
+                <a16:creationId xmlns="" xmlns:a16="http://schemas.microsoft.com/office/drawing/2014/main" id="{E674092A-98F1-4D78-995C-58BD6104A185}"/>
               </a:ext>
             </a:extLst>
           </p:cNvPr>
@@ -17059,7 +17285,7 @@
           <p:cNvPr id="4" name="Espace réservé du numéro de diapositive 3">
             <a:extLst>
               <a:ext uri="{FF2B5EF4-FFF2-40B4-BE49-F238E27FC236}">
-                <a16:creationId xmlns:a16="http://schemas.microsoft.com/office/drawing/2014/main" xmlns="" id="{49CEE7D9-803D-4396-935A-05AA8B750538}"/>
+                <a16:creationId xmlns="" xmlns:a16="http://schemas.microsoft.com/office/drawing/2014/main" id="{49CEE7D9-803D-4396-935A-05AA8B750538}"/>
               </a:ext>
             </a:extLst>
           </p:cNvPr>
@@ -17077,7 +17303,7 @@
           <a:p>
             <a:fld id="{5BA00AD0-89FA-4358-AFE4-0A4CF2693EF1}" type="slidenum">
               <a:rPr lang="fr-FR" smtClean="0"/>
-              <a:t>13</a:t>
+              <a:t>14</a:t>
             </a:fld>
             <a:endParaRPr lang="fr-FR"/>
           </a:p>
@@ -17088,7 +17314,7 @@
           <p:cNvPr id="5" name="Image 4">
             <a:extLst>
               <a:ext uri="{FF2B5EF4-FFF2-40B4-BE49-F238E27FC236}">
-                <a16:creationId xmlns:a16="http://schemas.microsoft.com/office/drawing/2014/main" xmlns="" id="{B5297506-9E11-46B1-8208-692CFD995BCB}"/>
+                <a16:creationId xmlns="" xmlns:a16="http://schemas.microsoft.com/office/drawing/2014/main" id="{B5297506-9E11-46B1-8208-692CFD995BCB}"/>
               </a:ext>
             </a:extLst>
           </p:cNvPr>
@@ -17117,7 +17343,7 @@
           <p:cNvPr id="7" name="ZoneTexte 8">
             <a:extLst>
               <a:ext uri="{FF2B5EF4-FFF2-40B4-BE49-F238E27FC236}">
-                <a16:creationId xmlns:mc="http://schemas.openxmlformats.org/markup-compatibility/2006" xmlns:a14="http://schemas.microsoft.com/office/drawing/2010/main" xmlns:a16="http://schemas.microsoft.com/office/drawing/2014/main" xmlns="" id="{88F5719A-AFE5-4F78-9969-FC7EFDBFE433}"/>
+                <a16:creationId xmlns="" xmlns:a16="http://schemas.microsoft.com/office/drawing/2014/main" xmlns:a14="http://schemas.microsoft.com/office/drawing/2010/main" xmlns:mc="http://schemas.openxmlformats.org/markup-compatibility/2006" id="{88F5719A-AFE5-4F78-9969-FC7EFDBFE433}"/>
               </a:ext>
             </a:extLst>
           </p:cNvPr>
@@ -17279,7 +17505,7 @@
           <p:cNvPr id="8" name="Ellipse 7">
             <a:extLst>
               <a:ext uri="{FF2B5EF4-FFF2-40B4-BE49-F238E27FC236}">
-                <a16:creationId xmlns:a16="http://schemas.microsoft.com/office/drawing/2014/main" xmlns="" id="{53BE8B74-DC40-4E72-99C8-46D30C61C868}"/>
+                <a16:creationId xmlns="" xmlns:a16="http://schemas.microsoft.com/office/drawing/2014/main" id="{53BE8B74-DC40-4E72-99C8-46D30C61C868}"/>
               </a:ext>
             </a:extLst>
           </p:cNvPr>
@@ -17427,7 +17653,7 @@
           <p:cNvPr id="9" name="ZoneTexte 9">
             <a:extLst>
               <a:ext uri="{FF2B5EF4-FFF2-40B4-BE49-F238E27FC236}">
-                <a16:creationId xmlns:mc="http://schemas.openxmlformats.org/markup-compatibility/2006" xmlns:a14="http://schemas.microsoft.com/office/drawing/2010/main" xmlns:a16="http://schemas.microsoft.com/office/drawing/2014/main" xmlns="" id="{A13317F7-2441-4A69-9D2E-681F008F1A0E}"/>
+                <a16:creationId xmlns="" xmlns:a16="http://schemas.microsoft.com/office/drawing/2014/main" xmlns:a14="http://schemas.microsoft.com/office/drawing/2010/main" xmlns:mc="http://schemas.openxmlformats.org/markup-compatibility/2006" id="{A13317F7-2441-4A69-9D2E-681F008F1A0E}"/>
               </a:ext>
             </a:extLst>
           </p:cNvPr>
@@ -17572,7 +17798,7 @@
           <p:cNvPr id="10" name="Ellipse 9">
             <a:extLst>
               <a:ext uri="{FF2B5EF4-FFF2-40B4-BE49-F238E27FC236}">
-                <a16:creationId xmlns:a16="http://schemas.microsoft.com/office/drawing/2014/main" xmlns="" id="{6D27DBCC-81C9-49D8-BE0A-E5450B6EABC3}"/>
+                <a16:creationId xmlns="" xmlns:a16="http://schemas.microsoft.com/office/drawing/2014/main" id="{6D27DBCC-81C9-49D8-BE0A-E5450B6EABC3}"/>
               </a:ext>
             </a:extLst>
           </p:cNvPr>
@@ -17720,7 +17946,7 @@
           <p:cNvPr id="11" name="ZoneTexte 11">
             <a:extLst>
               <a:ext uri="{FF2B5EF4-FFF2-40B4-BE49-F238E27FC236}">
-                <a16:creationId xmlns:mc="http://schemas.openxmlformats.org/markup-compatibility/2006" xmlns:a14="http://schemas.microsoft.com/office/drawing/2010/main" xmlns:a16="http://schemas.microsoft.com/office/drawing/2014/main" xmlns="" id="{2C842708-EB9A-4053-9273-AB6C458CF3CB}"/>
+                <a16:creationId xmlns="" xmlns:a16="http://schemas.microsoft.com/office/drawing/2014/main" xmlns:a14="http://schemas.microsoft.com/office/drawing/2010/main" xmlns:mc="http://schemas.openxmlformats.org/markup-compatibility/2006" id="{2C842708-EB9A-4053-9273-AB6C458CF3CB}"/>
               </a:ext>
             </a:extLst>
           </p:cNvPr>
@@ -17865,7 +18091,7 @@
           <p:cNvPr id="12" name="Ellipse 11">
             <a:extLst>
               <a:ext uri="{FF2B5EF4-FFF2-40B4-BE49-F238E27FC236}">
-                <a16:creationId xmlns:a16="http://schemas.microsoft.com/office/drawing/2014/main" xmlns="" id="{A1A48C9B-C54E-4C55-A258-EFCF042A7A54}"/>
+                <a16:creationId xmlns="" xmlns:a16="http://schemas.microsoft.com/office/drawing/2014/main" id="{A1A48C9B-C54E-4C55-A258-EFCF042A7A54}"/>
               </a:ext>
             </a:extLst>
           </p:cNvPr>
@@ -18013,7 +18239,7 @@
           <p:cNvPr id="13" name="Ellipse 12">
             <a:extLst>
               <a:ext uri="{FF2B5EF4-FFF2-40B4-BE49-F238E27FC236}">
-                <a16:creationId xmlns:a16="http://schemas.microsoft.com/office/drawing/2014/main" xmlns="" id="{6E7087B3-8DA7-4CCE-968F-6262AC58AEBF}"/>
+                <a16:creationId xmlns="" xmlns:a16="http://schemas.microsoft.com/office/drawing/2014/main" id="{6E7087B3-8DA7-4CCE-968F-6262AC58AEBF}"/>
               </a:ext>
             </a:extLst>
           </p:cNvPr>
@@ -18161,7 +18387,7 @@
           <p:cNvPr id="14" name="ZoneTexte 14">
             <a:extLst>
               <a:ext uri="{FF2B5EF4-FFF2-40B4-BE49-F238E27FC236}">
-                <a16:creationId xmlns:mc="http://schemas.openxmlformats.org/markup-compatibility/2006" xmlns:a14="http://schemas.microsoft.com/office/drawing/2010/main" xmlns:a16="http://schemas.microsoft.com/office/drawing/2014/main" xmlns="" id="{76D66D4B-1DD4-411F-8CA4-5F4218D491DA}"/>
+                <a16:creationId xmlns="" xmlns:a16="http://schemas.microsoft.com/office/drawing/2014/main" xmlns:a14="http://schemas.microsoft.com/office/drawing/2010/main" xmlns:mc="http://schemas.openxmlformats.org/markup-compatibility/2006" id="{76D66D4B-1DD4-411F-8CA4-5F4218D491DA}"/>
               </a:ext>
             </a:extLst>
           </p:cNvPr>
@@ -18306,7 +18532,7 @@
           <p:cNvPr id="15" name="ZoneTexte 5">
             <a:extLst>
               <a:ext uri="{FF2B5EF4-FFF2-40B4-BE49-F238E27FC236}">
-                <a16:creationId xmlns:a16="http://schemas.microsoft.com/office/drawing/2014/main" xmlns="" id="{D93841EC-B2CC-408E-9F04-4CED14340D44}"/>
+                <a16:creationId xmlns="" xmlns:a16="http://schemas.microsoft.com/office/drawing/2014/main" id="{D93841EC-B2CC-408E-9F04-4CED14340D44}"/>
               </a:ext>
             </a:extLst>
           </p:cNvPr>
@@ -18441,7 +18667,7 @@
           <p:cNvPr id="16" name="Picture 4" descr="RÃ©sultat de recherche d'images pour &quot;paracÃ©tamol&quot;">
             <a:extLst>
               <a:ext uri="{FF2B5EF4-FFF2-40B4-BE49-F238E27FC236}">
-                <a16:creationId xmlns:a16="http://schemas.microsoft.com/office/drawing/2014/main" xmlns="" id="{D1F1E8E2-9B79-4929-A3AA-E98462883931}"/>
+                <a16:creationId xmlns="" xmlns:a16="http://schemas.microsoft.com/office/drawing/2014/main" id="{D1F1E8E2-9B79-4929-A3AA-E98462883931}"/>
               </a:ext>
             </a:extLst>
           </p:cNvPr>
@@ -18594,7 +18820,7 @@
 </p:sld>
 </file>
 
-<file path=ppt/slides/slide14.xml><?xml version="1.0" encoding="utf-8"?>
+<file path=ppt/slides/slide15.xml><?xml version="1.0" encoding="utf-8"?>
 <p:sld xmlns:a="http://schemas.openxmlformats.org/drawingml/2006/main" xmlns:r="http://schemas.openxmlformats.org/officeDocument/2006/relationships" xmlns:p="http://schemas.openxmlformats.org/presentationml/2006/main">
   <p:cSld>
     <p:spTree>
@@ -18670,7 +18896,7 @@
             </a:pPr>
             <a:fld id="{00000000-1234-1234-1234-123412341234}" type="slidenum">
               <a:rPr lang="fr" smtClean="0"/>
-              <a:t>14</a:t>
+              <a:t>15</a:t>
             </a:fld>
             <a:endParaRPr lang="fr"/>
           </a:p>
@@ -19054,7 +19280,7 @@
 </p:sld>
 </file>
 
-<file path=ppt/slides/slide15.xml><?xml version="1.0" encoding="utf-8"?>
+<file path=ppt/slides/slide16.xml><?xml version="1.0" encoding="utf-8"?>
 <p:sld xmlns:a="http://schemas.openxmlformats.org/drawingml/2006/main" xmlns:r="http://schemas.openxmlformats.org/officeDocument/2006/relationships" xmlns:p="http://schemas.openxmlformats.org/presentationml/2006/main">
   <p:cSld>
     <p:spTree>
@@ -19076,7 +19302,7 @@
           <p:cNvPr id="2" name="Titre 1">
             <a:extLst>
               <a:ext uri="{FF2B5EF4-FFF2-40B4-BE49-F238E27FC236}">
-                <a16:creationId xmlns="" xmlns:a16="http://schemas.microsoft.com/office/drawing/2014/main" id="{2EB55FBC-D052-4F1A-9A3E-FAE0B2B47B96}"/>
+                <a16:creationId xmlns:a16="http://schemas.microsoft.com/office/drawing/2014/main" xmlns="" id="{2EB55FBC-D052-4F1A-9A3E-FAE0B2B47B96}"/>
               </a:ext>
             </a:extLst>
           </p:cNvPr>
@@ -19110,7 +19336,7 @@
           <p:cNvPr id="4" name="Espace réservé du numéro de diapositive 3">
             <a:extLst>
               <a:ext uri="{FF2B5EF4-FFF2-40B4-BE49-F238E27FC236}">
-                <a16:creationId xmlns="" xmlns:a16="http://schemas.microsoft.com/office/drawing/2014/main" id="{55188304-6761-4F09-A9DB-D95458B66A08}"/>
+                <a16:creationId xmlns:a16="http://schemas.microsoft.com/office/drawing/2014/main" xmlns="" id="{55188304-6761-4F09-A9DB-D95458B66A08}"/>
               </a:ext>
             </a:extLst>
           </p:cNvPr>
@@ -19128,7 +19354,7 @@
           <a:p>
             <a:fld id="{5BA00AD0-89FA-4358-AFE4-0A4CF2693EF1}" type="slidenum">
               <a:rPr lang="fr-FR" smtClean="0"/>
-              <a:t>15</a:t>
+              <a:t>16</a:t>
             </a:fld>
             <a:endParaRPr lang="fr-FR"/>
           </a:p>
@@ -20729,7 +20955,7 @@
 </p:sld>
 </file>
 
-<file path=ppt/slides/slide16.xml><?xml version="1.0" encoding="utf-8"?>
+<file path=ppt/slides/slide17.xml><?xml version="1.0" encoding="utf-8"?>
 <p:sld xmlns:a="http://schemas.openxmlformats.org/drawingml/2006/main" xmlns:r="http://schemas.openxmlformats.org/officeDocument/2006/relationships" xmlns:p="http://schemas.openxmlformats.org/presentationml/2006/main">
   <p:cSld>
     <p:bg>
@@ -20780,7 +21006,7 @@
             </a:pPr>
             <a:fld id="{00000000-1234-1234-1234-123412341234}" type="slidenum">
               <a:rPr lang="fr" smtClean="0"/>
-              <a:t>16</a:t>
+              <a:t>17</a:t>
             </a:fld>
             <a:endParaRPr lang="fr" dirty="0"/>
           </a:p>
@@ -21042,7 +21268,7 @@
 </p:sld>
 </file>
 
-<file path=ppt/slides/slide17.xml><?xml version="1.0" encoding="utf-8"?>
+<file path=ppt/slides/slide18.xml><?xml version="1.0" encoding="utf-8"?>
 <p:sld xmlns:a="http://schemas.openxmlformats.org/drawingml/2006/main" xmlns:r="http://schemas.openxmlformats.org/officeDocument/2006/relationships" xmlns:p="http://schemas.openxmlformats.org/presentationml/2006/main">
   <p:cSld>
     <p:bg>
@@ -21072,7 +21298,7 @@
           <p:cNvPr id="2" name="Titre 1">
             <a:extLst>
               <a:ext uri="{FF2B5EF4-FFF2-40B4-BE49-F238E27FC236}">
-                <a16:creationId xmlns="" xmlns:a16="http://schemas.microsoft.com/office/drawing/2014/main" id="{A2405288-6E7B-4FD0-8CB0-F829E5614672}"/>
+                <a16:creationId xmlns:a16="http://schemas.microsoft.com/office/drawing/2014/main" xmlns="" id="{A2405288-6E7B-4FD0-8CB0-F829E5614672}"/>
               </a:ext>
             </a:extLst>
           </p:cNvPr>
@@ -21120,7 +21346,7 @@
           <p:cNvPr id="3" name="Espace réservé du numéro de diapositive 2">
             <a:extLst>
               <a:ext uri="{FF2B5EF4-FFF2-40B4-BE49-F238E27FC236}">
-                <a16:creationId xmlns="" xmlns:a16="http://schemas.microsoft.com/office/drawing/2014/main" id="{E347497C-88AC-4D76-9403-BEC2647A060F}"/>
+                <a16:creationId xmlns:a16="http://schemas.microsoft.com/office/drawing/2014/main" xmlns="" id="{E347497C-88AC-4D76-9403-BEC2647A060F}"/>
               </a:ext>
             </a:extLst>
           </p:cNvPr>
@@ -21138,7 +21364,7 @@
           <a:p>
             <a:fld id="{23A0BF15-B7D3-4BB6-885E-A86938A92F98}" type="slidenum">
               <a:rPr lang="fr-FR" smtClean="0"/>
-              <a:t>17</a:t>
+              <a:t>18</a:t>
             </a:fld>
             <a:endParaRPr lang="fr-FR"/>
           </a:p>
@@ -21149,7 +21375,7 @@
           <p:cNvPr id="6" name="Image 5">
             <a:extLst>
               <a:ext uri="{FF2B5EF4-FFF2-40B4-BE49-F238E27FC236}">
-                <a16:creationId xmlns="" xmlns:a16="http://schemas.microsoft.com/office/drawing/2014/main" id="{A18189F9-06F7-4412-9306-B7EBF59788BC}"/>
+                <a16:creationId xmlns:a16="http://schemas.microsoft.com/office/drawing/2014/main" xmlns="" id="{A18189F9-06F7-4412-9306-B7EBF59788BC}"/>
               </a:ext>
             </a:extLst>
           </p:cNvPr>
@@ -21184,7 +21410,7 @@
           <p:cNvPr id="7" name="Image 6">
             <a:extLst>
               <a:ext uri="{FF2B5EF4-FFF2-40B4-BE49-F238E27FC236}">
-                <a16:creationId xmlns="" xmlns:a16="http://schemas.microsoft.com/office/drawing/2014/main" id="{07D80BA4-7F33-4069-9924-D1B7A010342E}"/>
+                <a16:creationId xmlns:a16="http://schemas.microsoft.com/office/drawing/2014/main" xmlns="" id="{07D80BA4-7F33-4069-9924-D1B7A010342E}"/>
               </a:ext>
             </a:extLst>
           </p:cNvPr>
@@ -21219,7 +21445,7 @@
           <p:cNvPr id="8" name="Rectangle 7">
             <a:extLst>
               <a:ext uri="{FF2B5EF4-FFF2-40B4-BE49-F238E27FC236}">
-                <a16:creationId xmlns="" xmlns:a16="http://schemas.microsoft.com/office/drawing/2014/main" id="{60A7DC54-DFB4-4C51-A827-4C966937741D}"/>
+                <a16:creationId xmlns:a16="http://schemas.microsoft.com/office/drawing/2014/main" xmlns="" id="{60A7DC54-DFB4-4C51-A827-4C966937741D}"/>
               </a:ext>
             </a:extLst>
           </p:cNvPr>
@@ -21273,7 +21499,7 @@
           <p:cNvPr id="9" name="Rectangle 8">
             <a:extLst>
               <a:ext uri="{FF2B5EF4-FFF2-40B4-BE49-F238E27FC236}">
-                <a16:creationId xmlns="" xmlns:a16="http://schemas.microsoft.com/office/drawing/2014/main" id="{6E78F90E-1B08-4D78-97EC-10F9A371D285}"/>
+                <a16:creationId xmlns:a16="http://schemas.microsoft.com/office/drawing/2014/main" xmlns="" id="{6E78F90E-1B08-4D78-97EC-10F9A371D285}"/>
               </a:ext>
             </a:extLst>
           </p:cNvPr>
@@ -21327,7 +21553,7 @@
           <p:cNvPr id="10" name="Rectangle 9">
             <a:extLst>
               <a:ext uri="{FF2B5EF4-FFF2-40B4-BE49-F238E27FC236}">
-                <a16:creationId xmlns="" xmlns:a16="http://schemas.microsoft.com/office/drawing/2014/main" id="{BA92E3AF-CCF1-49A2-BAA1-7D631D4BFC3E}"/>
+                <a16:creationId xmlns:a16="http://schemas.microsoft.com/office/drawing/2014/main" xmlns="" id="{BA92E3AF-CCF1-49A2-BAA1-7D631D4BFC3E}"/>
               </a:ext>
             </a:extLst>
           </p:cNvPr>
@@ -21389,7 +21615,7 @@
 </p:sld>
 </file>
 
-<file path=ppt/slides/slide18.xml><?xml version="1.0" encoding="utf-8"?>
+<file path=ppt/slides/slide19.xml><?xml version="1.0" encoding="utf-8"?>
 <p:sld xmlns:a="http://schemas.openxmlformats.org/drawingml/2006/main" xmlns:r="http://schemas.openxmlformats.org/officeDocument/2006/relationships" xmlns:p="http://schemas.openxmlformats.org/presentationml/2006/main">
   <p:cSld>
     <p:spTree>
@@ -21411,7 +21637,7 @@
           <p:cNvPr id="2" name="Titre 1">
             <a:extLst>
               <a:ext uri="{FF2B5EF4-FFF2-40B4-BE49-F238E27FC236}">
-                <a16:creationId xmlns="" xmlns:a16="http://schemas.microsoft.com/office/drawing/2014/main" id="{F7778DE0-D902-414F-BED7-6236695EAFC4}"/>
+                <a16:creationId xmlns:a16="http://schemas.microsoft.com/office/drawing/2014/main" xmlns="" id="{F7778DE0-D902-414F-BED7-6236695EAFC4}"/>
               </a:ext>
             </a:extLst>
           </p:cNvPr>
@@ -21445,7 +21671,7 @@
           <p:cNvPr id="3" name="Espace réservé du numéro de diapositive 2">
             <a:extLst>
               <a:ext uri="{FF2B5EF4-FFF2-40B4-BE49-F238E27FC236}">
-                <a16:creationId xmlns="" xmlns:a16="http://schemas.microsoft.com/office/drawing/2014/main" id="{259FF6BF-7309-47D7-8D4A-CD013372DBC1}"/>
+                <a16:creationId xmlns:a16="http://schemas.microsoft.com/office/drawing/2014/main" xmlns="" id="{259FF6BF-7309-47D7-8D4A-CD013372DBC1}"/>
               </a:ext>
             </a:extLst>
           </p:cNvPr>
@@ -21463,7 +21689,7 @@
           <a:p>
             <a:fld id="{23A0BF15-B7D3-4BB6-885E-A86938A92F98}" type="slidenum">
               <a:rPr lang="fr-FR" smtClean="0"/>
-              <a:t>18</a:t>
+              <a:t>19</a:t>
             </a:fld>
             <a:endParaRPr lang="fr-FR"/>
           </a:p>
@@ -21474,7 +21700,7 @@
           <p:cNvPr id="4" name="Image 3">
             <a:extLst>
               <a:ext uri="{FF2B5EF4-FFF2-40B4-BE49-F238E27FC236}">
-                <a16:creationId xmlns="" xmlns:a16="http://schemas.microsoft.com/office/drawing/2014/main" id="{BA9093A6-7EAC-4074-AF4E-11144FA94C34}"/>
+                <a16:creationId xmlns:a16="http://schemas.microsoft.com/office/drawing/2014/main" xmlns="" id="{BA9093A6-7EAC-4074-AF4E-11144FA94C34}"/>
               </a:ext>
             </a:extLst>
           </p:cNvPr>
@@ -21509,7 +21735,7 @@
           <p:cNvPr id="5" name="Image 4">
             <a:extLst>
               <a:ext uri="{FF2B5EF4-FFF2-40B4-BE49-F238E27FC236}">
-                <a16:creationId xmlns="" xmlns:a16="http://schemas.microsoft.com/office/drawing/2014/main" id="{9D9A3DF9-A509-465E-AB03-BB210AA4BCE5}"/>
+                <a16:creationId xmlns:a16="http://schemas.microsoft.com/office/drawing/2014/main" xmlns="" id="{9D9A3DF9-A509-465E-AB03-BB210AA4BCE5}"/>
               </a:ext>
             </a:extLst>
           </p:cNvPr>
@@ -21544,7 +21770,7 @@
           <p:cNvPr id="6" name="Rectangle 5">
             <a:extLst>
               <a:ext uri="{FF2B5EF4-FFF2-40B4-BE49-F238E27FC236}">
-                <a16:creationId xmlns="" xmlns:a16="http://schemas.microsoft.com/office/drawing/2014/main" id="{F1601528-FD3D-45D0-9176-F9B989C46BD1}"/>
+                <a16:creationId xmlns:a16="http://schemas.microsoft.com/office/drawing/2014/main" xmlns="" id="{F1601528-FD3D-45D0-9176-F9B989C46BD1}"/>
               </a:ext>
             </a:extLst>
           </p:cNvPr>
@@ -21598,7 +21824,7 @@
           <p:cNvPr id="7" name="Rectangle 6">
             <a:extLst>
               <a:ext uri="{FF2B5EF4-FFF2-40B4-BE49-F238E27FC236}">
-                <a16:creationId xmlns="" xmlns:a16="http://schemas.microsoft.com/office/drawing/2014/main" id="{66710C16-F8E6-4601-8ABF-72D3588EC3FE}"/>
+                <a16:creationId xmlns:a16="http://schemas.microsoft.com/office/drawing/2014/main" xmlns="" id="{66710C16-F8E6-4601-8ABF-72D3588EC3FE}"/>
               </a:ext>
             </a:extLst>
           </p:cNvPr>
@@ -21652,7 +21878,7 @@
           <p:cNvPr id="8" name="Rectangle 7">
             <a:extLst>
               <a:ext uri="{FF2B5EF4-FFF2-40B4-BE49-F238E27FC236}">
-                <a16:creationId xmlns="" xmlns:a16="http://schemas.microsoft.com/office/drawing/2014/main" id="{94F54E08-F08C-4BED-B6C3-95BA20E07DE4}"/>
+                <a16:creationId xmlns:a16="http://schemas.microsoft.com/office/drawing/2014/main" xmlns="" id="{94F54E08-F08C-4BED-B6C3-95BA20E07DE4}"/>
               </a:ext>
             </a:extLst>
           </p:cNvPr>
@@ -21705,385 +21931,6 @@
     <p:extLst>
       <p:ext uri="{BB962C8B-B14F-4D97-AF65-F5344CB8AC3E}">
         <p14:creationId xmlns:p14="http://schemas.microsoft.com/office/powerpoint/2010/main" val="3590772080"/>
-      </p:ext>
-    </p:extLst>
-  </p:cSld>
-  <p:clrMapOvr>
-    <a:masterClrMapping/>
-  </p:clrMapOvr>
-</p:sld>
-</file>
-
-<file path=ppt/slides/slide19.xml><?xml version="1.0" encoding="utf-8"?>
-<p:sld xmlns:a="http://schemas.openxmlformats.org/drawingml/2006/main" xmlns:r="http://schemas.openxmlformats.org/officeDocument/2006/relationships" xmlns:p="http://schemas.openxmlformats.org/presentationml/2006/main">
-  <p:cSld>
-    <p:spTree>
-      <p:nvGrpSpPr>
-        <p:cNvPr id="1" name=""/>
-        <p:cNvGrpSpPr/>
-        <p:nvPr/>
-      </p:nvGrpSpPr>
-      <p:grpSpPr>
-        <a:xfrm>
-          <a:off x="0" y="0"/>
-          <a:ext cx="0" cy="0"/>
-          <a:chOff x="0" y="0"/>
-          <a:chExt cx="0" cy="0"/>
-        </a:xfrm>
-      </p:grpSpPr>
-      <p:sp>
-        <p:nvSpPr>
-          <p:cNvPr id="2" name="Titre 1">
-            <a:extLst>
-              <a:ext uri="{FF2B5EF4-FFF2-40B4-BE49-F238E27FC236}">
-                <a16:creationId xmlns="" xmlns:a16="http://schemas.microsoft.com/office/drawing/2014/main" id="{7CCAB6D4-96A7-4390-95FF-275DD35E0ADD}"/>
-              </a:ext>
-            </a:extLst>
-          </p:cNvPr>
-          <p:cNvSpPr>
-            <a:spLocks noGrp="1"/>
-          </p:cNvSpPr>
-          <p:nvPr>
-            <p:ph type="title"/>
-          </p:nvPr>
-        </p:nvSpPr>
-        <p:spPr/>
-        <p:txBody>
-          <a:bodyPr/>
-          <a:lstStyle/>
-          <a:p>
-            <a:r>
-              <a:rPr lang="fr-FR" dirty="0">
-                <a:solidFill>
-                  <a:srgbClr val="FF6600"/>
-                </a:solidFill>
-                <a:latin typeface="Times"/>
-                <a:cs typeface="Times"/>
-              </a:rPr>
-              <a:t>Protection de fonctions</a:t>
-            </a:r>
-          </a:p>
-        </p:txBody>
-      </p:sp>
-      <p:sp>
-        <p:nvSpPr>
-          <p:cNvPr id="3" name="Espace réservé du numéro de diapositive 2">
-            <a:extLst>
-              <a:ext uri="{FF2B5EF4-FFF2-40B4-BE49-F238E27FC236}">
-                <a16:creationId xmlns="" xmlns:a16="http://schemas.microsoft.com/office/drawing/2014/main" id="{635757E7-F0E6-4C67-9691-C20E5D2B1C47}"/>
-              </a:ext>
-            </a:extLst>
-          </p:cNvPr>
-          <p:cNvSpPr>
-            <a:spLocks noGrp="1"/>
-          </p:cNvSpPr>
-          <p:nvPr>
-            <p:ph type="sldNum" sz="quarter" idx="12"/>
-          </p:nvPr>
-        </p:nvSpPr>
-        <p:spPr/>
-        <p:txBody>
-          <a:bodyPr/>
-          <a:lstStyle/>
-          <a:p>
-            <a:fld id="{23A0BF15-B7D3-4BB6-885E-A86938A92F98}" type="slidenum">
-              <a:rPr lang="fr-FR" smtClean="0"/>
-              <a:t>19</a:t>
-            </a:fld>
-            <a:endParaRPr lang="fr-FR"/>
-          </a:p>
-        </p:txBody>
-      </p:sp>
-      <p:pic>
-        <p:nvPicPr>
-          <p:cNvPr id="4" name="Image 3">
-            <a:extLst>
-              <a:ext uri="{FF2B5EF4-FFF2-40B4-BE49-F238E27FC236}">
-                <a16:creationId xmlns="" xmlns:a16="http://schemas.microsoft.com/office/drawing/2014/main" id="{F9D76692-7D31-4CBF-9258-40DB50A8281F}"/>
-              </a:ext>
-            </a:extLst>
-          </p:cNvPr>
-          <p:cNvPicPr>
-            <a:picLocks noChangeAspect="1"/>
-          </p:cNvPicPr>
-          <p:nvPr/>
-        </p:nvPicPr>
-        <p:blipFill rotWithShape="1">
-          <a:blip r:embed="rId2" cstate="print">
-            <a:extLst>
-              <a:ext uri="{28A0092B-C50C-407E-A947-70E740481C1C}">
-                <a14:useLocalDpi xmlns:a14="http://schemas.microsoft.com/office/drawing/2010/main" val="0"/>
-              </a:ext>
-            </a:extLst>
-          </a:blip>
-          <a:srcRect r="2290" b="32664"/>
-          <a:stretch/>
-        </p:blipFill>
-        <p:spPr>
-          <a:xfrm>
-            <a:off x="224323" y="1415615"/>
-            <a:ext cx="5129012" cy="2977089"/>
-          </a:xfrm>
-          <a:prstGeom prst="rect">
-            <a:avLst/>
-          </a:prstGeom>
-        </p:spPr>
-      </p:pic>
-      <p:pic>
-        <p:nvPicPr>
-          <p:cNvPr id="5" name="Image 4">
-            <a:extLst>
-              <a:ext uri="{FF2B5EF4-FFF2-40B4-BE49-F238E27FC236}">
-                <a16:creationId xmlns="" xmlns:a16="http://schemas.microsoft.com/office/drawing/2014/main" id="{AEA04962-DB4F-4D75-8673-F8C7F1A69F6A}"/>
-              </a:ext>
-            </a:extLst>
-          </p:cNvPr>
-          <p:cNvPicPr>
-            <a:picLocks noChangeAspect="1"/>
-          </p:cNvPicPr>
-          <p:nvPr/>
-        </p:nvPicPr>
-        <p:blipFill rotWithShape="1">
-          <a:blip r:embed="rId2" cstate="print">
-            <a:extLst>
-              <a:ext uri="{28A0092B-C50C-407E-A947-70E740481C1C}">
-                <a14:useLocalDpi xmlns:a14="http://schemas.microsoft.com/office/drawing/2010/main" val="0"/>
-              </a:ext>
-            </a:extLst>
-          </a:blip>
-          <a:srcRect l="69719" t="58947" r="2290"/>
-          <a:stretch/>
-        </p:blipFill>
-        <p:spPr>
-          <a:xfrm>
-            <a:off x="7523328" y="1996641"/>
-            <a:ext cx="1469321" cy="1815036"/>
-          </a:xfrm>
-          <a:prstGeom prst="rect">
-            <a:avLst/>
-          </a:prstGeom>
-        </p:spPr>
-      </p:pic>
-      <p:sp>
-        <p:nvSpPr>
-          <p:cNvPr id="6" name="Rectangle 5">
-            <a:extLst>
-              <a:ext uri="{FF2B5EF4-FFF2-40B4-BE49-F238E27FC236}">
-                <a16:creationId xmlns="" xmlns:a16="http://schemas.microsoft.com/office/drawing/2014/main" id="{554B24E9-3A91-45ED-9774-6DAC5EB1C87D}"/>
-              </a:ext>
-            </a:extLst>
-          </p:cNvPr>
-          <p:cNvSpPr/>
-          <p:nvPr/>
-        </p:nvSpPr>
-        <p:spPr>
-          <a:xfrm>
-            <a:off x="2067637" y="3940791"/>
-            <a:ext cx="3285698" cy="757451"/>
-          </a:xfrm>
-          <a:prstGeom prst="rect">
-            <a:avLst/>
-          </a:prstGeom>
-          <a:solidFill>
-            <a:schemeClr val="bg1"/>
-          </a:solidFill>
-          <a:ln>
-            <a:solidFill>
-              <a:schemeClr val="bg1"/>
-            </a:solidFill>
-          </a:ln>
-        </p:spPr>
-        <p:style>
-          <a:lnRef idx="2">
-            <a:schemeClr val="accent1">
-              <a:shade val="50000"/>
-            </a:schemeClr>
-          </a:lnRef>
-          <a:fillRef idx="1">
-            <a:schemeClr val="accent1"/>
-          </a:fillRef>
-          <a:effectRef idx="0">
-            <a:schemeClr val="accent1"/>
-          </a:effectRef>
-          <a:fontRef idx="minor">
-            <a:schemeClr val="lt1"/>
-          </a:fontRef>
-        </p:style>
-        <p:txBody>
-          <a:bodyPr lIns="68580" tIns="34290" rIns="68580" bIns="34290" rtlCol="0" anchor="ctr"/>
-          <a:lstStyle/>
-          <a:p>
-            <a:pPr algn="ctr"/>
-            <a:endParaRPr lang="fr-FR"/>
-          </a:p>
-        </p:txBody>
-      </p:sp>
-      <p:sp>
-        <p:nvSpPr>
-          <p:cNvPr id="7" name="Rectangle 6">
-            <a:extLst>
-              <a:ext uri="{FF2B5EF4-FFF2-40B4-BE49-F238E27FC236}">
-                <a16:creationId xmlns="" xmlns:a16="http://schemas.microsoft.com/office/drawing/2014/main" id="{0ED273B8-9E3F-40E7-AC07-9528596A5F29}"/>
-              </a:ext>
-            </a:extLst>
-          </p:cNvPr>
-          <p:cNvSpPr/>
-          <p:nvPr/>
-        </p:nvSpPr>
-        <p:spPr>
-          <a:xfrm>
-            <a:off x="1496137" y="1362691"/>
-            <a:ext cx="2598192" cy="378725"/>
-          </a:xfrm>
-          <a:prstGeom prst="rect">
-            <a:avLst/>
-          </a:prstGeom>
-          <a:solidFill>
-            <a:schemeClr val="bg1"/>
-          </a:solidFill>
-          <a:ln>
-            <a:solidFill>
-              <a:schemeClr val="bg1"/>
-            </a:solidFill>
-          </a:ln>
-        </p:spPr>
-        <p:style>
-          <a:lnRef idx="2">
-            <a:schemeClr val="accent1">
-              <a:shade val="50000"/>
-            </a:schemeClr>
-          </a:lnRef>
-          <a:fillRef idx="1">
-            <a:schemeClr val="accent1"/>
-          </a:fillRef>
-          <a:effectRef idx="0">
-            <a:schemeClr val="accent1"/>
-          </a:effectRef>
-          <a:fontRef idx="minor">
-            <a:schemeClr val="lt1"/>
-          </a:fontRef>
-        </p:style>
-        <p:txBody>
-          <a:bodyPr lIns="68580" tIns="34290" rIns="68580" bIns="34290" rtlCol="0" anchor="ctr"/>
-          <a:lstStyle/>
-          <a:p>
-            <a:pPr algn="ctr"/>
-            <a:endParaRPr lang="fr-FR"/>
-          </a:p>
-        </p:txBody>
-      </p:sp>
-      <p:sp>
-        <p:nvSpPr>
-          <p:cNvPr id="8" name="Rectangle 7">
-            <a:extLst>
-              <a:ext uri="{FF2B5EF4-FFF2-40B4-BE49-F238E27FC236}">
-                <a16:creationId xmlns="" xmlns:a16="http://schemas.microsoft.com/office/drawing/2014/main" id="{58718BF2-D879-461C-90AB-E9813C685182}"/>
-              </a:ext>
-            </a:extLst>
-          </p:cNvPr>
-          <p:cNvSpPr/>
-          <p:nvPr/>
-        </p:nvSpPr>
-        <p:spPr>
-          <a:xfrm>
-            <a:off x="6394457" y="3794710"/>
-            <a:ext cx="2598192" cy="378725"/>
-          </a:xfrm>
-          <a:prstGeom prst="rect">
-            <a:avLst/>
-          </a:prstGeom>
-          <a:solidFill>
-            <a:schemeClr val="bg1"/>
-          </a:solidFill>
-          <a:ln>
-            <a:solidFill>
-              <a:schemeClr val="bg1"/>
-            </a:solidFill>
-          </a:ln>
-        </p:spPr>
-        <p:style>
-          <a:lnRef idx="2">
-            <a:schemeClr val="accent1">
-              <a:shade val="50000"/>
-            </a:schemeClr>
-          </a:lnRef>
-          <a:fillRef idx="1">
-            <a:schemeClr val="accent1"/>
-          </a:fillRef>
-          <a:effectRef idx="0">
-            <a:schemeClr val="accent1"/>
-          </a:effectRef>
-          <a:fontRef idx="minor">
-            <a:schemeClr val="lt1"/>
-          </a:fontRef>
-        </p:style>
-        <p:txBody>
-          <a:bodyPr lIns="68580" tIns="34290" rIns="68580" bIns="34290" rtlCol="0" anchor="ctr"/>
-          <a:lstStyle/>
-          <a:p>
-            <a:pPr algn="ctr"/>
-            <a:endParaRPr lang="fr-FR"/>
-          </a:p>
-        </p:txBody>
-      </p:sp>
-      <p:sp>
-        <p:nvSpPr>
-          <p:cNvPr id="9" name="Rectangle 8">
-            <a:extLst>
-              <a:ext uri="{FF2B5EF4-FFF2-40B4-BE49-F238E27FC236}">
-                <a16:creationId xmlns="" xmlns:a16="http://schemas.microsoft.com/office/drawing/2014/main" id="{01650329-3672-446D-8917-24FCE3EA078E}"/>
-              </a:ext>
-            </a:extLst>
-          </p:cNvPr>
-          <p:cNvSpPr/>
-          <p:nvPr/>
-        </p:nvSpPr>
-        <p:spPr>
-          <a:xfrm>
-            <a:off x="5885598" y="2365854"/>
-            <a:ext cx="2210936" cy="757451"/>
-          </a:xfrm>
-          <a:prstGeom prst="rect">
-            <a:avLst/>
-          </a:prstGeom>
-          <a:solidFill>
-            <a:schemeClr val="bg1"/>
-          </a:solidFill>
-          <a:ln>
-            <a:solidFill>
-              <a:schemeClr val="bg1"/>
-            </a:solidFill>
-          </a:ln>
-        </p:spPr>
-        <p:style>
-          <a:lnRef idx="2">
-            <a:schemeClr val="accent1">
-              <a:shade val="50000"/>
-            </a:schemeClr>
-          </a:lnRef>
-          <a:fillRef idx="1">
-            <a:schemeClr val="accent1"/>
-          </a:fillRef>
-          <a:effectRef idx="0">
-            <a:schemeClr val="accent1"/>
-          </a:effectRef>
-          <a:fontRef idx="minor">
-            <a:schemeClr val="lt1"/>
-          </a:fontRef>
-        </p:style>
-        <p:txBody>
-          <a:bodyPr lIns="68580" tIns="34290" rIns="68580" bIns="34290" rtlCol="0" anchor="ctr"/>
-          <a:lstStyle/>
-          <a:p>
-            <a:pPr algn="ctr"/>
-            <a:endParaRPr lang="fr-FR"/>
-          </a:p>
-        </p:txBody>
-      </p:sp>
-    </p:spTree>
-    <p:extLst>
-      <p:ext uri="{BB962C8B-B14F-4D97-AF65-F5344CB8AC3E}">
-        <p14:creationId xmlns:p14="http://schemas.microsoft.com/office/powerpoint/2010/main" val="2018450888"/>
       </p:ext>
     </p:extLst>
   </p:cSld>
@@ -22239,7 +22086,7 @@
           <p:cNvPr id="2" name="Titre 1">
             <a:extLst>
               <a:ext uri="{FF2B5EF4-FFF2-40B4-BE49-F238E27FC236}">
-                <a16:creationId xmlns="" xmlns:a16="http://schemas.microsoft.com/office/drawing/2014/main" id="{3F73CA32-AE10-4F3D-BCF9-EF7EC9E20611}"/>
+                <a16:creationId xmlns:a16="http://schemas.microsoft.com/office/drawing/2014/main" xmlns="" id="{7CCAB6D4-96A7-4390-95FF-275DD35E0ADD}"/>
               </a:ext>
             </a:extLst>
           </p:cNvPr>
@@ -22273,7 +22120,7 @@
           <p:cNvPr id="3" name="Espace réservé du numéro de diapositive 2">
             <a:extLst>
               <a:ext uri="{FF2B5EF4-FFF2-40B4-BE49-F238E27FC236}">
-                <a16:creationId xmlns="" xmlns:a16="http://schemas.microsoft.com/office/drawing/2014/main" id="{72A2FFE3-0419-4C20-BBA4-50F0BDAE81C4}"/>
+                <a16:creationId xmlns:a16="http://schemas.microsoft.com/office/drawing/2014/main" xmlns="" id="{635757E7-F0E6-4C67-9691-C20E5D2B1C47}"/>
               </a:ext>
             </a:extLst>
           </p:cNvPr>
@@ -22302,7 +22149,7 @@
           <p:cNvPr id="4" name="Image 3">
             <a:extLst>
               <a:ext uri="{FF2B5EF4-FFF2-40B4-BE49-F238E27FC236}">
-                <a16:creationId xmlns="" xmlns:a16="http://schemas.microsoft.com/office/drawing/2014/main" id="{70A5D677-BA57-43B7-9AC8-D7B341F1F3D4}"/>
+                <a16:creationId xmlns:a16="http://schemas.microsoft.com/office/drawing/2014/main" xmlns="" id="{F9D76692-7D31-4CBF-9258-40DB50A8281F}"/>
               </a:ext>
             </a:extLst>
           </p:cNvPr>
@@ -22337,7 +22184,7 @@
           <p:cNvPr id="5" name="Image 4">
             <a:extLst>
               <a:ext uri="{FF2B5EF4-FFF2-40B4-BE49-F238E27FC236}">
-                <a16:creationId xmlns="" xmlns:a16="http://schemas.microsoft.com/office/drawing/2014/main" id="{98947F05-1482-4E74-B294-656CA81FFE00}"/>
+                <a16:creationId xmlns:a16="http://schemas.microsoft.com/office/drawing/2014/main" xmlns="" id="{AEA04962-DB4F-4D75-8673-F8C7F1A69F6A}"/>
               </a:ext>
             </a:extLst>
           </p:cNvPr>
@@ -22354,13 +22201,13 @@
               </a:ext>
             </a:extLst>
           </a:blip>
-          <a:srcRect l="28379" t="58947" r="40031"/>
+          <a:srcRect l="69719" t="58947" r="2290"/>
           <a:stretch/>
         </p:blipFill>
         <p:spPr>
           <a:xfrm>
-            <a:off x="5353335" y="1996641"/>
-            <a:ext cx="1658203" cy="1815036"/>
+            <a:off x="7523328" y="1996641"/>
+            <a:ext cx="1469321" cy="1815036"/>
           </a:xfrm>
           <a:prstGeom prst="rect">
             <a:avLst/>
@@ -22372,7 +22219,7 @@
           <p:cNvPr id="6" name="Rectangle 5">
             <a:extLst>
               <a:ext uri="{FF2B5EF4-FFF2-40B4-BE49-F238E27FC236}">
-                <a16:creationId xmlns="" xmlns:a16="http://schemas.microsoft.com/office/drawing/2014/main" id="{8A0312AE-402F-4171-8FA1-0B9C8EA7C2B2}"/>
+                <a16:creationId xmlns:a16="http://schemas.microsoft.com/office/drawing/2014/main" xmlns="" id="{554B24E9-3A91-45ED-9774-6DAC5EB1C87D}"/>
               </a:ext>
             </a:extLst>
           </p:cNvPr>
@@ -22426,7 +22273,386 @@
           <p:cNvPr id="7" name="Rectangle 6">
             <a:extLst>
               <a:ext uri="{FF2B5EF4-FFF2-40B4-BE49-F238E27FC236}">
-                <a16:creationId xmlns="" xmlns:a16="http://schemas.microsoft.com/office/drawing/2014/main" id="{40DA26DB-4A9B-4CAC-805F-7DEAAE25B10A}"/>
+                <a16:creationId xmlns:a16="http://schemas.microsoft.com/office/drawing/2014/main" xmlns="" id="{0ED273B8-9E3F-40E7-AC07-9528596A5F29}"/>
+              </a:ext>
+            </a:extLst>
+          </p:cNvPr>
+          <p:cNvSpPr/>
+          <p:nvPr/>
+        </p:nvSpPr>
+        <p:spPr>
+          <a:xfrm>
+            <a:off x="1496137" y="1362691"/>
+            <a:ext cx="2598192" cy="378725"/>
+          </a:xfrm>
+          <a:prstGeom prst="rect">
+            <a:avLst/>
+          </a:prstGeom>
+          <a:solidFill>
+            <a:schemeClr val="bg1"/>
+          </a:solidFill>
+          <a:ln>
+            <a:solidFill>
+              <a:schemeClr val="bg1"/>
+            </a:solidFill>
+          </a:ln>
+        </p:spPr>
+        <p:style>
+          <a:lnRef idx="2">
+            <a:schemeClr val="accent1">
+              <a:shade val="50000"/>
+            </a:schemeClr>
+          </a:lnRef>
+          <a:fillRef idx="1">
+            <a:schemeClr val="accent1"/>
+          </a:fillRef>
+          <a:effectRef idx="0">
+            <a:schemeClr val="accent1"/>
+          </a:effectRef>
+          <a:fontRef idx="minor">
+            <a:schemeClr val="lt1"/>
+          </a:fontRef>
+        </p:style>
+        <p:txBody>
+          <a:bodyPr lIns="68580" tIns="34290" rIns="68580" bIns="34290" rtlCol="0" anchor="ctr"/>
+          <a:lstStyle/>
+          <a:p>
+            <a:pPr algn="ctr"/>
+            <a:endParaRPr lang="fr-FR"/>
+          </a:p>
+        </p:txBody>
+      </p:sp>
+      <p:sp>
+        <p:nvSpPr>
+          <p:cNvPr id="8" name="Rectangle 7">
+            <a:extLst>
+              <a:ext uri="{FF2B5EF4-FFF2-40B4-BE49-F238E27FC236}">
+                <a16:creationId xmlns:a16="http://schemas.microsoft.com/office/drawing/2014/main" xmlns="" id="{58718BF2-D879-461C-90AB-E9813C685182}"/>
+              </a:ext>
+            </a:extLst>
+          </p:cNvPr>
+          <p:cNvSpPr/>
+          <p:nvPr/>
+        </p:nvSpPr>
+        <p:spPr>
+          <a:xfrm>
+            <a:off x="6394457" y="3794710"/>
+            <a:ext cx="2598192" cy="378725"/>
+          </a:xfrm>
+          <a:prstGeom prst="rect">
+            <a:avLst/>
+          </a:prstGeom>
+          <a:solidFill>
+            <a:schemeClr val="bg1"/>
+          </a:solidFill>
+          <a:ln>
+            <a:solidFill>
+              <a:schemeClr val="bg1"/>
+            </a:solidFill>
+          </a:ln>
+        </p:spPr>
+        <p:style>
+          <a:lnRef idx="2">
+            <a:schemeClr val="accent1">
+              <a:shade val="50000"/>
+            </a:schemeClr>
+          </a:lnRef>
+          <a:fillRef idx="1">
+            <a:schemeClr val="accent1"/>
+          </a:fillRef>
+          <a:effectRef idx="0">
+            <a:schemeClr val="accent1"/>
+          </a:effectRef>
+          <a:fontRef idx="minor">
+            <a:schemeClr val="lt1"/>
+          </a:fontRef>
+        </p:style>
+        <p:txBody>
+          <a:bodyPr lIns="68580" tIns="34290" rIns="68580" bIns="34290" rtlCol="0" anchor="ctr"/>
+          <a:lstStyle/>
+          <a:p>
+            <a:pPr algn="ctr"/>
+            <a:endParaRPr lang="fr-FR"/>
+          </a:p>
+        </p:txBody>
+      </p:sp>
+      <p:sp>
+        <p:nvSpPr>
+          <p:cNvPr id="9" name="Rectangle 8">
+            <a:extLst>
+              <a:ext uri="{FF2B5EF4-FFF2-40B4-BE49-F238E27FC236}">
+                <a16:creationId xmlns:a16="http://schemas.microsoft.com/office/drawing/2014/main" xmlns="" id="{01650329-3672-446D-8917-24FCE3EA078E}"/>
+              </a:ext>
+            </a:extLst>
+          </p:cNvPr>
+          <p:cNvSpPr/>
+          <p:nvPr/>
+        </p:nvSpPr>
+        <p:spPr>
+          <a:xfrm>
+            <a:off x="5885598" y="2365854"/>
+            <a:ext cx="2210936" cy="757451"/>
+          </a:xfrm>
+          <a:prstGeom prst="rect">
+            <a:avLst/>
+          </a:prstGeom>
+          <a:solidFill>
+            <a:schemeClr val="bg1"/>
+          </a:solidFill>
+          <a:ln>
+            <a:solidFill>
+              <a:schemeClr val="bg1"/>
+            </a:solidFill>
+          </a:ln>
+        </p:spPr>
+        <p:style>
+          <a:lnRef idx="2">
+            <a:schemeClr val="accent1">
+              <a:shade val="50000"/>
+            </a:schemeClr>
+          </a:lnRef>
+          <a:fillRef idx="1">
+            <a:schemeClr val="accent1"/>
+          </a:fillRef>
+          <a:effectRef idx="0">
+            <a:schemeClr val="accent1"/>
+          </a:effectRef>
+          <a:fontRef idx="minor">
+            <a:schemeClr val="lt1"/>
+          </a:fontRef>
+        </p:style>
+        <p:txBody>
+          <a:bodyPr lIns="68580" tIns="34290" rIns="68580" bIns="34290" rtlCol="0" anchor="ctr"/>
+          <a:lstStyle/>
+          <a:p>
+            <a:pPr algn="ctr"/>
+            <a:endParaRPr lang="fr-FR"/>
+          </a:p>
+        </p:txBody>
+      </p:sp>
+    </p:spTree>
+    <p:extLst>
+      <p:ext uri="{BB962C8B-B14F-4D97-AF65-F5344CB8AC3E}">
+        <p14:creationId xmlns:p14="http://schemas.microsoft.com/office/powerpoint/2010/main" val="2018450888"/>
+      </p:ext>
+    </p:extLst>
+  </p:cSld>
+  <p:clrMapOvr>
+    <a:masterClrMapping/>
+  </p:clrMapOvr>
+</p:sld>
+</file>
+
+<file path=ppt/slides/slide21.xml><?xml version="1.0" encoding="utf-8"?>
+<p:sld xmlns:a="http://schemas.openxmlformats.org/drawingml/2006/main" xmlns:r="http://schemas.openxmlformats.org/officeDocument/2006/relationships" xmlns:p="http://schemas.openxmlformats.org/presentationml/2006/main">
+  <p:cSld>
+    <p:spTree>
+      <p:nvGrpSpPr>
+        <p:cNvPr id="1" name=""/>
+        <p:cNvGrpSpPr/>
+        <p:nvPr/>
+      </p:nvGrpSpPr>
+      <p:grpSpPr>
+        <a:xfrm>
+          <a:off x="0" y="0"/>
+          <a:ext cx="0" cy="0"/>
+          <a:chOff x="0" y="0"/>
+          <a:chExt cx="0" cy="0"/>
+        </a:xfrm>
+      </p:grpSpPr>
+      <p:sp>
+        <p:nvSpPr>
+          <p:cNvPr id="2" name="Titre 1">
+            <a:extLst>
+              <a:ext uri="{FF2B5EF4-FFF2-40B4-BE49-F238E27FC236}">
+                <a16:creationId xmlns:a16="http://schemas.microsoft.com/office/drawing/2014/main" xmlns="" id="{3F73CA32-AE10-4F3D-BCF9-EF7EC9E20611}"/>
+              </a:ext>
+            </a:extLst>
+          </p:cNvPr>
+          <p:cNvSpPr>
+            <a:spLocks noGrp="1"/>
+          </p:cNvSpPr>
+          <p:nvPr>
+            <p:ph type="title"/>
+          </p:nvPr>
+        </p:nvSpPr>
+        <p:spPr/>
+        <p:txBody>
+          <a:bodyPr/>
+          <a:lstStyle/>
+          <a:p>
+            <a:r>
+              <a:rPr lang="fr-FR" dirty="0">
+                <a:solidFill>
+                  <a:srgbClr val="FF6600"/>
+                </a:solidFill>
+                <a:latin typeface="Times"/>
+                <a:cs typeface="Times"/>
+              </a:rPr>
+              <a:t>Protection de fonctions</a:t>
+            </a:r>
+          </a:p>
+        </p:txBody>
+      </p:sp>
+      <p:sp>
+        <p:nvSpPr>
+          <p:cNvPr id="3" name="Espace réservé du numéro de diapositive 2">
+            <a:extLst>
+              <a:ext uri="{FF2B5EF4-FFF2-40B4-BE49-F238E27FC236}">
+                <a16:creationId xmlns:a16="http://schemas.microsoft.com/office/drawing/2014/main" xmlns="" id="{72A2FFE3-0419-4C20-BBA4-50F0BDAE81C4}"/>
+              </a:ext>
+            </a:extLst>
+          </p:cNvPr>
+          <p:cNvSpPr>
+            <a:spLocks noGrp="1"/>
+          </p:cNvSpPr>
+          <p:nvPr>
+            <p:ph type="sldNum" sz="quarter" idx="12"/>
+          </p:nvPr>
+        </p:nvSpPr>
+        <p:spPr/>
+        <p:txBody>
+          <a:bodyPr/>
+          <a:lstStyle/>
+          <a:p>
+            <a:fld id="{23A0BF15-B7D3-4BB6-885E-A86938A92F98}" type="slidenum">
+              <a:rPr lang="fr-FR" smtClean="0"/>
+              <a:t>21</a:t>
+            </a:fld>
+            <a:endParaRPr lang="fr-FR"/>
+          </a:p>
+        </p:txBody>
+      </p:sp>
+      <p:pic>
+        <p:nvPicPr>
+          <p:cNvPr id="4" name="Image 3">
+            <a:extLst>
+              <a:ext uri="{FF2B5EF4-FFF2-40B4-BE49-F238E27FC236}">
+                <a16:creationId xmlns:a16="http://schemas.microsoft.com/office/drawing/2014/main" xmlns="" id="{70A5D677-BA57-43B7-9AC8-D7B341F1F3D4}"/>
+              </a:ext>
+            </a:extLst>
+          </p:cNvPr>
+          <p:cNvPicPr>
+            <a:picLocks noChangeAspect="1"/>
+          </p:cNvPicPr>
+          <p:nvPr/>
+        </p:nvPicPr>
+        <p:blipFill rotWithShape="1">
+          <a:blip r:embed="rId2" cstate="print">
+            <a:extLst>
+              <a:ext uri="{28A0092B-C50C-407E-A947-70E740481C1C}">
+                <a14:useLocalDpi xmlns:a14="http://schemas.microsoft.com/office/drawing/2010/main" val="0"/>
+              </a:ext>
+            </a:extLst>
+          </a:blip>
+          <a:srcRect r="2290" b="32664"/>
+          <a:stretch/>
+        </p:blipFill>
+        <p:spPr>
+          <a:xfrm>
+            <a:off x="224323" y="1415615"/>
+            <a:ext cx="5129012" cy="2977089"/>
+          </a:xfrm>
+          <a:prstGeom prst="rect">
+            <a:avLst/>
+          </a:prstGeom>
+        </p:spPr>
+      </p:pic>
+      <p:pic>
+        <p:nvPicPr>
+          <p:cNvPr id="5" name="Image 4">
+            <a:extLst>
+              <a:ext uri="{FF2B5EF4-FFF2-40B4-BE49-F238E27FC236}">
+                <a16:creationId xmlns:a16="http://schemas.microsoft.com/office/drawing/2014/main" xmlns="" id="{98947F05-1482-4E74-B294-656CA81FFE00}"/>
+              </a:ext>
+            </a:extLst>
+          </p:cNvPr>
+          <p:cNvPicPr>
+            <a:picLocks noChangeAspect="1"/>
+          </p:cNvPicPr>
+          <p:nvPr/>
+        </p:nvPicPr>
+        <p:blipFill rotWithShape="1">
+          <a:blip r:embed="rId2" cstate="print">
+            <a:extLst>
+              <a:ext uri="{28A0092B-C50C-407E-A947-70E740481C1C}">
+                <a14:useLocalDpi xmlns:a14="http://schemas.microsoft.com/office/drawing/2010/main" val="0"/>
+              </a:ext>
+            </a:extLst>
+          </a:blip>
+          <a:srcRect l="28379" t="58947" r="40031"/>
+          <a:stretch/>
+        </p:blipFill>
+        <p:spPr>
+          <a:xfrm>
+            <a:off x="5353335" y="1996641"/>
+            <a:ext cx="1658203" cy="1815036"/>
+          </a:xfrm>
+          <a:prstGeom prst="rect">
+            <a:avLst/>
+          </a:prstGeom>
+        </p:spPr>
+      </p:pic>
+      <p:sp>
+        <p:nvSpPr>
+          <p:cNvPr id="6" name="Rectangle 5">
+            <a:extLst>
+              <a:ext uri="{FF2B5EF4-FFF2-40B4-BE49-F238E27FC236}">
+                <a16:creationId xmlns:a16="http://schemas.microsoft.com/office/drawing/2014/main" xmlns="" id="{8A0312AE-402F-4171-8FA1-0B9C8EA7C2B2}"/>
+              </a:ext>
+            </a:extLst>
+          </p:cNvPr>
+          <p:cNvSpPr/>
+          <p:nvPr/>
+        </p:nvSpPr>
+        <p:spPr>
+          <a:xfrm>
+            <a:off x="2067637" y="3940791"/>
+            <a:ext cx="3285698" cy="757451"/>
+          </a:xfrm>
+          <a:prstGeom prst="rect">
+            <a:avLst/>
+          </a:prstGeom>
+          <a:solidFill>
+            <a:schemeClr val="bg1"/>
+          </a:solidFill>
+          <a:ln>
+            <a:solidFill>
+              <a:schemeClr val="bg1"/>
+            </a:solidFill>
+          </a:ln>
+        </p:spPr>
+        <p:style>
+          <a:lnRef idx="2">
+            <a:schemeClr val="accent1">
+              <a:shade val="50000"/>
+            </a:schemeClr>
+          </a:lnRef>
+          <a:fillRef idx="1">
+            <a:schemeClr val="accent1"/>
+          </a:fillRef>
+          <a:effectRef idx="0">
+            <a:schemeClr val="accent1"/>
+          </a:effectRef>
+          <a:fontRef idx="minor">
+            <a:schemeClr val="lt1"/>
+          </a:fontRef>
+        </p:style>
+        <p:txBody>
+          <a:bodyPr lIns="68580" tIns="34290" rIns="68580" bIns="34290" rtlCol="0" anchor="ctr"/>
+          <a:lstStyle/>
+          <a:p>
+            <a:pPr algn="ctr"/>
+            <a:endParaRPr lang="fr-FR"/>
+          </a:p>
+        </p:txBody>
+      </p:sp>
+      <p:sp>
+        <p:nvSpPr>
+          <p:cNvPr id="7" name="Rectangle 6">
+            <a:extLst>
+              <a:ext uri="{FF2B5EF4-FFF2-40B4-BE49-F238E27FC236}">
+                <a16:creationId xmlns:a16="http://schemas.microsoft.com/office/drawing/2014/main" xmlns="" id="{40DA26DB-4A9B-4CAC-805F-7DEAAE25B10A}"/>
               </a:ext>
             </a:extLst>
           </p:cNvPr>
@@ -22480,7 +22706,7 @@
           <p:cNvPr id="9" name="Image 8">
             <a:extLst>
               <a:ext uri="{FF2B5EF4-FFF2-40B4-BE49-F238E27FC236}">
-                <a16:creationId xmlns="" xmlns:a16="http://schemas.microsoft.com/office/drawing/2014/main" id="{FFC166D6-8A7F-4570-B459-E3C59B389457}"/>
+                <a16:creationId xmlns:a16="http://schemas.microsoft.com/office/drawing/2014/main" xmlns="" id="{FFC166D6-8A7F-4570-B459-E3C59B389457}"/>
               </a:ext>
             </a:extLst>
           </p:cNvPr>
@@ -22515,7 +22741,7 @@
           <p:cNvPr id="10" name="Rectangle 9">
             <a:extLst>
               <a:ext uri="{FF2B5EF4-FFF2-40B4-BE49-F238E27FC236}">
-                <a16:creationId xmlns="" xmlns:a16="http://schemas.microsoft.com/office/drawing/2014/main" id="{66C02E16-930E-4912-A44E-8E3B644AD5A5}"/>
+                <a16:creationId xmlns:a16="http://schemas.microsoft.com/office/drawing/2014/main" xmlns="" id="{66C02E16-930E-4912-A44E-8E3B644AD5A5}"/>
               </a:ext>
             </a:extLst>
           </p:cNvPr>
@@ -22569,7 +22795,7 @@
           <p:cNvPr id="8" name="Rectangle 7">
             <a:extLst>
               <a:ext uri="{FF2B5EF4-FFF2-40B4-BE49-F238E27FC236}">
-                <a16:creationId xmlns="" xmlns:a16="http://schemas.microsoft.com/office/drawing/2014/main" id="{0B092F01-AF3C-4586-86ED-A00D5BD9CB51}"/>
+                <a16:creationId xmlns:a16="http://schemas.microsoft.com/office/drawing/2014/main" xmlns="" id="{0B092F01-AF3C-4586-86ED-A00D5BD9CB51}"/>
               </a:ext>
             </a:extLst>
           </p:cNvPr>
@@ -22631,7 +22857,7 @@
 </p:sld>
 </file>
 
-<file path=ppt/slides/slide21.xml><?xml version="1.0" encoding="utf-8"?>
+<file path=ppt/slides/slide22.xml><?xml version="1.0" encoding="utf-8"?>
 <p:sld xmlns:a="http://schemas.openxmlformats.org/drawingml/2006/main" xmlns:r="http://schemas.openxmlformats.org/officeDocument/2006/relationships" xmlns:p="http://schemas.openxmlformats.org/presentationml/2006/main">
   <p:cSld>
     <p:spTree>
@@ -22653,7 +22879,7 @@
           <p:cNvPr id="2" name="Titre 1">
             <a:extLst>
               <a:ext uri="{FF2B5EF4-FFF2-40B4-BE49-F238E27FC236}">
-                <a16:creationId xmlns="" xmlns:a16="http://schemas.microsoft.com/office/drawing/2014/main" id="{E167F0F0-AC94-491E-AA1B-7C8CBCFEF5CF}"/>
+                <a16:creationId xmlns:a16="http://schemas.microsoft.com/office/drawing/2014/main" xmlns="" id="{E167F0F0-AC94-491E-AA1B-7C8CBCFEF5CF}"/>
               </a:ext>
             </a:extLst>
           </p:cNvPr>
@@ -22687,7 +22913,7 @@
           <p:cNvPr id="3" name="Espace réservé du numéro de diapositive 2">
             <a:extLst>
               <a:ext uri="{FF2B5EF4-FFF2-40B4-BE49-F238E27FC236}">
-                <a16:creationId xmlns="" xmlns:a16="http://schemas.microsoft.com/office/drawing/2014/main" id="{FFB9690D-C9FE-4866-B661-8442DE5FABA3}"/>
+                <a16:creationId xmlns:a16="http://schemas.microsoft.com/office/drawing/2014/main" xmlns="" id="{FFB9690D-C9FE-4866-B661-8442DE5FABA3}"/>
               </a:ext>
             </a:extLst>
           </p:cNvPr>
@@ -22705,7 +22931,7 @@
           <a:p>
             <a:fld id="{23A0BF15-B7D3-4BB6-885E-A86938A92F98}" type="slidenum">
               <a:rPr lang="fr-FR" smtClean="0"/>
-              <a:t>21</a:t>
+              <a:t>22</a:t>
             </a:fld>
             <a:endParaRPr lang="fr-FR"/>
           </a:p>
@@ -22716,7 +22942,7 @@
           <p:cNvPr id="4" name="Image 3">
             <a:extLst>
               <a:ext uri="{FF2B5EF4-FFF2-40B4-BE49-F238E27FC236}">
-                <a16:creationId xmlns="" xmlns:a16="http://schemas.microsoft.com/office/drawing/2014/main" id="{57D1E925-4E18-48E3-85E6-27142B6F7A4D}"/>
+                <a16:creationId xmlns:a16="http://schemas.microsoft.com/office/drawing/2014/main" xmlns="" id="{57D1E925-4E18-48E3-85E6-27142B6F7A4D}"/>
               </a:ext>
             </a:extLst>
           </p:cNvPr>
@@ -22751,7 +22977,7 @@
           <p:cNvPr id="5" name="Image 4">
             <a:extLst>
               <a:ext uri="{FF2B5EF4-FFF2-40B4-BE49-F238E27FC236}">
-                <a16:creationId xmlns="" xmlns:a16="http://schemas.microsoft.com/office/drawing/2014/main" id="{6844953D-84E3-409F-9119-85313CC6F714}"/>
+                <a16:creationId xmlns:a16="http://schemas.microsoft.com/office/drawing/2014/main" xmlns="" id="{6844953D-84E3-409F-9119-85313CC6F714}"/>
               </a:ext>
             </a:extLst>
           </p:cNvPr>
@@ -22786,7 +23012,7 @@
           <p:cNvPr id="6" name="Rectangle 5">
             <a:extLst>
               <a:ext uri="{FF2B5EF4-FFF2-40B4-BE49-F238E27FC236}">
-                <a16:creationId xmlns="" xmlns:a16="http://schemas.microsoft.com/office/drawing/2014/main" id="{44B655B7-E2FF-4569-9683-8EDC6BEA3EBA}"/>
+                <a16:creationId xmlns:a16="http://schemas.microsoft.com/office/drawing/2014/main" xmlns="" id="{44B655B7-E2FF-4569-9683-8EDC6BEA3EBA}"/>
               </a:ext>
             </a:extLst>
           </p:cNvPr>
@@ -22840,7 +23066,7 @@
           <p:cNvPr id="7" name="Rectangle 6">
             <a:extLst>
               <a:ext uri="{FF2B5EF4-FFF2-40B4-BE49-F238E27FC236}">
-                <a16:creationId xmlns="" xmlns:a16="http://schemas.microsoft.com/office/drawing/2014/main" id="{E554D97A-0591-473C-80BE-89ED8E802061}"/>
+                <a16:creationId xmlns:a16="http://schemas.microsoft.com/office/drawing/2014/main" xmlns="" id="{E554D97A-0591-473C-80BE-89ED8E802061}"/>
               </a:ext>
             </a:extLst>
           </p:cNvPr>
@@ -22894,7 +23120,7 @@
           <p:cNvPr id="8" name="Rectangle 7">
             <a:extLst>
               <a:ext uri="{FF2B5EF4-FFF2-40B4-BE49-F238E27FC236}">
-                <a16:creationId xmlns="" xmlns:a16="http://schemas.microsoft.com/office/drawing/2014/main" id="{8CB6EFB9-2654-47BD-898D-99597600ED73}"/>
+                <a16:creationId xmlns:a16="http://schemas.microsoft.com/office/drawing/2014/main" xmlns="" id="{8CB6EFB9-2654-47BD-898D-99597600ED73}"/>
               </a:ext>
             </a:extLst>
           </p:cNvPr>
@@ -22956,7 +23182,7 @@
 </p:sld>
 </file>
 
-<file path=ppt/slides/slide22.xml><?xml version="1.0" encoding="utf-8"?>
+<file path=ppt/slides/slide23.xml><?xml version="1.0" encoding="utf-8"?>
 <p:sld xmlns:a="http://schemas.openxmlformats.org/drawingml/2006/main" xmlns:r="http://schemas.openxmlformats.org/officeDocument/2006/relationships" xmlns:p="http://schemas.openxmlformats.org/presentationml/2006/main">
   <p:cSld>
     <p:spTree>
@@ -22978,7 +23204,7 @@
           <p:cNvPr id="2" name="Titre 1">
             <a:extLst>
               <a:ext uri="{FF2B5EF4-FFF2-40B4-BE49-F238E27FC236}">
-                <a16:creationId xmlns="" xmlns:a16="http://schemas.microsoft.com/office/drawing/2014/main" id="{1FB14B4F-E620-4C9F-9FF6-626E6B041389}"/>
+                <a16:creationId xmlns:a16="http://schemas.microsoft.com/office/drawing/2014/main" xmlns="" id="{1FB14B4F-E620-4C9F-9FF6-626E6B041389}"/>
               </a:ext>
             </a:extLst>
           </p:cNvPr>
@@ -23012,7 +23238,7 @@
           <p:cNvPr id="3" name="Espace réservé du numéro de diapositive 2">
             <a:extLst>
               <a:ext uri="{FF2B5EF4-FFF2-40B4-BE49-F238E27FC236}">
-                <a16:creationId xmlns="" xmlns:a16="http://schemas.microsoft.com/office/drawing/2014/main" id="{F8FA9251-C948-4568-BBFB-2E7A413A0031}"/>
+                <a16:creationId xmlns:a16="http://schemas.microsoft.com/office/drawing/2014/main" xmlns="" id="{F8FA9251-C948-4568-BBFB-2E7A413A0031}"/>
               </a:ext>
             </a:extLst>
           </p:cNvPr>
@@ -23030,7 +23256,7 @@
           <a:p>
             <a:fld id="{23A0BF15-B7D3-4BB6-885E-A86938A92F98}" type="slidenum">
               <a:rPr lang="fr-FR" smtClean="0"/>
-              <a:t>22</a:t>
+              <a:t>23</a:t>
             </a:fld>
             <a:endParaRPr lang="fr-FR"/>
           </a:p>
@@ -23041,7 +23267,7 @@
           <p:cNvPr id="5" name="Image 4">
             <a:extLst>
               <a:ext uri="{FF2B5EF4-FFF2-40B4-BE49-F238E27FC236}">
-                <a16:creationId xmlns="" xmlns:a16="http://schemas.microsoft.com/office/drawing/2014/main" id="{9BAC9CE8-9A5B-4D6F-9712-9DA04113D7D3}"/>
+                <a16:creationId xmlns:a16="http://schemas.microsoft.com/office/drawing/2014/main" xmlns="" id="{9BAC9CE8-9A5B-4D6F-9712-9DA04113D7D3}"/>
               </a:ext>
             </a:extLst>
           </p:cNvPr>
@@ -23218,7 +23444,7 @@
           <p:cNvPr id="8" name="Picture 4" descr="RÃ©sultat de recherche d'images pour &quot;paracÃ©tamol&quot;">
             <a:extLst>
               <a:ext uri="{FF2B5EF4-FFF2-40B4-BE49-F238E27FC236}">
-                <a16:creationId xmlns:a16="http://schemas.microsoft.com/office/drawing/2014/main" xmlns="" id="{D1F1E8E2-9B79-4929-A3AA-E98462883931}"/>
+                <a16:creationId xmlns="" xmlns:a16="http://schemas.microsoft.com/office/drawing/2014/main" id="{D1F1E8E2-9B79-4929-A3AA-E98462883931}"/>
               </a:ext>
             </a:extLst>
           </p:cNvPr>
@@ -23295,7 +23521,7 @@
           <p:cNvPr id="52" name="Tableau 51">
             <a:extLst>
               <a:ext uri="{FF2B5EF4-FFF2-40B4-BE49-F238E27FC236}">
-                <a16:creationId xmlns="" xmlns:a16="http://schemas.microsoft.com/office/drawing/2014/main" xmlns:a14="http://schemas.microsoft.com/office/drawing/2010/main" xmlns:mc="http://schemas.openxmlformats.org/markup-compatibility/2006" id="{6299EFDC-D811-415D-AE6E-13C7739EDF60}"/>
+                <a16:creationId xmlns:mc="http://schemas.openxmlformats.org/markup-compatibility/2006" xmlns:a14="http://schemas.microsoft.com/office/drawing/2010/main" xmlns:a16="http://schemas.microsoft.com/office/drawing/2014/main" xmlns="" id="{6299EFDC-D811-415D-AE6E-13C7739EDF60}"/>
               </a:ext>
             </a:extLst>
           </p:cNvPr>
@@ -23324,49 +23550,49 @@
                 <a:gridCol w="1789043">
                   <a:extLst>
                     <a:ext uri="{9D8B030D-6E8A-4147-A177-3AD203B41FA5}">
-                      <a16:colId xmlns="" xmlns:a16="http://schemas.microsoft.com/office/drawing/2014/main" xmlns:a14="http://schemas.microsoft.com/office/drawing/2010/main" xmlns:mc="http://schemas.openxmlformats.org/markup-compatibility/2006" val="3676508839"/>
+                      <a16:colId xmlns:mc="http://schemas.openxmlformats.org/markup-compatibility/2006" xmlns:a14="http://schemas.microsoft.com/office/drawing/2010/main" xmlns:a16="http://schemas.microsoft.com/office/drawing/2014/main" xmlns="" val="3676508839"/>
                     </a:ext>
                   </a:extLst>
                 </a:gridCol>
                 <a:gridCol w="283265">
                   <a:extLst>
                     <a:ext uri="{9D8B030D-6E8A-4147-A177-3AD203B41FA5}">
-                      <a16:colId xmlns="" xmlns:a16="http://schemas.microsoft.com/office/drawing/2014/main" xmlns:a14="http://schemas.microsoft.com/office/drawing/2010/main" xmlns:mc="http://schemas.openxmlformats.org/markup-compatibility/2006" val="3364169271"/>
+                      <a16:colId xmlns:mc="http://schemas.openxmlformats.org/markup-compatibility/2006" xmlns:a14="http://schemas.microsoft.com/office/drawing/2010/main" xmlns:a16="http://schemas.microsoft.com/office/drawing/2014/main" xmlns="" val="3364169271"/>
                     </a:ext>
                   </a:extLst>
                 </a:gridCol>
                 <a:gridCol w="1759226">
                   <a:extLst>
                     <a:ext uri="{9D8B030D-6E8A-4147-A177-3AD203B41FA5}">
-                      <a16:colId xmlns="" xmlns:a16="http://schemas.microsoft.com/office/drawing/2014/main" xmlns:a14="http://schemas.microsoft.com/office/drawing/2010/main" xmlns:mc="http://schemas.openxmlformats.org/markup-compatibility/2006" val="460053931"/>
+                      <a16:colId xmlns:mc="http://schemas.openxmlformats.org/markup-compatibility/2006" xmlns:a14="http://schemas.microsoft.com/office/drawing/2010/main" xmlns:a16="http://schemas.microsoft.com/office/drawing/2014/main" xmlns="" val="460053931"/>
                     </a:ext>
                   </a:extLst>
                 </a:gridCol>
                 <a:gridCol w="1177787">
                   <a:extLst>
                     <a:ext uri="{9D8B030D-6E8A-4147-A177-3AD203B41FA5}">
-                      <a16:colId xmlns="" xmlns:a16="http://schemas.microsoft.com/office/drawing/2014/main" xmlns:a14="http://schemas.microsoft.com/office/drawing/2010/main" xmlns:mc="http://schemas.openxmlformats.org/markup-compatibility/2006" val="2498011360"/>
+                      <a16:colId xmlns:mc="http://schemas.openxmlformats.org/markup-compatibility/2006" xmlns:a14="http://schemas.microsoft.com/office/drawing/2010/main" xmlns:a16="http://schemas.microsoft.com/office/drawing/2014/main" xmlns="" val="2498011360"/>
                     </a:ext>
                   </a:extLst>
                 </a:gridCol>
                 <a:gridCol w="1878495">
                   <a:extLst>
                     <a:ext uri="{9D8B030D-6E8A-4147-A177-3AD203B41FA5}">
-                      <a16:colId xmlns="" xmlns:a16="http://schemas.microsoft.com/office/drawing/2014/main" xmlns:a14="http://schemas.microsoft.com/office/drawing/2010/main" xmlns:mc="http://schemas.openxmlformats.org/markup-compatibility/2006" val="2579247023"/>
+                      <a16:colId xmlns:mc="http://schemas.openxmlformats.org/markup-compatibility/2006" xmlns:a14="http://schemas.microsoft.com/office/drawing/2010/main" xmlns:a16="http://schemas.microsoft.com/office/drawing/2014/main" xmlns="" val="2579247023"/>
                     </a:ext>
                   </a:extLst>
                 </a:gridCol>
                 <a:gridCol w="260903">
                   <a:extLst>
                     <a:ext uri="{9D8B030D-6E8A-4147-A177-3AD203B41FA5}">
-                      <a16:colId xmlns="" xmlns:a16="http://schemas.microsoft.com/office/drawing/2014/main" xmlns:a14="http://schemas.microsoft.com/office/drawing/2010/main" xmlns:mc="http://schemas.openxmlformats.org/markup-compatibility/2006" val="1635373302"/>
+                      <a16:colId xmlns:mc="http://schemas.openxmlformats.org/markup-compatibility/2006" xmlns:a14="http://schemas.microsoft.com/office/drawing/2010/main" xmlns:a16="http://schemas.microsoft.com/office/drawing/2014/main" xmlns="" val="1635373302"/>
                     </a:ext>
                   </a:extLst>
                 </a:gridCol>
                 <a:gridCol w="1617594">
                   <a:extLst>
                     <a:ext uri="{9D8B030D-6E8A-4147-A177-3AD203B41FA5}">
-                      <a16:colId xmlns="" xmlns:a16="http://schemas.microsoft.com/office/drawing/2014/main" xmlns:a14="http://schemas.microsoft.com/office/drawing/2010/main" xmlns:mc="http://schemas.openxmlformats.org/markup-compatibility/2006" val="1146037858"/>
+                      <a16:colId xmlns:mc="http://schemas.openxmlformats.org/markup-compatibility/2006" xmlns:a14="http://schemas.microsoft.com/office/drawing/2010/main" xmlns:a16="http://schemas.microsoft.com/office/drawing/2014/main" xmlns="" val="1146037858"/>
                     </a:ext>
                   </a:extLst>
                 </a:gridCol>
@@ -23626,7 +23852,7 @@
                 </a:tc>
                 <a:extLst>
                   <a:ext uri="{0D108BD9-81ED-4DB2-BD59-A6C34878D82A}">
-                    <a16:rowId xmlns="" xmlns:a16="http://schemas.microsoft.com/office/drawing/2014/main" xmlns:a14="http://schemas.microsoft.com/office/drawing/2010/main" xmlns:mc="http://schemas.openxmlformats.org/markup-compatibility/2006" val="1402701178"/>
+                    <a16:rowId xmlns:mc="http://schemas.openxmlformats.org/markup-compatibility/2006" xmlns:a14="http://schemas.microsoft.com/office/drawing/2010/main" xmlns:a16="http://schemas.microsoft.com/office/drawing/2014/main" xmlns="" val="1402701178"/>
                   </a:ext>
                 </a:extLst>
               </a:tr>
@@ -23881,7 +24107,7 @@
                 </a:tc>
                 <a:extLst>
                   <a:ext uri="{0D108BD9-81ED-4DB2-BD59-A6C34878D82A}">
-                    <a16:rowId xmlns="" xmlns:a16="http://schemas.microsoft.com/office/drawing/2014/main" xmlns:a14="http://schemas.microsoft.com/office/drawing/2010/main" xmlns:mc="http://schemas.openxmlformats.org/markup-compatibility/2006" val="1089108697"/>
+                    <a16:rowId xmlns:mc="http://schemas.openxmlformats.org/markup-compatibility/2006" xmlns:a14="http://schemas.microsoft.com/office/drawing/2010/main" xmlns:a16="http://schemas.microsoft.com/office/drawing/2014/main" xmlns="" val="1089108697"/>
                   </a:ext>
                 </a:extLst>
               </a:tr>
@@ -24128,7 +24354,7 @@
                 </a:tc>
                 <a:extLst>
                   <a:ext uri="{0D108BD9-81ED-4DB2-BD59-A6C34878D82A}">
-                    <a16:rowId xmlns="" xmlns:a16="http://schemas.microsoft.com/office/drawing/2014/main" xmlns:a14="http://schemas.microsoft.com/office/drawing/2010/main" xmlns:mc="http://schemas.openxmlformats.org/markup-compatibility/2006" val="2678179576"/>
+                    <a16:rowId xmlns:mc="http://schemas.openxmlformats.org/markup-compatibility/2006" xmlns:a14="http://schemas.microsoft.com/office/drawing/2010/main" xmlns:a16="http://schemas.microsoft.com/office/drawing/2014/main" xmlns="" val="2678179576"/>
                   </a:ext>
                 </a:extLst>
               </a:tr>
@@ -24371,7 +24597,7 @@
                 </a:tc>
                 <a:extLst>
                   <a:ext uri="{0D108BD9-81ED-4DB2-BD59-A6C34878D82A}">
-                    <a16:rowId xmlns="" xmlns:a16="http://schemas.microsoft.com/office/drawing/2014/main" xmlns:a14="http://schemas.microsoft.com/office/drawing/2010/main" xmlns:mc="http://schemas.openxmlformats.org/markup-compatibility/2006" val="3442191788"/>
+                    <a16:rowId xmlns:mc="http://schemas.openxmlformats.org/markup-compatibility/2006" xmlns:a14="http://schemas.microsoft.com/office/drawing/2010/main" xmlns:a16="http://schemas.microsoft.com/office/drawing/2014/main" xmlns="" val="3442191788"/>
                   </a:ext>
                 </a:extLst>
               </a:tr>
@@ -24384,7 +24610,7 @@
           <p:cNvPr id="3" name="Titre 2">
             <a:extLst>
               <a:ext uri="{FF2B5EF4-FFF2-40B4-BE49-F238E27FC236}">
-                <a16:creationId xmlns="" xmlns:a16="http://schemas.microsoft.com/office/drawing/2014/main" id="{2EBA85FE-F073-486F-8EEF-8FE0F073E7C2}"/>
+                <a16:creationId xmlns:a16="http://schemas.microsoft.com/office/drawing/2014/main" xmlns="" id="{2EBA85FE-F073-486F-8EEF-8FE0F073E7C2}"/>
               </a:ext>
             </a:extLst>
           </p:cNvPr>
@@ -24430,7 +24656,7 @@
           <p:cNvPr id="2" name="Espace réservé du numéro de diapositive 1">
             <a:extLst>
               <a:ext uri="{FF2B5EF4-FFF2-40B4-BE49-F238E27FC236}">
-                <a16:creationId xmlns="" xmlns:a16="http://schemas.microsoft.com/office/drawing/2014/main" id="{D948592D-3AFF-4E13-989B-575F820D014D}"/>
+                <a16:creationId xmlns:a16="http://schemas.microsoft.com/office/drawing/2014/main" xmlns="" id="{D948592D-3AFF-4E13-989B-575F820D014D}"/>
               </a:ext>
             </a:extLst>
           </p:cNvPr>
@@ -24459,7 +24685,7 @@
           <p:cNvPr id="55" name="Connecteur droit avec flèche 54">
             <a:extLst>
               <a:ext uri="{FF2B5EF4-FFF2-40B4-BE49-F238E27FC236}">
-                <a16:creationId xmlns="" xmlns:a16="http://schemas.microsoft.com/office/drawing/2014/main" id="{5AE6B7E5-DE76-459D-808F-CB7DA18ADBC6}"/>
+                <a16:creationId xmlns:a16="http://schemas.microsoft.com/office/drawing/2014/main" xmlns="" id="{5AE6B7E5-DE76-459D-808F-CB7DA18ADBC6}"/>
               </a:ext>
             </a:extLst>
           </p:cNvPr>
@@ -24503,7 +24729,7 @@
           <p:cNvPr id="69" name="Picture 2" descr="https://orme-conseil.com/wp-content/uploads/2018/03/Pictogramme-CLP-%C3%A0-t%C3%A9l%C3%A9charger.jpg">
             <a:extLst>
               <a:ext uri="{FF2B5EF4-FFF2-40B4-BE49-F238E27FC236}">
-                <a16:creationId xmlns="" xmlns:a16="http://schemas.microsoft.com/office/drawing/2014/main" id="{89A4D45D-50FA-4667-A409-95AD102C1074}"/>
+                <a16:creationId xmlns:a16="http://schemas.microsoft.com/office/drawing/2014/main" xmlns="" id="{89A4D45D-50FA-4667-A409-95AD102C1074}"/>
               </a:ext>
             </a:extLst>
           </p:cNvPr>
@@ -24558,7 +24784,7 @@
           <p:cNvPr id="70" name="Picture 2" descr="https://orme-conseil.com/wp-content/uploads/2018/03/Pictogramme-CLP-%C3%A0-t%C3%A9l%C3%A9charger.jpg">
             <a:extLst>
               <a:ext uri="{FF2B5EF4-FFF2-40B4-BE49-F238E27FC236}">
-                <a16:creationId xmlns="" xmlns:a16="http://schemas.microsoft.com/office/drawing/2014/main" id="{48E92E10-DF28-45B0-9E7E-09DCF7629C5F}"/>
+                <a16:creationId xmlns:a16="http://schemas.microsoft.com/office/drawing/2014/main" xmlns="" id="{48E92E10-DF28-45B0-9E7E-09DCF7629C5F}"/>
               </a:ext>
             </a:extLst>
           </p:cNvPr>
@@ -24613,7 +24839,7 @@
           <p:cNvPr id="71" name="Picture 2" descr="https://orme-conseil.com/wp-content/uploads/2018/03/Pictogramme-CLP-%C3%A0-t%C3%A9l%C3%A9charger.jpg">
             <a:extLst>
               <a:ext uri="{FF2B5EF4-FFF2-40B4-BE49-F238E27FC236}">
-                <a16:creationId xmlns="" xmlns:a16="http://schemas.microsoft.com/office/drawing/2014/main" id="{A7AD55EE-3E85-4368-B3DD-9D9499290566}"/>
+                <a16:creationId xmlns:a16="http://schemas.microsoft.com/office/drawing/2014/main" xmlns="" id="{A7AD55EE-3E85-4368-B3DD-9D9499290566}"/>
               </a:ext>
             </a:extLst>
           </p:cNvPr>
@@ -24668,7 +24894,7 @@
           <p:cNvPr id="20" name="Picture 10" descr="RÃ©sultat de recherche d'images pour &quot;anhydride acÃ©tique&quot;">
             <a:extLst>
               <a:ext uri="{FF2B5EF4-FFF2-40B4-BE49-F238E27FC236}">
-                <a16:creationId xmlns:a16="http://schemas.microsoft.com/office/drawing/2014/main" xmlns="" id="{E8AD83C6-905C-422A-9A5C-16E3E87CDDCC}"/>
+                <a16:creationId xmlns="" xmlns:a16="http://schemas.microsoft.com/office/drawing/2014/main" id="{E8AD83C6-905C-422A-9A5C-16E3E87CDDCC}"/>
               </a:ext>
             </a:extLst>
           </p:cNvPr>
@@ -24715,7 +24941,7 @@
           <p:cNvPr id="21" name="Picture 16" descr="RÃ©sultat de recherche d'images pour &quot;acetic acid formula&quot;">
             <a:extLst>
               <a:ext uri="{FF2B5EF4-FFF2-40B4-BE49-F238E27FC236}">
-                <a16:creationId xmlns:a16="http://schemas.microsoft.com/office/drawing/2014/main" xmlns="" id="{336B0188-933B-4691-8595-AF824C48B0F4}"/>
+                <a16:creationId xmlns="" xmlns:a16="http://schemas.microsoft.com/office/drawing/2014/main" id="{336B0188-933B-4691-8595-AF824C48B0F4}"/>
               </a:ext>
             </a:extLst>
           </p:cNvPr>
@@ -24762,7 +24988,7 @@
           <p:cNvPr id="22" name="Picture 2" descr="RÃ©sultat de recherche d'images pour &quot;para-aminophÃ©nol&quot;">
             <a:extLst>
               <a:ext uri="{FF2B5EF4-FFF2-40B4-BE49-F238E27FC236}">
-                <a16:creationId xmlns:a16="http://schemas.microsoft.com/office/drawing/2014/main" xmlns="" id="{F33B8B29-A9C2-419C-AF2F-9BD1FBC2E1CE}"/>
+                <a16:creationId xmlns="" xmlns:a16="http://schemas.microsoft.com/office/drawing/2014/main" id="{F33B8B29-A9C2-419C-AF2F-9BD1FBC2E1CE}"/>
               </a:ext>
             </a:extLst>
           </p:cNvPr>
@@ -24819,7 +25045,7 @@
           <p:cNvPr id="23" name="Picture 4" descr="RÃ©sultat de recherche d'images pour &quot;paracÃ©tamol&quot;">
             <a:extLst>
               <a:ext uri="{FF2B5EF4-FFF2-40B4-BE49-F238E27FC236}">
-                <a16:creationId xmlns:a16="http://schemas.microsoft.com/office/drawing/2014/main" xmlns="" id="{D1F1E8E2-9B79-4929-A3AA-E98462883931}"/>
+                <a16:creationId xmlns="" xmlns:a16="http://schemas.microsoft.com/office/drawing/2014/main" id="{D1F1E8E2-9B79-4929-A3AA-E98462883931}"/>
               </a:ext>
             </a:extLst>
           </p:cNvPr>
@@ -24866,7 +25092,7 @@
           <p:cNvPr id="18" name="Picture 2" descr="https://orme-conseil.com/wp-content/uploads/2018/03/Pictogramme-CLP-%C3%A0-t%C3%A9l%C3%A9charger.jpg">
             <a:extLst>
               <a:ext uri="{FF2B5EF4-FFF2-40B4-BE49-F238E27FC236}">
-                <a16:creationId xmlns="" xmlns:a16="http://schemas.microsoft.com/office/drawing/2014/main" id="{4980779F-CB53-4054-AF8D-5639B7B551A2}"/>
+                <a16:creationId xmlns:a16="http://schemas.microsoft.com/office/drawing/2014/main" xmlns="" id="{4980779F-CB53-4054-AF8D-5639B7B551A2}"/>
               </a:ext>
             </a:extLst>
           </p:cNvPr>
@@ -24921,7 +25147,7 @@
           <p:cNvPr id="19" name="Image 18">
             <a:extLst>
               <a:ext uri="{FF2B5EF4-FFF2-40B4-BE49-F238E27FC236}">
-                <a16:creationId xmlns="" xmlns:a16="http://schemas.microsoft.com/office/drawing/2014/main" id="{78AA4DD8-C1F7-437C-993E-E8FAB63F754B}"/>
+                <a16:creationId xmlns:a16="http://schemas.microsoft.com/office/drawing/2014/main" xmlns="" id="{78AA4DD8-C1F7-437C-993E-E8FAB63F754B}"/>
               </a:ext>
             </a:extLst>
           </p:cNvPr>
@@ -24962,7 +25188,7 @@
           <p:cNvPr id="24" name="Picture 2" descr="https://orme-conseil.com/wp-content/uploads/2018/03/Pictogramme-CLP-%C3%A0-t%C3%A9l%C3%A9charger.jpg">
             <a:extLst>
               <a:ext uri="{FF2B5EF4-FFF2-40B4-BE49-F238E27FC236}">
-                <a16:creationId xmlns="" xmlns:a16="http://schemas.microsoft.com/office/drawing/2014/main" id="{FDD4E8AD-6111-4897-B280-DFCC00758345}"/>
+                <a16:creationId xmlns:a16="http://schemas.microsoft.com/office/drawing/2014/main" xmlns="" id="{FDD4E8AD-6111-4897-B280-DFCC00758345}"/>
               </a:ext>
             </a:extLst>
           </p:cNvPr>
@@ -25017,7 +25243,7 @@
           <p:cNvPr id="25" name="Picture 115" descr="Image associÃ©e">
             <a:extLst>
               <a:ext uri="{FF2B5EF4-FFF2-40B4-BE49-F238E27FC236}">
-                <a16:creationId xmlns="" xmlns:a16="http://schemas.microsoft.com/office/drawing/2014/main" id="{480AE5C0-D399-486D-83EE-56F85AC1EB71}"/>
+                <a16:creationId xmlns:a16="http://schemas.microsoft.com/office/drawing/2014/main" xmlns="" id="{480AE5C0-D399-486D-83EE-56F85AC1EB71}"/>
               </a:ext>
             </a:extLst>
           </p:cNvPr>
@@ -25074,7 +25300,7 @@
           <p:cNvPr id="26" name="Picture 117" descr="Image associÃ©e">
             <a:extLst>
               <a:ext uri="{FF2B5EF4-FFF2-40B4-BE49-F238E27FC236}">
-                <a16:creationId xmlns="" xmlns:a16="http://schemas.microsoft.com/office/drawing/2014/main" id="{B3B1A77B-B9F5-4AAB-A269-ED78E9D6C2D1}"/>
+                <a16:creationId xmlns:a16="http://schemas.microsoft.com/office/drawing/2014/main" xmlns="" id="{B3B1A77B-B9F5-4AAB-A269-ED78E9D6C2D1}"/>
               </a:ext>
             </a:extLst>
           </p:cNvPr>
@@ -25131,7 +25357,7 @@
           <p:cNvPr id="27" name="Picture 2" descr="https://orme-conseil.com/wp-content/uploads/2018/03/Pictogramme-CLP-%C3%A0-t%C3%A9l%C3%A9charger.jpg">
             <a:extLst>
               <a:ext uri="{FF2B5EF4-FFF2-40B4-BE49-F238E27FC236}">
-                <a16:creationId xmlns="" xmlns:a16="http://schemas.microsoft.com/office/drawing/2014/main" id="{D201B2E4-3DD8-4EFB-859A-07E80DE0ED7C}"/>
+                <a16:creationId xmlns:a16="http://schemas.microsoft.com/office/drawing/2014/main" xmlns="" id="{D201B2E4-3DD8-4EFB-859A-07E80DE0ED7C}"/>
               </a:ext>
             </a:extLst>
           </p:cNvPr>
@@ -25216,7 +25442,7 @@
           <p:cNvPr id="52" name="Tableau 51">
             <a:extLst>
               <a:ext uri="{FF2B5EF4-FFF2-40B4-BE49-F238E27FC236}">
-                <a16:creationId xmlns="" xmlns:a16="http://schemas.microsoft.com/office/drawing/2014/main" xmlns:a14="http://schemas.microsoft.com/office/drawing/2010/main" xmlns:mc="http://schemas.openxmlformats.org/markup-compatibility/2006" id="{6299EFDC-D811-415D-AE6E-13C7739EDF60}"/>
+                <a16:creationId xmlns:mc="http://schemas.openxmlformats.org/markup-compatibility/2006" xmlns:a14="http://schemas.microsoft.com/office/drawing/2010/main" xmlns:a16="http://schemas.microsoft.com/office/drawing/2014/main" xmlns="" id="{6299EFDC-D811-415D-AE6E-13C7739EDF60}"/>
               </a:ext>
             </a:extLst>
           </p:cNvPr>
@@ -25245,49 +25471,49 @@
                 <a:gridCol w="1789043">
                   <a:extLst>
                     <a:ext uri="{9D8B030D-6E8A-4147-A177-3AD203B41FA5}">
-                      <a16:colId xmlns="" xmlns:a16="http://schemas.microsoft.com/office/drawing/2014/main" xmlns:a14="http://schemas.microsoft.com/office/drawing/2010/main" xmlns:mc="http://schemas.openxmlformats.org/markup-compatibility/2006" val="3676508839"/>
+                      <a16:colId xmlns:mc="http://schemas.openxmlformats.org/markup-compatibility/2006" xmlns:a14="http://schemas.microsoft.com/office/drawing/2010/main" xmlns:a16="http://schemas.microsoft.com/office/drawing/2014/main" xmlns="" val="3676508839"/>
                     </a:ext>
                   </a:extLst>
                 </a:gridCol>
                 <a:gridCol w="283265">
                   <a:extLst>
                     <a:ext uri="{9D8B030D-6E8A-4147-A177-3AD203B41FA5}">
-                      <a16:colId xmlns="" xmlns:a16="http://schemas.microsoft.com/office/drawing/2014/main" xmlns:a14="http://schemas.microsoft.com/office/drawing/2010/main" xmlns:mc="http://schemas.openxmlformats.org/markup-compatibility/2006" val="3364169271"/>
+                      <a16:colId xmlns:mc="http://schemas.openxmlformats.org/markup-compatibility/2006" xmlns:a14="http://schemas.microsoft.com/office/drawing/2010/main" xmlns:a16="http://schemas.microsoft.com/office/drawing/2014/main" xmlns="" val="3364169271"/>
                     </a:ext>
                   </a:extLst>
                 </a:gridCol>
                 <a:gridCol w="1504543">
                   <a:extLst>
                     <a:ext uri="{9D8B030D-6E8A-4147-A177-3AD203B41FA5}">
-                      <a16:colId xmlns="" xmlns:a16="http://schemas.microsoft.com/office/drawing/2014/main" xmlns:a14="http://schemas.microsoft.com/office/drawing/2010/main" xmlns:mc="http://schemas.openxmlformats.org/markup-compatibility/2006" val="460053931"/>
+                      <a16:colId xmlns:mc="http://schemas.openxmlformats.org/markup-compatibility/2006" xmlns:a14="http://schemas.microsoft.com/office/drawing/2010/main" xmlns:a16="http://schemas.microsoft.com/office/drawing/2014/main" xmlns="" val="460053931"/>
                     </a:ext>
                   </a:extLst>
                 </a:gridCol>
                 <a:gridCol w="1317261">
                   <a:extLst>
                     <a:ext uri="{9D8B030D-6E8A-4147-A177-3AD203B41FA5}">
-                      <a16:colId xmlns="" xmlns:a16="http://schemas.microsoft.com/office/drawing/2014/main" xmlns:a14="http://schemas.microsoft.com/office/drawing/2010/main" xmlns:mc="http://schemas.openxmlformats.org/markup-compatibility/2006" val="2498011360"/>
+                      <a16:colId xmlns:mc="http://schemas.openxmlformats.org/markup-compatibility/2006" xmlns:a14="http://schemas.microsoft.com/office/drawing/2010/main" xmlns:a16="http://schemas.microsoft.com/office/drawing/2014/main" xmlns="" val="2498011360"/>
                     </a:ext>
                   </a:extLst>
                 </a:gridCol>
                 <a:gridCol w="1993704">
                   <a:extLst>
                     <a:ext uri="{9D8B030D-6E8A-4147-A177-3AD203B41FA5}">
-                      <a16:colId xmlns="" xmlns:a16="http://schemas.microsoft.com/office/drawing/2014/main" xmlns:a14="http://schemas.microsoft.com/office/drawing/2010/main" xmlns:mc="http://schemas.openxmlformats.org/markup-compatibility/2006" val="2579247023"/>
+                      <a16:colId xmlns:mc="http://schemas.openxmlformats.org/markup-compatibility/2006" xmlns:a14="http://schemas.microsoft.com/office/drawing/2010/main" xmlns:a16="http://schemas.microsoft.com/office/drawing/2014/main" xmlns="" val="2579247023"/>
                     </a:ext>
                   </a:extLst>
                 </a:gridCol>
                 <a:gridCol w="260903">
                   <a:extLst>
                     <a:ext uri="{9D8B030D-6E8A-4147-A177-3AD203B41FA5}">
-                      <a16:colId xmlns="" xmlns:a16="http://schemas.microsoft.com/office/drawing/2014/main" xmlns:a14="http://schemas.microsoft.com/office/drawing/2010/main" xmlns:mc="http://schemas.openxmlformats.org/markup-compatibility/2006" val="1635373302"/>
+                      <a16:colId xmlns:mc="http://schemas.openxmlformats.org/markup-compatibility/2006" xmlns:a14="http://schemas.microsoft.com/office/drawing/2010/main" xmlns:a16="http://schemas.microsoft.com/office/drawing/2014/main" xmlns="" val="1635373302"/>
                     </a:ext>
                   </a:extLst>
                 </a:gridCol>
                 <a:gridCol w="1617594">
                   <a:extLst>
                     <a:ext uri="{9D8B030D-6E8A-4147-A177-3AD203B41FA5}">
-                      <a16:colId xmlns="" xmlns:a16="http://schemas.microsoft.com/office/drawing/2014/main" xmlns:a14="http://schemas.microsoft.com/office/drawing/2010/main" xmlns:mc="http://schemas.openxmlformats.org/markup-compatibility/2006" val="1146037858"/>
+                      <a16:colId xmlns:mc="http://schemas.openxmlformats.org/markup-compatibility/2006" xmlns:a14="http://schemas.microsoft.com/office/drawing/2010/main" xmlns:a16="http://schemas.microsoft.com/office/drawing/2014/main" xmlns="" val="1146037858"/>
                     </a:ext>
                   </a:extLst>
                 </a:gridCol>
@@ -25474,7 +25700,7 @@
                 </a:tc>
                 <a:extLst>
                   <a:ext uri="{0D108BD9-81ED-4DB2-BD59-A6C34878D82A}">
-                    <a16:rowId xmlns="" xmlns:a16="http://schemas.microsoft.com/office/drawing/2014/main" xmlns:a14="http://schemas.microsoft.com/office/drawing/2010/main" xmlns:mc="http://schemas.openxmlformats.org/markup-compatibility/2006" val="1402701178"/>
+                    <a16:rowId xmlns:mc="http://schemas.openxmlformats.org/markup-compatibility/2006" xmlns:a14="http://schemas.microsoft.com/office/drawing/2010/main" xmlns:a16="http://schemas.microsoft.com/office/drawing/2014/main" xmlns="" val="1402701178"/>
                   </a:ext>
                 </a:extLst>
               </a:tr>
@@ -25575,7 +25801,7 @@
                 </a:tc>
                 <a:extLst>
                   <a:ext uri="{0D108BD9-81ED-4DB2-BD59-A6C34878D82A}">
-                    <a16:rowId xmlns="" xmlns:a16="http://schemas.microsoft.com/office/drawing/2014/main" xmlns:a14="http://schemas.microsoft.com/office/drawing/2010/main" xmlns:mc="http://schemas.openxmlformats.org/markup-compatibility/2006" val="1089108697"/>
+                    <a16:rowId xmlns:mc="http://schemas.openxmlformats.org/markup-compatibility/2006" xmlns:a14="http://schemas.microsoft.com/office/drawing/2010/main" xmlns:a16="http://schemas.microsoft.com/office/drawing/2014/main" xmlns="" val="1089108697"/>
                   </a:ext>
                 </a:extLst>
               </a:tr>
@@ -25720,7 +25946,7 @@
                 </a:tc>
                 <a:extLst>
                   <a:ext uri="{0D108BD9-81ED-4DB2-BD59-A6C34878D82A}">
-                    <a16:rowId xmlns="" xmlns:a16="http://schemas.microsoft.com/office/drawing/2014/main" xmlns:a14="http://schemas.microsoft.com/office/drawing/2010/main" xmlns:mc="http://schemas.openxmlformats.org/markup-compatibility/2006" val="2678179576"/>
+                    <a16:rowId xmlns:mc="http://schemas.openxmlformats.org/markup-compatibility/2006" xmlns:a14="http://schemas.microsoft.com/office/drawing/2010/main" xmlns:a16="http://schemas.microsoft.com/office/drawing/2014/main" xmlns="" val="2678179576"/>
                   </a:ext>
                 </a:extLst>
               </a:tr>
@@ -25840,7 +26066,7 @@
                 </a:tc>
                 <a:extLst>
                   <a:ext uri="{0D108BD9-81ED-4DB2-BD59-A6C34878D82A}">
-                    <a16:rowId xmlns="" xmlns:a16="http://schemas.microsoft.com/office/drawing/2014/main" xmlns:a14="http://schemas.microsoft.com/office/drawing/2010/main" xmlns:mc="http://schemas.openxmlformats.org/markup-compatibility/2006" val="3442191788"/>
+                    <a16:rowId xmlns:mc="http://schemas.openxmlformats.org/markup-compatibility/2006" xmlns:a14="http://schemas.microsoft.com/office/drawing/2010/main" xmlns:a16="http://schemas.microsoft.com/office/drawing/2014/main" xmlns="" val="3442191788"/>
                   </a:ext>
                 </a:extLst>
               </a:tr>
@@ -25853,7 +26079,7 @@
           <p:cNvPr id="3" name="Titre 2">
             <a:extLst>
               <a:ext uri="{FF2B5EF4-FFF2-40B4-BE49-F238E27FC236}">
-                <a16:creationId xmlns="" xmlns:a16="http://schemas.microsoft.com/office/drawing/2014/main" id="{2EBA85FE-F073-486F-8EEF-8FE0F073E7C2}"/>
+                <a16:creationId xmlns:a16="http://schemas.microsoft.com/office/drawing/2014/main" xmlns="" id="{2EBA85FE-F073-486F-8EEF-8FE0F073E7C2}"/>
               </a:ext>
             </a:extLst>
           </p:cNvPr>
@@ -25866,7 +26092,7 @@
         </p:nvSpPr>
         <p:spPr>
           <a:xfrm>
-            <a:off x="311700" y="222462"/>
+            <a:off x="311700" y="180129"/>
             <a:ext cx="8520600" cy="572700"/>
           </a:xfrm>
         </p:spPr>
@@ -25923,7 +26149,7 @@
           <p:cNvPr id="2" name="Espace réservé du numéro de diapositive 1">
             <a:extLst>
               <a:ext uri="{FF2B5EF4-FFF2-40B4-BE49-F238E27FC236}">
-                <a16:creationId xmlns="" xmlns:a16="http://schemas.microsoft.com/office/drawing/2014/main" id="{D948592D-3AFF-4E13-989B-575F820D014D}"/>
+                <a16:creationId xmlns:a16="http://schemas.microsoft.com/office/drawing/2014/main" xmlns="" id="{D948592D-3AFF-4E13-989B-575F820D014D}"/>
               </a:ext>
             </a:extLst>
           </p:cNvPr>
@@ -25952,7 +26178,7 @@
           <p:cNvPr id="55" name="Connecteur droit avec flèche 54">
             <a:extLst>
               <a:ext uri="{FF2B5EF4-FFF2-40B4-BE49-F238E27FC236}">
-                <a16:creationId xmlns="" xmlns:a16="http://schemas.microsoft.com/office/drawing/2014/main" id="{5AE6B7E5-DE76-459D-808F-CB7DA18ADBC6}"/>
+                <a16:creationId xmlns:a16="http://schemas.microsoft.com/office/drawing/2014/main" xmlns="" id="{5AE6B7E5-DE76-459D-808F-CB7DA18ADBC6}"/>
               </a:ext>
             </a:extLst>
           </p:cNvPr>
@@ -25996,7 +26222,7 @@
           <p:cNvPr id="73" name="Picture 117" descr="Image associÃ©e">
             <a:extLst>
               <a:ext uri="{FF2B5EF4-FFF2-40B4-BE49-F238E27FC236}">
-                <a16:creationId xmlns="" xmlns:a16="http://schemas.microsoft.com/office/drawing/2014/main" id="{B3B1A77B-B9F5-4AAB-A269-ED78E9D6C2D1}"/>
+                <a16:creationId xmlns:a16="http://schemas.microsoft.com/office/drawing/2014/main" xmlns="" id="{B3B1A77B-B9F5-4AAB-A269-ED78E9D6C2D1}"/>
               </a:ext>
             </a:extLst>
           </p:cNvPr>
@@ -26043,7 +26269,7 @@
           <p:cNvPr id="23" name="Picture 115" descr="Image associÃ©e">
             <a:extLst>
               <a:ext uri="{FF2B5EF4-FFF2-40B4-BE49-F238E27FC236}">
-                <a16:creationId xmlns="" xmlns:a16="http://schemas.microsoft.com/office/drawing/2014/main" id="{4D5788A2-C16D-4296-8818-A390E27DBC5B}"/>
+                <a16:creationId xmlns:a16="http://schemas.microsoft.com/office/drawing/2014/main" xmlns="" id="{4D5788A2-C16D-4296-8818-A390E27DBC5B}"/>
               </a:ext>
             </a:extLst>
           </p:cNvPr>
@@ -26090,7 +26316,7 @@
           <p:cNvPr id="24" name="Picture 117" descr="Image associÃ©e">
             <a:extLst>
               <a:ext uri="{FF2B5EF4-FFF2-40B4-BE49-F238E27FC236}">
-                <a16:creationId xmlns="" xmlns:a16="http://schemas.microsoft.com/office/drawing/2014/main" id="{8DF6DE1C-F1F4-4237-AD9B-73CC0291F18E}"/>
+                <a16:creationId xmlns:a16="http://schemas.microsoft.com/office/drawing/2014/main" xmlns="" id="{8DF6DE1C-F1F4-4237-AD9B-73CC0291F18E}"/>
               </a:ext>
             </a:extLst>
           </p:cNvPr>
@@ -26137,7 +26363,7 @@
           <p:cNvPr id="3076" name="Picture 4" descr="Toxique">
             <a:extLst>
               <a:ext uri="{FF2B5EF4-FFF2-40B4-BE49-F238E27FC236}">
-                <a16:creationId xmlns="" xmlns:a16="http://schemas.microsoft.com/office/drawing/2014/main" id="{F03B40F4-FAAE-461A-9305-AD9FF6E557F6}"/>
+                <a16:creationId xmlns:a16="http://schemas.microsoft.com/office/drawing/2014/main" xmlns="" id="{F03B40F4-FAAE-461A-9305-AD9FF6E557F6}"/>
               </a:ext>
             </a:extLst>
           </p:cNvPr>
@@ -26184,7 +26410,7 @@
           <p:cNvPr id="3078" name="Picture 6" descr="Gaz sous pression">
             <a:extLst>
               <a:ext uri="{FF2B5EF4-FFF2-40B4-BE49-F238E27FC236}">
-                <a16:creationId xmlns="" xmlns:a16="http://schemas.microsoft.com/office/drawing/2014/main" id="{ACB030BB-FB67-4098-8C27-C48DBCB73F4B}"/>
+                <a16:creationId xmlns:a16="http://schemas.microsoft.com/office/drawing/2014/main" xmlns="" id="{ACB030BB-FB67-4098-8C27-C48DBCB73F4B}"/>
               </a:ext>
             </a:extLst>
           </p:cNvPr>
@@ -26231,7 +26457,7 @@
           <p:cNvPr id="21" name="Picture 2" descr="RÃ©sultat de recherche d'images pour &quot;para-aminophÃ©nol&quot;">
             <a:extLst>
               <a:ext uri="{FF2B5EF4-FFF2-40B4-BE49-F238E27FC236}">
-                <a16:creationId xmlns:a16="http://schemas.microsoft.com/office/drawing/2014/main" xmlns="" id="{F33B8B29-A9C2-419C-AF2F-9BD1FBC2E1CE}"/>
+                <a16:creationId xmlns="" xmlns:a16="http://schemas.microsoft.com/office/drawing/2014/main" id="{F33B8B29-A9C2-419C-AF2F-9BD1FBC2E1CE}"/>
               </a:ext>
             </a:extLst>
           </p:cNvPr>
@@ -26288,7 +26514,7 @@
           <p:cNvPr id="22" name="Picture 4" descr="RÃ©sultat de recherche d'images pour &quot;paracÃ©tamol&quot;">
             <a:extLst>
               <a:ext uri="{FF2B5EF4-FFF2-40B4-BE49-F238E27FC236}">
-                <a16:creationId xmlns:a16="http://schemas.microsoft.com/office/drawing/2014/main" xmlns="" id="{D1F1E8E2-9B79-4929-A3AA-E98462883931}"/>
+                <a16:creationId xmlns="" xmlns:a16="http://schemas.microsoft.com/office/drawing/2014/main" id="{D1F1E8E2-9B79-4929-A3AA-E98462883931}"/>
               </a:ext>
             </a:extLst>
           </p:cNvPr>
@@ -26335,7 +26561,7 @@
           <p:cNvPr id="26" name="Picture 2" descr="RÃ©sultat de recherche d'images pour &quot;chlorure d'acÃ©tyle&quot;">
             <a:extLst>
               <a:ext uri="{FF2B5EF4-FFF2-40B4-BE49-F238E27FC236}">
-                <a16:creationId xmlns:a16="http://schemas.microsoft.com/office/drawing/2014/main" xmlns="" id="{573E03F4-07C9-4D85-A0E6-D13707C0C020}"/>
+                <a16:creationId xmlns="" xmlns:a16="http://schemas.microsoft.com/office/drawing/2014/main" id="{573E03F4-07C9-4D85-A0E6-D13707C0C020}"/>
               </a:ext>
             </a:extLst>
           </p:cNvPr>
@@ -26382,7 +26608,7 @@
           <p:cNvPr id="17" name="Picture 2" descr="https://orme-conseil.com/wp-content/uploads/2018/03/Pictogramme-CLP-%C3%A0-t%C3%A9l%C3%A9charger.jpg">
             <a:extLst>
               <a:ext uri="{FF2B5EF4-FFF2-40B4-BE49-F238E27FC236}">
-                <a16:creationId xmlns="" xmlns:a16="http://schemas.microsoft.com/office/drawing/2014/main" id="{4980779F-CB53-4054-AF8D-5639B7B551A2}"/>
+                <a16:creationId xmlns:a16="http://schemas.microsoft.com/office/drawing/2014/main" xmlns="" id="{4980779F-CB53-4054-AF8D-5639B7B551A2}"/>
               </a:ext>
             </a:extLst>
           </p:cNvPr>
@@ -26437,7 +26663,7 @@
           <p:cNvPr id="18" name="Image 17">
             <a:extLst>
               <a:ext uri="{FF2B5EF4-FFF2-40B4-BE49-F238E27FC236}">
-                <a16:creationId xmlns="" xmlns:a16="http://schemas.microsoft.com/office/drawing/2014/main" id="{78AA4DD8-C1F7-437C-993E-E8FAB63F754B}"/>
+                <a16:creationId xmlns:a16="http://schemas.microsoft.com/office/drawing/2014/main" xmlns="" id="{78AA4DD8-C1F7-437C-993E-E8FAB63F754B}"/>
               </a:ext>
             </a:extLst>
           </p:cNvPr>
@@ -26478,7 +26704,7 @@
           <p:cNvPr id="19" name="Picture 2" descr="https://orme-conseil.com/wp-content/uploads/2018/03/Pictogramme-CLP-%C3%A0-t%C3%A9l%C3%A9charger.jpg">
             <a:extLst>
               <a:ext uri="{FF2B5EF4-FFF2-40B4-BE49-F238E27FC236}">
-                <a16:creationId xmlns="" xmlns:a16="http://schemas.microsoft.com/office/drawing/2014/main" id="{FDD4E8AD-6111-4897-B280-DFCC00758345}"/>
+                <a16:creationId xmlns:a16="http://schemas.microsoft.com/office/drawing/2014/main" xmlns="" id="{FDD4E8AD-6111-4897-B280-DFCC00758345}"/>
               </a:ext>
             </a:extLst>
           </p:cNvPr>
@@ -26533,7 +26759,7 @@
           <p:cNvPr id="20" name="Picture 2" descr="https://orme-conseil.com/wp-content/uploads/2018/03/Pictogramme-CLP-%C3%A0-t%C3%A9l%C3%A9charger.jpg">
             <a:extLst>
               <a:ext uri="{FF2B5EF4-FFF2-40B4-BE49-F238E27FC236}">
-                <a16:creationId xmlns="" xmlns:a16="http://schemas.microsoft.com/office/drawing/2014/main" id="{D201B2E4-3DD8-4EFB-859A-07E80DE0ED7C}"/>
+                <a16:creationId xmlns:a16="http://schemas.microsoft.com/office/drawing/2014/main" xmlns="" id="{D201B2E4-3DD8-4EFB-859A-07E80DE0ED7C}"/>
               </a:ext>
             </a:extLst>
           </p:cNvPr>
@@ -26618,7 +26844,7 @@
           <p:cNvPr id="52" name="Tableau 51">
             <a:extLst>
               <a:ext uri="{FF2B5EF4-FFF2-40B4-BE49-F238E27FC236}">
-                <a16:creationId xmlns="" xmlns:a16="http://schemas.microsoft.com/office/drawing/2014/main" xmlns:a14="http://schemas.microsoft.com/office/drawing/2010/main" xmlns:mc="http://schemas.openxmlformats.org/markup-compatibility/2006" id="{6299EFDC-D811-415D-AE6E-13C7739EDF60}"/>
+                <a16:creationId xmlns:mc="http://schemas.openxmlformats.org/markup-compatibility/2006" xmlns:a14="http://schemas.microsoft.com/office/drawing/2010/main" xmlns:a16="http://schemas.microsoft.com/office/drawing/2014/main" xmlns="" id="{6299EFDC-D811-415D-AE6E-13C7739EDF60}"/>
               </a:ext>
             </a:extLst>
           </p:cNvPr>
@@ -26647,49 +26873,49 @@
                 <a:gridCol w="1789043">
                   <a:extLst>
                     <a:ext uri="{9D8B030D-6E8A-4147-A177-3AD203B41FA5}">
-                      <a16:colId xmlns="" xmlns:a16="http://schemas.microsoft.com/office/drawing/2014/main" xmlns:a14="http://schemas.microsoft.com/office/drawing/2010/main" xmlns:mc="http://schemas.openxmlformats.org/markup-compatibility/2006" val="3676508839"/>
+                      <a16:colId xmlns:mc="http://schemas.openxmlformats.org/markup-compatibility/2006" xmlns:a14="http://schemas.microsoft.com/office/drawing/2010/main" xmlns:a16="http://schemas.microsoft.com/office/drawing/2014/main" xmlns="" val="3676508839"/>
                     </a:ext>
                   </a:extLst>
                 </a:gridCol>
                 <a:gridCol w="283265">
                   <a:extLst>
                     <a:ext uri="{9D8B030D-6E8A-4147-A177-3AD203B41FA5}">
-                      <a16:colId xmlns="" xmlns:a16="http://schemas.microsoft.com/office/drawing/2014/main" xmlns:a14="http://schemas.microsoft.com/office/drawing/2010/main" xmlns:mc="http://schemas.openxmlformats.org/markup-compatibility/2006" val="3364169271"/>
+                      <a16:colId xmlns:mc="http://schemas.openxmlformats.org/markup-compatibility/2006" xmlns:a14="http://schemas.microsoft.com/office/drawing/2010/main" xmlns:a16="http://schemas.microsoft.com/office/drawing/2014/main" xmlns="" val="3364169271"/>
                     </a:ext>
                   </a:extLst>
                 </a:gridCol>
                 <a:gridCol w="1759226">
                   <a:extLst>
                     <a:ext uri="{9D8B030D-6E8A-4147-A177-3AD203B41FA5}">
-                      <a16:colId xmlns="" xmlns:a16="http://schemas.microsoft.com/office/drawing/2014/main" xmlns:a14="http://schemas.microsoft.com/office/drawing/2010/main" xmlns:mc="http://schemas.openxmlformats.org/markup-compatibility/2006" val="460053931"/>
+                      <a16:colId xmlns:mc="http://schemas.openxmlformats.org/markup-compatibility/2006" xmlns:a14="http://schemas.microsoft.com/office/drawing/2010/main" xmlns:a16="http://schemas.microsoft.com/office/drawing/2014/main" xmlns="" val="460053931"/>
                     </a:ext>
                   </a:extLst>
                 </a:gridCol>
                 <a:gridCol w="1177787">
                   <a:extLst>
                     <a:ext uri="{9D8B030D-6E8A-4147-A177-3AD203B41FA5}">
-                      <a16:colId xmlns="" xmlns:a16="http://schemas.microsoft.com/office/drawing/2014/main" xmlns:a14="http://schemas.microsoft.com/office/drawing/2010/main" xmlns:mc="http://schemas.openxmlformats.org/markup-compatibility/2006" val="2498011360"/>
+                      <a16:colId xmlns:mc="http://schemas.openxmlformats.org/markup-compatibility/2006" xmlns:a14="http://schemas.microsoft.com/office/drawing/2010/main" xmlns:a16="http://schemas.microsoft.com/office/drawing/2014/main" xmlns="" val="2498011360"/>
                     </a:ext>
                   </a:extLst>
                 </a:gridCol>
                 <a:gridCol w="1878495">
                   <a:extLst>
                     <a:ext uri="{9D8B030D-6E8A-4147-A177-3AD203B41FA5}">
-                      <a16:colId xmlns="" xmlns:a16="http://schemas.microsoft.com/office/drawing/2014/main" xmlns:a14="http://schemas.microsoft.com/office/drawing/2010/main" xmlns:mc="http://schemas.openxmlformats.org/markup-compatibility/2006" val="2579247023"/>
+                      <a16:colId xmlns:mc="http://schemas.openxmlformats.org/markup-compatibility/2006" xmlns:a14="http://schemas.microsoft.com/office/drawing/2010/main" xmlns:a16="http://schemas.microsoft.com/office/drawing/2014/main" xmlns="" val="2579247023"/>
                     </a:ext>
                   </a:extLst>
                 </a:gridCol>
                 <a:gridCol w="260903">
                   <a:extLst>
                     <a:ext uri="{9D8B030D-6E8A-4147-A177-3AD203B41FA5}">
-                      <a16:colId xmlns="" xmlns:a16="http://schemas.microsoft.com/office/drawing/2014/main" xmlns:a14="http://schemas.microsoft.com/office/drawing/2010/main" xmlns:mc="http://schemas.openxmlformats.org/markup-compatibility/2006" val="1635373302"/>
+                      <a16:colId xmlns:mc="http://schemas.openxmlformats.org/markup-compatibility/2006" xmlns:a14="http://schemas.microsoft.com/office/drawing/2010/main" xmlns:a16="http://schemas.microsoft.com/office/drawing/2014/main" xmlns="" val="1635373302"/>
                     </a:ext>
                   </a:extLst>
                 </a:gridCol>
                 <a:gridCol w="1617594">
                   <a:extLst>
                     <a:ext uri="{9D8B030D-6E8A-4147-A177-3AD203B41FA5}">
-                      <a16:colId xmlns="" xmlns:a16="http://schemas.microsoft.com/office/drawing/2014/main" xmlns:a14="http://schemas.microsoft.com/office/drawing/2010/main" xmlns:mc="http://schemas.openxmlformats.org/markup-compatibility/2006" val="1146037858"/>
+                      <a16:colId xmlns:mc="http://schemas.openxmlformats.org/markup-compatibility/2006" xmlns:a14="http://schemas.microsoft.com/office/drawing/2010/main" xmlns:a16="http://schemas.microsoft.com/office/drawing/2014/main" xmlns="" val="1146037858"/>
                     </a:ext>
                   </a:extLst>
                 </a:gridCol>
@@ -26875,7 +27101,7 @@
                 </a:tc>
                 <a:extLst>
                   <a:ext uri="{0D108BD9-81ED-4DB2-BD59-A6C34878D82A}">
-                    <a16:rowId xmlns="" xmlns:a16="http://schemas.microsoft.com/office/drawing/2014/main" xmlns:a14="http://schemas.microsoft.com/office/drawing/2010/main" xmlns:mc="http://schemas.openxmlformats.org/markup-compatibility/2006" val="1402701178"/>
+                    <a16:rowId xmlns:mc="http://schemas.openxmlformats.org/markup-compatibility/2006" xmlns:a14="http://schemas.microsoft.com/office/drawing/2010/main" xmlns:a16="http://schemas.microsoft.com/office/drawing/2014/main" xmlns="" val="1402701178"/>
                   </a:ext>
                 </a:extLst>
               </a:tr>
@@ -26983,7 +27209,7 @@
                 </a:tc>
                 <a:extLst>
                   <a:ext uri="{0D108BD9-81ED-4DB2-BD59-A6C34878D82A}">
-                    <a16:rowId xmlns="" xmlns:a16="http://schemas.microsoft.com/office/drawing/2014/main" xmlns:a14="http://schemas.microsoft.com/office/drawing/2010/main" xmlns:mc="http://schemas.openxmlformats.org/markup-compatibility/2006" val="1089108697"/>
+                    <a16:rowId xmlns:mc="http://schemas.openxmlformats.org/markup-compatibility/2006" xmlns:a14="http://schemas.microsoft.com/office/drawing/2010/main" xmlns:a16="http://schemas.microsoft.com/office/drawing/2014/main" xmlns="" val="1089108697"/>
                   </a:ext>
                 </a:extLst>
               </a:tr>
@@ -27124,7 +27350,7 @@
                 </a:tc>
                 <a:extLst>
                   <a:ext uri="{0D108BD9-81ED-4DB2-BD59-A6C34878D82A}">
-                    <a16:rowId xmlns="" xmlns:a16="http://schemas.microsoft.com/office/drawing/2014/main" xmlns:a14="http://schemas.microsoft.com/office/drawing/2010/main" xmlns:mc="http://schemas.openxmlformats.org/markup-compatibility/2006" val="482899904"/>
+                    <a16:rowId xmlns:mc="http://schemas.openxmlformats.org/markup-compatibility/2006" xmlns:a14="http://schemas.microsoft.com/office/drawing/2010/main" xmlns:a16="http://schemas.microsoft.com/office/drawing/2014/main" xmlns="" val="482899904"/>
                   </a:ext>
                 </a:extLst>
               </a:tr>
@@ -27137,7 +27363,7 @@
           <p:cNvPr id="3" name="Titre 2">
             <a:extLst>
               <a:ext uri="{FF2B5EF4-FFF2-40B4-BE49-F238E27FC236}">
-                <a16:creationId xmlns="" xmlns:a16="http://schemas.microsoft.com/office/drawing/2014/main" id="{2EBA85FE-F073-486F-8EEF-8FE0F073E7C2}"/>
+                <a16:creationId xmlns:a16="http://schemas.microsoft.com/office/drawing/2014/main" xmlns="" id="{2EBA85FE-F073-486F-8EEF-8FE0F073E7C2}"/>
               </a:ext>
             </a:extLst>
           </p:cNvPr>
@@ -27183,7 +27409,7 @@
           <p:cNvPr id="2" name="Espace réservé du numéro de diapositive 1">
             <a:extLst>
               <a:ext uri="{FF2B5EF4-FFF2-40B4-BE49-F238E27FC236}">
-                <a16:creationId xmlns="" xmlns:a16="http://schemas.microsoft.com/office/drawing/2014/main" id="{D948592D-3AFF-4E13-989B-575F820D014D}"/>
+                <a16:creationId xmlns:a16="http://schemas.microsoft.com/office/drawing/2014/main" xmlns="" id="{D948592D-3AFF-4E13-989B-575F820D014D}"/>
               </a:ext>
             </a:extLst>
           </p:cNvPr>
@@ -27212,7 +27438,7 @@
           <p:cNvPr id="55" name="Connecteur droit avec flèche 54">
             <a:extLst>
               <a:ext uri="{FF2B5EF4-FFF2-40B4-BE49-F238E27FC236}">
-                <a16:creationId xmlns="" xmlns:a16="http://schemas.microsoft.com/office/drawing/2014/main" id="{5AE6B7E5-DE76-459D-808F-CB7DA18ADBC6}"/>
+                <a16:creationId xmlns:a16="http://schemas.microsoft.com/office/drawing/2014/main" xmlns="" id="{5AE6B7E5-DE76-459D-808F-CB7DA18ADBC6}"/>
               </a:ext>
             </a:extLst>
           </p:cNvPr>
@@ -27256,7 +27482,7 @@
           <p:cNvPr id="20" name="Picture 10" descr="RÃ©sultat de recherche d'images pour &quot;anhydride acÃ©tique&quot;">
             <a:extLst>
               <a:ext uri="{FF2B5EF4-FFF2-40B4-BE49-F238E27FC236}">
-                <a16:creationId xmlns:a16="http://schemas.microsoft.com/office/drawing/2014/main" xmlns="" id="{E8AD83C6-905C-422A-9A5C-16E3E87CDDCC}"/>
+                <a16:creationId xmlns="" xmlns:a16="http://schemas.microsoft.com/office/drawing/2014/main" id="{E8AD83C6-905C-422A-9A5C-16E3E87CDDCC}"/>
               </a:ext>
             </a:extLst>
           </p:cNvPr>
@@ -27303,7 +27529,7 @@
           <p:cNvPr id="21" name="Picture 16" descr="RÃ©sultat de recherche d'images pour &quot;acetic acid formula&quot;">
             <a:extLst>
               <a:ext uri="{FF2B5EF4-FFF2-40B4-BE49-F238E27FC236}">
-                <a16:creationId xmlns:a16="http://schemas.microsoft.com/office/drawing/2014/main" xmlns="" id="{336B0188-933B-4691-8595-AF824C48B0F4}"/>
+                <a16:creationId xmlns="" xmlns:a16="http://schemas.microsoft.com/office/drawing/2014/main" id="{336B0188-933B-4691-8595-AF824C48B0F4}"/>
               </a:ext>
             </a:extLst>
           </p:cNvPr>
@@ -27350,7 +27576,7 @@
           <p:cNvPr id="22" name="Picture 2" descr="RÃ©sultat de recherche d'images pour &quot;para-aminophÃ©nol&quot;">
             <a:extLst>
               <a:ext uri="{FF2B5EF4-FFF2-40B4-BE49-F238E27FC236}">
-                <a16:creationId xmlns:a16="http://schemas.microsoft.com/office/drawing/2014/main" xmlns="" id="{F33B8B29-A9C2-419C-AF2F-9BD1FBC2E1CE}"/>
+                <a16:creationId xmlns="" xmlns:a16="http://schemas.microsoft.com/office/drawing/2014/main" id="{F33B8B29-A9C2-419C-AF2F-9BD1FBC2E1CE}"/>
               </a:ext>
             </a:extLst>
           </p:cNvPr>
@@ -27407,7 +27633,7 @@
           <p:cNvPr id="19" name="Picture 4" descr="RÃ©sultat de recherche d'images pour &quot;paracÃ©tamol&quot;">
             <a:extLst>
               <a:ext uri="{FF2B5EF4-FFF2-40B4-BE49-F238E27FC236}">
-                <a16:creationId xmlns:a16="http://schemas.microsoft.com/office/drawing/2014/main" xmlns="" id="{D1F1E8E2-9B79-4929-A3AA-E98462883931}"/>
+                <a16:creationId xmlns="" xmlns:a16="http://schemas.microsoft.com/office/drawing/2014/main" id="{D1F1E8E2-9B79-4929-A3AA-E98462883931}"/>
               </a:ext>
             </a:extLst>
           </p:cNvPr>
@@ -27531,7 +27757,7 @@
           <p:cNvPr id="2" name="Titre 1">
             <a:extLst>
               <a:ext uri="{FF2B5EF4-FFF2-40B4-BE49-F238E27FC236}">
-                <a16:creationId xmlns="" xmlns:a16="http://schemas.microsoft.com/office/drawing/2014/main" id="{EAF92167-288B-403D-BC8C-CA9DA85762C1}"/>
+                <a16:creationId xmlns:a16="http://schemas.microsoft.com/office/drawing/2014/main" xmlns="" id="{EAF92167-288B-403D-BC8C-CA9DA85762C1}"/>
               </a:ext>
             </a:extLst>
           </p:cNvPr>
@@ -27883,6 +28109,41 @@
           </a:fontRef>
         </p:style>
       </p:cxnSp>
+      <p:cxnSp>
+        <p:nvCxnSpPr>
+          <p:cNvPr id="13" name="Connecteur droit 12"/>
+          <p:cNvCxnSpPr/>
+          <p:nvPr/>
+        </p:nvCxnSpPr>
+        <p:spPr>
+          <a:xfrm>
+            <a:off x="6970889" y="3146778"/>
+            <a:ext cx="635000" cy="0"/>
+          </a:xfrm>
+          <a:prstGeom prst="line">
+            <a:avLst/>
+          </a:prstGeom>
+          <a:ln w="9525" cmpd="sng">
+            <a:solidFill>
+              <a:srgbClr val="000000"/>
+            </a:solidFill>
+          </a:ln>
+        </p:spPr>
+        <p:style>
+          <a:lnRef idx="2">
+            <a:schemeClr val="accent1"/>
+          </a:lnRef>
+          <a:fillRef idx="0">
+            <a:schemeClr val="accent1"/>
+          </a:fillRef>
+          <a:effectRef idx="1">
+            <a:schemeClr val="accent1"/>
+          </a:effectRef>
+          <a:fontRef idx="minor">
+            <a:schemeClr val="tx1"/>
+          </a:fontRef>
+        </p:style>
+      </p:cxnSp>
     </p:spTree>
     <p:extLst>
       <p:ext uri="{BB962C8B-B14F-4D97-AF65-F5344CB8AC3E}">
@@ -27915,10 +28176,746 @@
       </p:grpSpPr>
       <p:sp>
         <p:nvSpPr>
+          <p:cNvPr id="10" name="Espace réservé du numéro de diapositive 9"/>
+          <p:cNvSpPr>
+            <a:spLocks noGrp="1"/>
+          </p:cNvSpPr>
+          <p:nvPr>
+            <p:ph type="sldNum" sz="quarter" idx="12"/>
+          </p:nvPr>
+        </p:nvSpPr>
+        <p:spPr/>
+        <p:txBody>
+          <a:bodyPr/>
+          <a:lstStyle/>
+          <a:p>
+            <a:fld id="{E855FEA5-6429-408C-843B-3041227FC35A}" type="slidenum">
+              <a:rPr lang="fr-FR" sz="900"/>
+              <a:t>8</a:t>
+            </a:fld>
+            <a:endParaRPr lang="fr-FR" sz="900" dirty="0"/>
+          </a:p>
+        </p:txBody>
+      </p:sp>
+      <p:sp>
+        <p:nvSpPr>
           <p:cNvPr id="2" name="Titre 1">
             <a:extLst>
               <a:ext uri="{FF2B5EF4-FFF2-40B4-BE49-F238E27FC236}">
-                <a16:creationId xmlns="" xmlns:a16="http://schemas.microsoft.com/office/drawing/2014/main" id="{07601967-2F43-4B07-9438-D02DF0037365}"/>
+                <a16:creationId xmlns:a16="http://schemas.microsoft.com/office/drawing/2014/main" xmlns="" id="{EAF92167-288B-403D-BC8C-CA9DA85762C1}"/>
+              </a:ext>
+            </a:extLst>
+          </p:cNvPr>
+          <p:cNvSpPr>
+            <a:spLocks noGrp="1"/>
+          </p:cNvSpPr>
+          <p:nvPr>
+            <p:ph type="title" idx="4294967295"/>
+          </p:nvPr>
+        </p:nvSpPr>
+        <p:spPr>
+          <a:xfrm>
+            <a:off x="197556" y="137542"/>
+            <a:ext cx="5901082" cy="465609"/>
+          </a:xfrm>
+        </p:spPr>
+        <p:txBody>
+          <a:bodyPr>
+            <a:noAutofit/>
+          </a:bodyPr>
+          <a:lstStyle/>
+          <a:p>
+            <a:r>
+              <a:rPr lang="fr-FR" dirty="0" smtClean="0">
+                <a:solidFill>
+                  <a:srgbClr val="FF6600"/>
+                </a:solidFill>
+                <a:latin typeface="Times"/>
+                <a:cs typeface="Times"/>
+              </a:rPr>
+              <a:t>Cristallisation</a:t>
+            </a:r>
+            <a:endParaRPr lang="fr-FR" dirty="0">
+              <a:solidFill>
+                <a:srgbClr val="FF6600"/>
+              </a:solidFill>
+              <a:latin typeface="Times"/>
+              <a:cs typeface="Times"/>
+            </a:endParaRPr>
+          </a:p>
+        </p:txBody>
+      </p:sp>
+      <p:sp>
+        <p:nvSpPr>
+          <p:cNvPr id="4" name="AutoShape 4" descr="RÃ©sultat de recherche d'images pour &quot;montage Ã  reflux&quot;"/>
+          <p:cNvSpPr>
+            <a:spLocks noChangeAspect="1" noChangeArrowheads="1"/>
+          </p:cNvSpPr>
+          <p:nvPr/>
+        </p:nvSpPr>
+        <p:spPr bwMode="auto">
+          <a:xfrm>
+            <a:off x="3323521" y="1639960"/>
+            <a:ext cx="228600" cy="228601"/>
+          </a:xfrm>
+          <a:prstGeom prst="rect">
+            <a:avLst/>
+          </a:prstGeom>
+          <a:noFill/>
+          <a:extLst>
+            <a:ext uri="{909E8E84-426E-40dd-AFC4-6F175D3DCCD1}">
+              <a14:hiddenFill xmlns:a14="http://schemas.microsoft.com/office/drawing/2010/main">
+                <a:solidFill>
+                  <a:srgbClr val="FFFFFF"/>
+                </a:solidFill>
+              </a14:hiddenFill>
+            </a:ext>
+          </a:extLst>
+        </p:spPr>
+        <p:txBody>
+          <a:bodyPr vert="horz" wrap="square" lIns="68580" tIns="34290" rIns="68580" bIns="34290" numCol="1" anchor="t" anchorCtr="0" compatLnSpc="1">
+            <a:prstTxWarp prst="textNoShape">
+              <a:avLst/>
+            </a:prstTxWarp>
+          </a:bodyPr>
+          <a:lstStyle/>
+          <a:p>
+            <a:endParaRPr lang="fr-FR"/>
+          </a:p>
+        </p:txBody>
+      </p:sp>
+      <p:sp>
+        <p:nvSpPr>
+          <p:cNvPr id="12" name="Rectangle 11"/>
+          <p:cNvSpPr/>
+          <p:nvPr/>
+        </p:nvSpPr>
+        <p:spPr>
+          <a:xfrm>
+            <a:off x="8130910" y="104736"/>
+            <a:ext cx="1013090" cy="458218"/>
+          </a:xfrm>
+          <a:prstGeom prst="rect">
+            <a:avLst/>
+          </a:prstGeom>
+          <a:solidFill>
+            <a:schemeClr val="bg1"/>
+          </a:solidFill>
+          <a:ln>
+            <a:solidFill>
+              <a:schemeClr val="bg1"/>
+            </a:solidFill>
+          </a:ln>
+          <a:effectLst/>
+        </p:spPr>
+        <p:style>
+          <a:lnRef idx="1">
+            <a:schemeClr val="accent1"/>
+          </a:lnRef>
+          <a:fillRef idx="3">
+            <a:schemeClr val="accent1"/>
+          </a:fillRef>
+          <a:effectRef idx="2">
+            <a:schemeClr val="accent1"/>
+          </a:effectRef>
+          <a:fontRef idx="minor">
+            <a:schemeClr val="lt1"/>
+          </a:fontRef>
+        </p:style>
+        <p:txBody>
+          <a:bodyPr rtlCol="0" anchor="ctr"/>
+          <a:lstStyle/>
+          <a:p>
+            <a:pPr algn="ctr"/>
+            <a:endParaRPr lang="fr-FR"/>
+          </a:p>
+        </p:txBody>
+      </p:sp>
+      <p:cxnSp>
+        <p:nvCxnSpPr>
+          <p:cNvPr id="11" name="Connecteur droit 10"/>
+          <p:cNvCxnSpPr/>
+          <p:nvPr/>
+        </p:nvCxnSpPr>
+        <p:spPr>
+          <a:xfrm flipH="1" flipV="1">
+            <a:off x="2215444" y="4120444"/>
+            <a:ext cx="3330223" cy="14112"/>
+          </a:xfrm>
+          <a:prstGeom prst="line">
+            <a:avLst/>
+          </a:prstGeom>
+          <a:ln w="12700" cmpd="sng">
+            <a:solidFill>
+              <a:schemeClr val="tx1"/>
+            </a:solidFill>
+          </a:ln>
+        </p:spPr>
+        <p:style>
+          <a:lnRef idx="2">
+            <a:schemeClr val="accent1"/>
+          </a:lnRef>
+          <a:fillRef idx="0">
+            <a:schemeClr val="accent1"/>
+          </a:fillRef>
+          <a:effectRef idx="1">
+            <a:schemeClr val="accent1"/>
+          </a:effectRef>
+          <a:fontRef idx="minor">
+            <a:schemeClr val="tx1"/>
+          </a:fontRef>
+        </p:style>
+      </p:cxnSp>
+      <p:cxnSp>
+        <p:nvCxnSpPr>
+          <p:cNvPr id="16" name="Connecteur droit 15"/>
+          <p:cNvCxnSpPr/>
+          <p:nvPr/>
+        </p:nvCxnSpPr>
+        <p:spPr>
+          <a:xfrm flipV="1">
+            <a:off x="2215445" y="2793999"/>
+            <a:ext cx="14111" cy="1326444"/>
+          </a:xfrm>
+          <a:prstGeom prst="line">
+            <a:avLst/>
+          </a:prstGeom>
+          <a:ln w="12700" cmpd="sng">
+            <a:solidFill>
+              <a:schemeClr val="tx1"/>
+            </a:solidFill>
+          </a:ln>
+        </p:spPr>
+        <p:style>
+          <a:lnRef idx="2">
+            <a:schemeClr val="accent1"/>
+          </a:lnRef>
+          <a:fillRef idx="0">
+            <a:schemeClr val="accent1"/>
+          </a:fillRef>
+          <a:effectRef idx="1">
+            <a:schemeClr val="accent1"/>
+          </a:effectRef>
+          <a:fontRef idx="minor">
+            <a:schemeClr val="tx1"/>
+          </a:fontRef>
+        </p:style>
+      </p:cxnSp>
+      <p:cxnSp>
+        <p:nvCxnSpPr>
+          <p:cNvPr id="19" name="Connecteur droit 18"/>
+          <p:cNvCxnSpPr/>
+          <p:nvPr/>
+        </p:nvCxnSpPr>
+        <p:spPr>
+          <a:xfrm flipV="1">
+            <a:off x="5542845" y="2819399"/>
+            <a:ext cx="14111" cy="1326444"/>
+          </a:xfrm>
+          <a:prstGeom prst="line">
+            <a:avLst/>
+          </a:prstGeom>
+          <a:ln w="12700" cmpd="sng">
+            <a:solidFill>
+              <a:schemeClr val="tx1"/>
+            </a:solidFill>
+          </a:ln>
+        </p:spPr>
+        <p:style>
+          <a:lnRef idx="2">
+            <a:schemeClr val="accent1"/>
+          </a:lnRef>
+          <a:fillRef idx="0">
+            <a:schemeClr val="accent1"/>
+          </a:fillRef>
+          <a:effectRef idx="1">
+            <a:schemeClr val="accent1"/>
+          </a:effectRef>
+          <a:fontRef idx="minor">
+            <a:schemeClr val="tx1"/>
+          </a:fontRef>
+        </p:style>
+      </p:cxnSp>
+      <p:pic>
+        <p:nvPicPr>
+          <p:cNvPr id="17" name="Image 16" descr="Capture d’écran 2020-06-20 à 14.47.04.png"/>
+          <p:cNvPicPr>
+            <a:picLocks noChangeAspect="1"/>
+          </p:cNvPicPr>
+          <p:nvPr/>
+        </p:nvPicPr>
+        <p:blipFill>
+          <a:blip r:embed="rId2">
+            <a:extLst>
+              <a:ext uri="{28A0092B-C50C-407E-A947-70E740481C1C}">
+                <a14:useLocalDpi xmlns:a14="http://schemas.microsoft.com/office/drawing/2010/main" val="0"/>
+              </a:ext>
+            </a:extLst>
+          </a:blip>
+          <a:stretch>
+            <a:fillRect/>
+          </a:stretch>
+        </p:blipFill>
+        <p:spPr>
+          <a:xfrm>
+            <a:off x="3019072" y="2201333"/>
+            <a:ext cx="1811027" cy="1715205"/>
+          </a:xfrm>
+          <a:prstGeom prst="rect">
+            <a:avLst/>
+          </a:prstGeom>
+        </p:spPr>
+      </p:pic>
+      <p:sp>
+        <p:nvSpPr>
+          <p:cNvPr id="8" name="Rectangle 7"/>
+          <p:cNvSpPr/>
+          <p:nvPr/>
+        </p:nvSpPr>
+        <p:spPr>
+          <a:xfrm>
+            <a:off x="2215445" y="3245556"/>
+            <a:ext cx="3330222" cy="874889"/>
+          </a:xfrm>
+          <a:prstGeom prst="rect">
+            <a:avLst/>
+          </a:prstGeom>
+          <a:solidFill>
+            <a:schemeClr val="accent5">
+              <a:lumMod val="40000"/>
+              <a:lumOff val="60000"/>
+              <a:alpha val="40000"/>
+            </a:schemeClr>
+          </a:solidFill>
+          <a:ln>
+            <a:noFill/>
+          </a:ln>
+        </p:spPr>
+        <p:style>
+          <a:lnRef idx="1">
+            <a:schemeClr val="accent1"/>
+          </a:lnRef>
+          <a:fillRef idx="3">
+            <a:schemeClr val="accent1"/>
+          </a:fillRef>
+          <a:effectRef idx="2">
+            <a:schemeClr val="accent1"/>
+          </a:effectRef>
+          <a:fontRef idx="minor">
+            <a:schemeClr val="lt1"/>
+          </a:fontRef>
+        </p:style>
+        <p:txBody>
+          <a:bodyPr rtlCol="0" anchor="ctr"/>
+          <a:lstStyle/>
+          <a:p>
+            <a:pPr algn="ctr"/>
+            <a:endParaRPr lang="fr-FR">
+              <a:solidFill>
+                <a:srgbClr val="5DE0FF"/>
+              </a:solidFill>
+            </a:endParaRPr>
+          </a:p>
+        </p:txBody>
+      </p:sp>
+      <p:sp>
+        <p:nvSpPr>
+          <p:cNvPr id="20" name="Rectangle 19"/>
+          <p:cNvSpPr/>
+          <p:nvPr/>
+        </p:nvSpPr>
+        <p:spPr>
+          <a:xfrm>
+            <a:off x="3781778" y="2475128"/>
+            <a:ext cx="352778" cy="34350"/>
+          </a:xfrm>
+          <a:prstGeom prst="rect">
+            <a:avLst/>
+          </a:prstGeom>
+          <a:solidFill>
+            <a:srgbClr val="000000"/>
+          </a:solidFill>
+          <a:ln>
+            <a:solidFill>
+              <a:srgbClr val="000000"/>
+            </a:solidFill>
+          </a:ln>
+        </p:spPr>
+        <p:style>
+          <a:lnRef idx="1">
+            <a:schemeClr val="accent1"/>
+          </a:lnRef>
+          <a:fillRef idx="3">
+            <a:schemeClr val="accent1"/>
+          </a:fillRef>
+          <a:effectRef idx="2">
+            <a:schemeClr val="accent1"/>
+          </a:effectRef>
+          <a:fontRef idx="minor">
+            <a:schemeClr val="lt1"/>
+          </a:fontRef>
+        </p:style>
+        <p:txBody>
+          <a:bodyPr rtlCol="0" anchor="ctr"/>
+          <a:lstStyle/>
+          <a:p>
+            <a:pPr algn="ctr"/>
+            <a:endParaRPr lang="fr-FR">
+              <a:solidFill>
+                <a:schemeClr val="tx1"/>
+              </a:solidFill>
+            </a:endParaRPr>
+          </a:p>
+        </p:txBody>
+      </p:sp>
+      <p:sp>
+        <p:nvSpPr>
+          <p:cNvPr id="22" name="Rectangle 21"/>
+          <p:cNvSpPr/>
+          <p:nvPr/>
+        </p:nvSpPr>
+        <p:spPr>
+          <a:xfrm>
+            <a:off x="3778957" y="2585195"/>
+            <a:ext cx="352778" cy="34350"/>
+          </a:xfrm>
+          <a:prstGeom prst="rect">
+            <a:avLst/>
+          </a:prstGeom>
+          <a:solidFill>
+            <a:srgbClr val="000000"/>
+          </a:solidFill>
+          <a:ln>
+            <a:solidFill>
+              <a:srgbClr val="000000"/>
+            </a:solidFill>
+          </a:ln>
+        </p:spPr>
+        <p:style>
+          <a:lnRef idx="1">
+            <a:schemeClr val="accent1"/>
+          </a:lnRef>
+          <a:fillRef idx="3">
+            <a:schemeClr val="accent1"/>
+          </a:fillRef>
+          <a:effectRef idx="2">
+            <a:schemeClr val="accent1"/>
+          </a:effectRef>
+          <a:fontRef idx="minor">
+            <a:schemeClr val="lt1"/>
+          </a:fontRef>
+        </p:style>
+        <p:txBody>
+          <a:bodyPr rtlCol="0" anchor="ctr"/>
+          <a:lstStyle/>
+          <a:p>
+            <a:pPr algn="ctr"/>
+            <a:endParaRPr lang="fr-FR">
+              <a:solidFill>
+                <a:schemeClr val="tx1"/>
+              </a:solidFill>
+            </a:endParaRPr>
+          </a:p>
+        </p:txBody>
+      </p:sp>
+      <p:sp>
+        <p:nvSpPr>
+          <p:cNvPr id="21" name="Rectangle 20"/>
+          <p:cNvSpPr/>
+          <p:nvPr/>
+        </p:nvSpPr>
+        <p:spPr>
+          <a:xfrm>
+            <a:off x="4092223" y="2522960"/>
+            <a:ext cx="2384778" cy="48190"/>
+          </a:xfrm>
+          <a:prstGeom prst="rect">
+            <a:avLst/>
+          </a:prstGeom>
+          <a:solidFill>
+            <a:srgbClr val="000000"/>
+          </a:solidFill>
+          <a:ln>
+            <a:solidFill>
+              <a:srgbClr val="000000"/>
+            </a:solidFill>
+          </a:ln>
+        </p:spPr>
+        <p:style>
+          <a:lnRef idx="1">
+            <a:schemeClr val="accent1"/>
+          </a:lnRef>
+          <a:fillRef idx="3">
+            <a:schemeClr val="accent1"/>
+          </a:fillRef>
+          <a:effectRef idx="2">
+            <a:schemeClr val="accent1"/>
+          </a:effectRef>
+          <a:fontRef idx="minor">
+            <a:schemeClr val="lt1"/>
+          </a:fontRef>
+        </p:style>
+        <p:txBody>
+          <a:bodyPr rtlCol="0" anchor="ctr"/>
+          <a:lstStyle/>
+          <a:p>
+            <a:pPr algn="ctr"/>
+            <a:endParaRPr lang="fr-FR"/>
+          </a:p>
+        </p:txBody>
+      </p:sp>
+      <p:cxnSp>
+        <p:nvCxnSpPr>
+          <p:cNvPr id="25" name="Connecteur droit 24"/>
+          <p:cNvCxnSpPr/>
+          <p:nvPr/>
+        </p:nvCxnSpPr>
+        <p:spPr>
+          <a:xfrm>
+            <a:off x="6477000" y="903111"/>
+            <a:ext cx="0" cy="3217333"/>
+          </a:xfrm>
+          <a:prstGeom prst="line">
+            <a:avLst/>
+          </a:prstGeom>
+          <a:ln>
+            <a:solidFill>
+              <a:srgbClr val="000000"/>
+            </a:solidFill>
+          </a:ln>
+        </p:spPr>
+        <p:style>
+          <a:lnRef idx="2">
+            <a:schemeClr val="accent1"/>
+          </a:lnRef>
+          <a:fillRef idx="0">
+            <a:schemeClr val="accent1"/>
+          </a:fillRef>
+          <a:effectRef idx="1">
+            <a:schemeClr val="accent1"/>
+          </a:effectRef>
+          <a:fontRef idx="minor">
+            <a:schemeClr val="tx1"/>
+          </a:fontRef>
+        </p:style>
+      </p:cxnSp>
+      <p:cxnSp>
+        <p:nvCxnSpPr>
+          <p:cNvPr id="26" name="Connecteur droit 25"/>
+          <p:cNvCxnSpPr/>
+          <p:nvPr/>
+        </p:nvCxnSpPr>
+        <p:spPr>
+          <a:xfrm flipH="1" flipV="1">
+            <a:off x="5921618" y="4117622"/>
+            <a:ext cx="1167223" cy="14112"/>
+          </a:xfrm>
+          <a:prstGeom prst="line">
+            <a:avLst/>
+          </a:prstGeom>
+          <a:ln w="12700" cmpd="sng">
+            <a:solidFill>
+              <a:schemeClr val="tx1"/>
+            </a:solidFill>
+          </a:ln>
+        </p:spPr>
+        <p:style>
+          <a:lnRef idx="2">
+            <a:schemeClr val="accent1"/>
+          </a:lnRef>
+          <a:fillRef idx="0">
+            <a:schemeClr val="accent1"/>
+          </a:fillRef>
+          <a:effectRef idx="1">
+            <a:schemeClr val="accent1"/>
+          </a:effectRef>
+          <a:fontRef idx="minor">
+            <a:schemeClr val="tx1"/>
+          </a:fontRef>
+        </p:style>
+      </p:cxnSp>
+      <p:cxnSp>
+        <p:nvCxnSpPr>
+          <p:cNvPr id="28" name="Connecteur droit avec flèche 27"/>
+          <p:cNvCxnSpPr/>
+          <p:nvPr/>
+        </p:nvCxnSpPr>
+        <p:spPr>
+          <a:xfrm flipV="1">
+            <a:off x="1538111" y="3160889"/>
+            <a:ext cx="2342445" cy="0"/>
+          </a:xfrm>
+          <a:prstGeom prst="straightConnector1">
+            <a:avLst/>
+          </a:prstGeom>
+          <a:ln w="9525" cmpd="sng">
+            <a:solidFill>
+              <a:srgbClr val="000000"/>
+            </a:solidFill>
+            <a:tailEnd type="arrow"/>
+          </a:ln>
+        </p:spPr>
+        <p:style>
+          <a:lnRef idx="2">
+            <a:schemeClr val="accent1"/>
+          </a:lnRef>
+          <a:fillRef idx="0">
+            <a:schemeClr val="accent1"/>
+          </a:fillRef>
+          <a:effectRef idx="1">
+            <a:schemeClr val="accent1"/>
+          </a:effectRef>
+          <a:fontRef idx="minor">
+            <a:schemeClr val="tx1"/>
+          </a:fontRef>
+        </p:style>
+      </p:cxnSp>
+      <p:cxnSp>
+        <p:nvCxnSpPr>
+          <p:cNvPr id="29" name="Connecteur droit avec flèche 28"/>
+          <p:cNvCxnSpPr/>
+          <p:nvPr/>
+        </p:nvCxnSpPr>
+        <p:spPr>
+          <a:xfrm flipV="1">
+            <a:off x="1551496" y="3934178"/>
+            <a:ext cx="1322250" cy="0"/>
+          </a:xfrm>
+          <a:prstGeom prst="straightConnector1">
+            <a:avLst/>
+          </a:prstGeom>
+          <a:ln w="9525" cmpd="sng">
+            <a:solidFill>
+              <a:srgbClr val="000000"/>
+            </a:solidFill>
+            <a:tailEnd type="arrow"/>
+          </a:ln>
+        </p:spPr>
+        <p:style>
+          <a:lnRef idx="2">
+            <a:schemeClr val="accent1"/>
+          </a:lnRef>
+          <a:fillRef idx="0">
+            <a:schemeClr val="accent1"/>
+          </a:fillRef>
+          <a:effectRef idx="1">
+            <a:schemeClr val="accent1"/>
+          </a:effectRef>
+          <a:fontRef idx="minor">
+            <a:schemeClr val="tx1"/>
+          </a:fontRef>
+        </p:style>
+      </p:cxnSp>
+      <p:sp>
+        <p:nvSpPr>
+          <p:cNvPr id="30" name="ZoneTexte 29"/>
+          <p:cNvSpPr txBox="1"/>
+          <p:nvPr/>
+        </p:nvSpPr>
+        <p:spPr>
+          <a:xfrm>
+            <a:off x="479778" y="3711222"/>
+            <a:ext cx="1023087" cy="523220"/>
+          </a:xfrm>
+          <a:prstGeom prst="rect">
+            <a:avLst/>
+          </a:prstGeom>
+          <a:noFill/>
+        </p:spPr>
+        <p:txBody>
+          <a:bodyPr wrap="none" rtlCol="0">
+            <a:spAutoFit/>
+          </a:bodyPr>
+          <a:lstStyle/>
+          <a:p>
+            <a:pPr algn="ctr"/>
+            <a:r>
+              <a:rPr lang="fr-FR" dirty="0" smtClean="0"/>
+              <a:t>Mélange</a:t>
+            </a:r>
+          </a:p>
+          <a:p>
+            <a:pPr algn="ctr"/>
+            <a:r>
+              <a:rPr lang="fr-FR" dirty="0" smtClean="0"/>
+              <a:t> eau-glace</a:t>
+            </a:r>
+            <a:endParaRPr lang="fr-FR" dirty="0"/>
+          </a:p>
+        </p:txBody>
+      </p:sp>
+      <p:sp>
+        <p:nvSpPr>
+          <p:cNvPr id="31" name="ZoneTexte 30"/>
+          <p:cNvSpPr txBox="1"/>
+          <p:nvPr/>
+        </p:nvSpPr>
+        <p:spPr>
+          <a:xfrm>
+            <a:off x="112889" y="2921001"/>
+            <a:ext cx="1262585" cy="523220"/>
+          </a:xfrm>
+          <a:prstGeom prst="rect">
+            <a:avLst/>
+          </a:prstGeom>
+          <a:noFill/>
+        </p:spPr>
+        <p:txBody>
+          <a:bodyPr wrap="none" rtlCol="0">
+            <a:spAutoFit/>
+          </a:bodyPr>
+          <a:lstStyle/>
+          <a:p>
+            <a:r>
+              <a:rPr lang="fr-FR" dirty="0" smtClean="0"/>
+              <a:t>Produit issu </a:t>
+            </a:r>
+          </a:p>
+          <a:p>
+            <a:r>
+              <a:rPr lang="fr-FR" dirty="0" smtClean="0"/>
+              <a:t>de la réaction</a:t>
+            </a:r>
+            <a:endParaRPr lang="fr-FR" dirty="0"/>
+          </a:p>
+        </p:txBody>
+      </p:sp>
+    </p:spTree>
+    <p:extLst>
+      <p:ext uri="{BB962C8B-B14F-4D97-AF65-F5344CB8AC3E}">
+        <p14:creationId xmlns:p14="http://schemas.microsoft.com/office/powerpoint/2010/main" val="2212127086"/>
+      </p:ext>
+    </p:extLst>
+  </p:cSld>
+  <p:clrMapOvr>
+    <a:masterClrMapping/>
+  </p:clrMapOvr>
+</p:sld>
+</file>
+
+<file path=ppt/slides/slide9.xml><?xml version="1.0" encoding="utf-8"?>
+<p:sld xmlns:a="http://schemas.openxmlformats.org/drawingml/2006/main" xmlns:r="http://schemas.openxmlformats.org/officeDocument/2006/relationships" xmlns:p="http://schemas.openxmlformats.org/presentationml/2006/main">
+  <p:cSld>
+    <p:spTree>
+      <p:nvGrpSpPr>
+        <p:cNvPr id="1" name=""/>
+        <p:cNvGrpSpPr/>
+        <p:nvPr/>
+      </p:nvGrpSpPr>
+      <p:grpSpPr>
+        <a:xfrm>
+          <a:off x="0" y="0"/>
+          <a:ext cx="0" cy="0"/>
+          <a:chOff x="0" y="0"/>
+          <a:chExt cx="0" cy="0"/>
+        </a:xfrm>
+      </p:grpSpPr>
+      <p:sp>
+        <p:nvSpPr>
+          <p:cNvPr id="2" name="Titre 1">
+            <a:extLst>
+              <a:ext uri="{FF2B5EF4-FFF2-40B4-BE49-F238E27FC236}">
+                <a16:creationId xmlns:a16="http://schemas.microsoft.com/office/drawing/2014/main" xmlns="" id="{07601967-2F43-4B07-9438-D02DF0037365}"/>
               </a:ext>
             </a:extLst>
           </p:cNvPr>
@@ -27964,7 +28961,7 @@
           <p:cNvPr id="4" name="Espace réservé du numéro de diapositive 3">
             <a:extLst>
               <a:ext uri="{FF2B5EF4-FFF2-40B4-BE49-F238E27FC236}">
-                <a16:creationId xmlns="" xmlns:a16="http://schemas.microsoft.com/office/drawing/2014/main" id="{4655200C-27A6-467D-B19A-EE04D1809B76}"/>
+                <a16:creationId xmlns:a16="http://schemas.microsoft.com/office/drawing/2014/main" xmlns="" id="{4655200C-27A6-467D-B19A-EE04D1809B76}"/>
               </a:ext>
             </a:extLst>
           </p:cNvPr>
@@ -27982,7 +28979,7 @@
           <a:p>
             <a:fld id="{5BA00AD0-89FA-4358-AFE4-0A4CF2693EF1}" type="slidenum">
               <a:rPr lang="fr-FR" smtClean="0"/>
-              <a:t>8</a:t>
+              <a:t>9</a:t>
             </a:fld>
             <a:endParaRPr lang="fr-FR"/>
           </a:p>
@@ -27993,7 +28990,7 @@
           <p:cNvPr id="9" name="Flèche : droite 8">
             <a:extLst>
               <a:ext uri="{FF2B5EF4-FFF2-40B4-BE49-F238E27FC236}">
-                <a16:creationId xmlns="" xmlns:a16="http://schemas.microsoft.com/office/drawing/2014/main" id="{12BED85A-AEEF-46D7-A166-7C58C6CCA2DD}"/>
+                <a16:creationId xmlns:a16="http://schemas.microsoft.com/office/drawing/2014/main" xmlns="" id="{12BED85A-AEEF-46D7-A166-7C58C6CCA2DD}"/>
               </a:ext>
             </a:extLst>
           </p:cNvPr>
@@ -28133,7 +29130,7 @@
           <p:cNvPr id="10" name="ZoneTexte 31">
             <a:extLst>
               <a:ext uri="{FF2B5EF4-FFF2-40B4-BE49-F238E27FC236}">
-                <a16:creationId xmlns="" xmlns:a16="http://schemas.microsoft.com/office/drawing/2014/main" id="{53377E75-7509-462A-B732-E7C328F84DA9}"/>
+                <a16:creationId xmlns:a16="http://schemas.microsoft.com/office/drawing/2014/main" xmlns="" id="{53377E75-7509-462A-B732-E7C328F84DA9}"/>
               </a:ext>
             </a:extLst>
           </p:cNvPr>
@@ -28287,7 +29284,7 @@
           <p:cNvPr id="8" name="Groupe 7">
             <a:extLst>
               <a:ext uri="{FF2B5EF4-FFF2-40B4-BE49-F238E27FC236}">
-                <a16:creationId xmlns="" xmlns:a16="http://schemas.microsoft.com/office/drawing/2014/main" id="{D42C96D8-1194-443F-AF29-1DA3EA1D3949}"/>
+                <a16:creationId xmlns:a16="http://schemas.microsoft.com/office/drawing/2014/main" xmlns="" id="{D42C96D8-1194-443F-AF29-1DA3EA1D3949}"/>
               </a:ext>
             </a:extLst>
           </p:cNvPr>
@@ -28307,7 +29304,7 @@
             <p:cNvPr id="11" name="Grouper 638">
               <a:extLst>
                 <a:ext uri="{FF2B5EF4-FFF2-40B4-BE49-F238E27FC236}">
-                  <a16:creationId xmlns="" xmlns:a16="http://schemas.microsoft.com/office/drawing/2014/main" id="{5D229275-50E1-4BCB-BF0E-C2E7F0A45EE9}"/>
+                  <a16:creationId xmlns:a16="http://schemas.microsoft.com/office/drawing/2014/main" xmlns="" id="{5D229275-50E1-4BCB-BF0E-C2E7F0A45EE9}"/>
                 </a:ext>
               </a:extLst>
             </p:cNvPr>
@@ -28327,7 +29324,7 @@
               <p:cNvPr id="14" name="Grouper 81">
                 <a:extLst>
                   <a:ext uri="{FF2B5EF4-FFF2-40B4-BE49-F238E27FC236}">
-                    <a16:creationId xmlns="" xmlns:a16="http://schemas.microsoft.com/office/drawing/2014/main" id="{672C8F84-6CE8-483C-B6E2-120EA53B93F7}"/>
+                    <a16:creationId xmlns:a16="http://schemas.microsoft.com/office/drawing/2014/main" xmlns="" id="{672C8F84-6CE8-483C-B6E2-120EA53B93F7}"/>
                   </a:ext>
                 </a:extLst>
               </p:cNvPr>
@@ -28347,7 +29344,7 @@
                 <p:cNvPr id="23" name="Grouper 149">
                   <a:extLst>
                     <a:ext uri="{FF2B5EF4-FFF2-40B4-BE49-F238E27FC236}">
-                      <a16:creationId xmlns="" xmlns:a16="http://schemas.microsoft.com/office/drawing/2014/main" id="{C00E268A-3EE6-4369-9010-36F22ABF4CB6}"/>
+                      <a16:creationId xmlns:a16="http://schemas.microsoft.com/office/drawing/2014/main" xmlns="" id="{C00E268A-3EE6-4369-9010-36F22ABF4CB6}"/>
                     </a:ext>
                   </a:extLst>
                 </p:cNvPr>
@@ -28367,7 +29364,7 @@
                   <p:cNvPr id="25" name="Grouper 499">
                     <a:extLst>
                       <a:ext uri="{FF2B5EF4-FFF2-40B4-BE49-F238E27FC236}">
-                        <a16:creationId xmlns="" xmlns:a16="http://schemas.microsoft.com/office/drawing/2014/main" id="{92732EE6-39EA-4C05-88F6-D66C6827B2F3}"/>
+                        <a16:creationId xmlns:a16="http://schemas.microsoft.com/office/drawing/2014/main" xmlns="" id="{92732EE6-39EA-4C05-88F6-D66C6827B2F3}"/>
                       </a:ext>
                     </a:extLst>
                   </p:cNvPr>
@@ -28387,7 +29384,7 @@
                     <p:cNvPr id="32" name="Arrondir un rectangle avec un coin du même côté 501">
                       <a:extLst>
                         <a:ext uri="{FF2B5EF4-FFF2-40B4-BE49-F238E27FC236}">
-                          <a16:creationId xmlns="" xmlns:a16="http://schemas.microsoft.com/office/drawing/2014/main" id="{3B707F23-919D-49A3-BF9B-8BC2C3560257}"/>
+                          <a16:creationId xmlns:a16="http://schemas.microsoft.com/office/drawing/2014/main" xmlns="" id="{3B707F23-919D-49A3-BF9B-8BC2C3560257}"/>
                         </a:ext>
                       </a:extLst>
                     </p:cNvPr>
@@ -28541,7 +29538,7 @@
                     <p:cNvPr id="33" name="Rectangle 32">
                       <a:extLst>
                         <a:ext uri="{FF2B5EF4-FFF2-40B4-BE49-F238E27FC236}">
-                          <a16:creationId xmlns="" xmlns:a16="http://schemas.microsoft.com/office/drawing/2014/main" id="{772C162F-9142-40A8-A900-6962697D6FDD}"/>
+                          <a16:creationId xmlns:a16="http://schemas.microsoft.com/office/drawing/2014/main" xmlns="" id="{772C162F-9142-40A8-A900-6962697D6FDD}"/>
                         </a:ext>
                       </a:extLst>
                     </p:cNvPr>
@@ -28693,7 +29690,7 @@
                   <p:cNvPr id="26" name="Rectangle 25">
                     <a:extLst>
                       <a:ext uri="{FF2B5EF4-FFF2-40B4-BE49-F238E27FC236}">
-                        <a16:creationId xmlns="" xmlns:a16="http://schemas.microsoft.com/office/drawing/2014/main" id="{3BF338C3-00CC-4E46-A8F6-C4524A6A494E}"/>
+                        <a16:creationId xmlns:a16="http://schemas.microsoft.com/office/drawing/2014/main" xmlns="" id="{3BF338C3-00CC-4E46-A8F6-C4524A6A494E}"/>
                       </a:ext>
                     </a:extLst>
                   </p:cNvPr>
@@ -28844,7 +29841,7 @@
                   <p:cNvPr id="27" name="Triangle isocèle 26">
                     <a:extLst>
                       <a:ext uri="{FF2B5EF4-FFF2-40B4-BE49-F238E27FC236}">
-                        <a16:creationId xmlns="" xmlns:a16="http://schemas.microsoft.com/office/drawing/2014/main" id="{B3793222-89EE-4B6E-855D-1ECB8044B901}"/>
+                        <a16:creationId xmlns:a16="http://schemas.microsoft.com/office/drawing/2014/main" xmlns="" id="{B3793222-89EE-4B6E-855D-1ECB8044B901}"/>
                       </a:ext>
                     </a:extLst>
                   </p:cNvPr>
@@ -28993,7 +29990,7 @@
                   <p:cNvPr id="28" name="Rectangle 27">
                     <a:extLst>
                       <a:ext uri="{FF2B5EF4-FFF2-40B4-BE49-F238E27FC236}">
-                        <a16:creationId xmlns="" xmlns:a16="http://schemas.microsoft.com/office/drawing/2014/main" id="{AB88E6B7-ED89-4295-BBAB-4309F61EA8D0}"/>
+                        <a16:creationId xmlns:a16="http://schemas.microsoft.com/office/drawing/2014/main" xmlns="" id="{AB88E6B7-ED89-4295-BBAB-4309F61EA8D0}"/>
                       </a:ext>
                     </a:extLst>
                   </p:cNvPr>
@@ -29142,7 +30139,7 @@
                   <p:cNvPr id="29" name="Grouper 564">
                     <a:extLst>
                       <a:ext uri="{FF2B5EF4-FFF2-40B4-BE49-F238E27FC236}">
-                        <a16:creationId xmlns="" xmlns:a16="http://schemas.microsoft.com/office/drawing/2014/main" id="{3EB250C2-08FD-4C17-8A7E-AA73AAD391E6}"/>
+                        <a16:creationId xmlns:a16="http://schemas.microsoft.com/office/drawing/2014/main" xmlns="" id="{3EB250C2-08FD-4C17-8A7E-AA73AAD391E6}"/>
                       </a:ext>
                     </a:extLst>
                   </p:cNvPr>
@@ -29162,7 +30159,7 @@
                     <p:cNvPr id="30" name="Arrondir un rectangle avec un coin du même côté 566">
                       <a:extLst>
                         <a:ext uri="{FF2B5EF4-FFF2-40B4-BE49-F238E27FC236}">
-                          <a16:creationId xmlns="" xmlns:a16="http://schemas.microsoft.com/office/drawing/2014/main" id="{91BC7F98-A129-4D1D-BBEE-38BCCF301978}"/>
+                          <a16:creationId xmlns:a16="http://schemas.microsoft.com/office/drawing/2014/main" xmlns="" id="{91BC7F98-A129-4D1D-BBEE-38BCCF301978}"/>
                         </a:ext>
                       </a:extLst>
                     </p:cNvPr>
@@ -29314,7 +30311,7 @@
                     <p:cNvPr id="31" name="Trapèze 30">
                       <a:extLst>
                         <a:ext uri="{FF2B5EF4-FFF2-40B4-BE49-F238E27FC236}">
-                          <a16:creationId xmlns="" xmlns:a16="http://schemas.microsoft.com/office/drawing/2014/main" id="{A02DC6B8-90B4-4117-AB5D-E98EBD7BD1BE}"/>
+                          <a16:creationId xmlns:a16="http://schemas.microsoft.com/office/drawing/2014/main" xmlns="" id="{A02DC6B8-90B4-4117-AB5D-E98EBD7BD1BE}"/>
                         </a:ext>
                       </a:extLst>
                     </p:cNvPr>
@@ -29469,7 +30466,7 @@
                 <p:cNvPr id="24" name="Connecteur droit 23">
                   <a:extLst>
                     <a:ext uri="{FF2B5EF4-FFF2-40B4-BE49-F238E27FC236}">
-                      <a16:creationId xmlns="" xmlns:a16="http://schemas.microsoft.com/office/drawing/2014/main" id="{B3875E3E-F8B6-43CA-9AF0-B7564FD41DF9}"/>
+                      <a16:creationId xmlns:a16="http://schemas.microsoft.com/office/drawing/2014/main" xmlns="" id="{B3875E3E-F8B6-43CA-9AF0-B7564FD41DF9}"/>
                     </a:ext>
                   </a:extLst>
                 </p:cNvPr>
@@ -29512,7 +30509,7 @@
               <p:cNvPr id="15" name="Grouper 590">
                 <a:extLst>
                   <a:ext uri="{FF2B5EF4-FFF2-40B4-BE49-F238E27FC236}">
-                    <a16:creationId xmlns="" xmlns:a16="http://schemas.microsoft.com/office/drawing/2014/main" id="{89C1524F-9110-4303-86BB-EF83161FCD58}"/>
+                    <a16:creationId xmlns:a16="http://schemas.microsoft.com/office/drawing/2014/main" xmlns="" id="{89C1524F-9110-4303-86BB-EF83161FCD58}"/>
                   </a:ext>
                 </a:extLst>
               </p:cNvPr>
@@ -29532,7 +30529,7 @@
                 <p:cNvPr id="21" name="Rectangle 20">
                   <a:extLst>
                     <a:ext uri="{FF2B5EF4-FFF2-40B4-BE49-F238E27FC236}">
-                      <a16:creationId xmlns="" xmlns:a16="http://schemas.microsoft.com/office/drawing/2014/main" id="{DF687FEB-E322-4648-97BE-BE9B7A76D8E0}"/>
+                      <a16:creationId xmlns:a16="http://schemas.microsoft.com/office/drawing/2014/main" xmlns="" id="{DF687FEB-E322-4648-97BE-BE9B7A76D8E0}"/>
                     </a:ext>
                   </a:extLst>
                 </p:cNvPr>
@@ -29683,7 +30680,7 @@
                 <p:cNvPr id="22" name="Rectangle 21">
                   <a:extLst>
                     <a:ext uri="{FF2B5EF4-FFF2-40B4-BE49-F238E27FC236}">
-                      <a16:creationId xmlns="" xmlns:a16="http://schemas.microsoft.com/office/drawing/2014/main" id="{BC3A8660-6502-47D2-8BF5-C4C7D0162CFC}"/>
+                      <a16:creationId xmlns:a16="http://schemas.microsoft.com/office/drawing/2014/main" xmlns="" id="{BC3A8660-6502-47D2-8BF5-C4C7D0162CFC}"/>
                     </a:ext>
                   </a:extLst>
                 </p:cNvPr>
@@ -29833,7 +30830,7 @@
               <p:cNvPr id="16" name="Rectangle 15">
                 <a:extLst>
                   <a:ext uri="{FF2B5EF4-FFF2-40B4-BE49-F238E27FC236}">
-                    <a16:creationId xmlns="" xmlns:a16="http://schemas.microsoft.com/office/drawing/2014/main" id="{9CDC0D6A-A22E-41DE-8C9D-120B07DA3B8C}"/>
+                    <a16:creationId xmlns:a16="http://schemas.microsoft.com/office/drawing/2014/main" xmlns="" id="{9CDC0D6A-A22E-41DE-8C9D-120B07DA3B8C}"/>
                   </a:ext>
                 </a:extLst>
               </p:cNvPr>
@@ -29984,7 +30981,7 @@
               <p:cNvPr id="17" name="Triangle isocèle 16">
                 <a:extLst>
                   <a:ext uri="{FF2B5EF4-FFF2-40B4-BE49-F238E27FC236}">
-                    <a16:creationId xmlns="" xmlns:a16="http://schemas.microsoft.com/office/drawing/2014/main" id="{6634E292-1F61-4B10-9F4F-DE9086750BF3}"/>
+                    <a16:creationId xmlns:a16="http://schemas.microsoft.com/office/drawing/2014/main" xmlns="" id="{6634E292-1F61-4B10-9F4F-DE9086750BF3}"/>
                   </a:ext>
                 </a:extLst>
               </p:cNvPr>
@@ -30137,7 +31134,7 @@
               <p:cNvPr id="18" name="Rectangle 17">
                 <a:extLst>
                   <a:ext uri="{FF2B5EF4-FFF2-40B4-BE49-F238E27FC236}">
-                    <a16:creationId xmlns="" xmlns:a16="http://schemas.microsoft.com/office/drawing/2014/main" id="{8F00FB44-E7FB-4F57-BB04-A050E20CF526}"/>
+                    <a16:creationId xmlns:a16="http://schemas.microsoft.com/office/drawing/2014/main" xmlns="" id="{8F00FB44-E7FB-4F57-BB04-A050E20CF526}"/>
                   </a:ext>
                 </a:extLst>
               </p:cNvPr>
@@ -30288,7 +31285,7 @@
               <p:cNvPr id="19" name="Triangle isocèle 18">
                 <a:extLst>
                   <a:ext uri="{FF2B5EF4-FFF2-40B4-BE49-F238E27FC236}">
-                    <a16:creationId xmlns="" xmlns:a16="http://schemas.microsoft.com/office/drawing/2014/main" id="{FB0BF6E2-CF8B-47F8-83F6-7906CE32AC9F}"/>
+                    <a16:creationId xmlns:a16="http://schemas.microsoft.com/office/drawing/2014/main" xmlns="" id="{FB0BF6E2-CF8B-47F8-83F6-7906CE32AC9F}"/>
                   </a:ext>
                 </a:extLst>
               </p:cNvPr>
@@ -30439,7 +31436,7 @@
               <p:cNvPr id="20" name="Rectangle 19">
                 <a:extLst>
                   <a:ext uri="{FF2B5EF4-FFF2-40B4-BE49-F238E27FC236}">
-                    <a16:creationId xmlns="" xmlns:a16="http://schemas.microsoft.com/office/drawing/2014/main" id="{BFC63ACE-95A8-4555-88E8-F64CE2BE1371}"/>
+                    <a16:creationId xmlns:a16="http://schemas.microsoft.com/office/drawing/2014/main" xmlns="" id="{BFC63ACE-95A8-4555-88E8-F64CE2BE1371}"/>
                   </a:ext>
                 </a:extLst>
               </p:cNvPr>
@@ -30589,7 +31586,7 @@
             <p:cNvPr id="12" name="Rectangle 11">
               <a:extLst>
                 <a:ext uri="{FF2B5EF4-FFF2-40B4-BE49-F238E27FC236}">
-                  <a16:creationId xmlns="" xmlns:a16="http://schemas.microsoft.com/office/drawing/2014/main" id="{1E8940A6-A21C-483D-AD1A-7702DAF3EBDE}"/>
+                  <a16:creationId xmlns:a16="http://schemas.microsoft.com/office/drawing/2014/main" xmlns="" id="{1E8940A6-A21C-483D-AD1A-7702DAF3EBDE}"/>
                 </a:ext>
               </a:extLst>
             </p:cNvPr>
@@ -30737,7 +31734,7 @@
             <p:cNvPr id="13" name="Rectangle 12">
               <a:extLst>
                 <a:ext uri="{FF2B5EF4-FFF2-40B4-BE49-F238E27FC236}">
-                  <a16:creationId xmlns="" xmlns:a16="http://schemas.microsoft.com/office/drawing/2014/main" id="{2AB0CC3E-E001-475C-94DA-48E248FEA3F9}"/>
+                  <a16:creationId xmlns:a16="http://schemas.microsoft.com/office/drawing/2014/main" xmlns="" id="{2AB0CC3E-E001-475C-94DA-48E248FEA3F9}"/>
                 </a:ext>
               </a:extLst>
             </p:cNvPr>
@@ -31050,231 +32047,6 @@
       </p:par>
     </p:tnLst>
   </p:timing>
-</p:sld>
-</file>
-
-<file path=ppt/slides/slide9.xml><?xml version="1.0" encoding="utf-8"?>
-<p:sld xmlns:a="http://schemas.openxmlformats.org/drawingml/2006/main" xmlns:r="http://schemas.openxmlformats.org/officeDocument/2006/relationships" xmlns:p="http://schemas.openxmlformats.org/presentationml/2006/main">
-  <p:cSld>
-    <p:spTree>
-      <p:nvGrpSpPr>
-        <p:cNvPr id="1" name=""/>
-        <p:cNvGrpSpPr/>
-        <p:nvPr/>
-      </p:nvGrpSpPr>
-      <p:grpSpPr>
-        <a:xfrm>
-          <a:off x="0" y="0"/>
-          <a:ext cx="0" cy="0"/>
-          <a:chOff x="0" y="0"/>
-          <a:chExt cx="0" cy="0"/>
-        </a:xfrm>
-      </p:grpSpPr>
-      <p:sp>
-        <p:nvSpPr>
-          <p:cNvPr id="2" name="Titre 1">
-            <a:extLst>
-              <a:ext uri="{FF2B5EF4-FFF2-40B4-BE49-F238E27FC236}">
-                <a16:creationId xmlns="" xmlns:a16="http://schemas.microsoft.com/office/drawing/2014/main" id="{4F284A6F-2156-4A72-BFA8-279770C09871}"/>
-              </a:ext>
-            </a:extLst>
-          </p:cNvPr>
-          <p:cNvSpPr>
-            <a:spLocks noGrp="1"/>
-          </p:cNvSpPr>
-          <p:nvPr>
-            <p:ph type="title"/>
-          </p:nvPr>
-        </p:nvSpPr>
-        <p:spPr/>
-        <p:txBody>
-          <a:bodyPr/>
-          <a:lstStyle/>
-          <a:p>
-            <a:r>
-              <a:rPr lang="fr-FR" dirty="0">
-                <a:solidFill>
-                  <a:srgbClr val="FF6600"/>
-                </a:solidFill>
-                <a:latin typeface="Times"/>
-                <a:cs typeface="Times"/>
-              </a:rPr>
-              <a:t>Techniques de caractérisations</a:t>
-            </a:r>
-          </a:p>
-        </p:txBody>
-      </p:sp>
-      <p:sp>
-        <p:nvSpPr>
-          <p:cNvPr id="4" name="Espace réservé du numéro de diapositive 3">
-            <a:extLst>
-              <a:ext uri="{FF2B5EF4-FFF2-40B4-BE49-F238E27FC236}">
-                <a16:creationId xmlns="" xmlns:a16="http://schemas.microsoft.com/office/drawing/2014/main" id="{36899F0A-B108-4D7F-B10E-0FE49640BC34}"/>
-              </a:ext>
-            </a:extLst>
-          </p:cNvPr>
-          <p:cNvSpPr>
-            <a:spLocks noGrp="1"/>
-          </p:cNvSpPr>
-          <p:nvPr>
-            <p:ph type="sldNum" sz="quarter" idx="12"/>
-          </p:nvPr>
-        </p:nvSpPr>
-        <p:spPr/>
-        <p:txBody>
-          <a:bodyPr/>
-          <a:lstStyle/>
-          <a:p>
-            <a:fld id="{5BA00AD0-89FA-4358-AFE4-0A4CF2693EF1}" type="slidenum">
-              <a:rPr lang="fr-FR" smtClean="0"/>
-              <a:t>9</a:t>
-            </a:fld>
-            <a:endParaRPr lang="fr-FR"/>
-          </a:p>
-        </p:txBody>
-      </p:sp>
-      <p:pic>
-        <p:nvPicPr>
-          <p:cNvPr id="5" name="table">
-            <a:extLst>
-              <a:ext uri="{FF2B5EF4-FFF2-40B4-BE49-F238E27FC236}">
-                <a16:creationId xmlns="" xmlns:a16="http://schemas.microsoft.com/office/drawing/2014/main" id="{1B95E68B-CA76-4137-A1D4-C62C60CE6C90}"/>
-              </a:ext>
-            </a:extLst>
-          </p:cNvPr>
-          <p:cNvPicPr>
-            <a:picLocks noChangeAspect="1"/>
-          </p:cNvPicPr>
-          <p:nvPr/>
-        </p:nvPicPr>
-        <p:blipFill>
-          <a:blip r:embed="rId2"/>
-          <a:stretch>
-            <a:fillRect/>
-          </a:stretch>
-        </p:blipFill>
-        <p:spPr>
-          <a:xfrm>
-            <a:off x="778799" y="1249239"/>
-            <a:ext cx="7586403" cy="3197914"/>
-          </a:xfrm>
-          <a:prstGeom prst="rect">
-            <a:avLst/>
-          </a:prstGeom>
-        </p:spPr>
-      </p:pic>
-      <p:pic>
-        <p:nvPicPr>
-          <p:cNvPr id="6" name="Picture 2" descr="Lot de 8 substances pour Banc Kofler - Jeulin">
-            <a:extLst>
-              <a:ext uri="{FF2B5EF4-FFF2-40B4-BE49-F238E27FC236}">
-                <a16:creationId xmlns="" xmlns:a16="http://schemas.microsoft.com/office/drawing/2014/main" id="{90CABF52-028B-4B1D-9980-5EAC2DE096D4}"/>
-              </a:ext>
-            </a:extLst>
-          </p:cNvPr>
-          <p:cNvPicPr>
-            <a:picLocks noChangeAspect="1" noChangeArrowheads="1"/>
-          </p:cNvPicPr>
-          <p:nvPr/>
-        </p:nvPicPr>
-        <p:blipFill rotWithShape="1">
-          <a:blip r:embed="rId3">
-            <a:extLst>
-              <a:ext uri="{28A0092B-C50C-407E-A947-70E740481C1C}">
-                <a14:useLocalDpi xmlns:a14="http://schemas.microsoft.com/office/drawing/2010/main" val="0"/>
-              </a:ext>
-            </a:extLst>
-          </a:blip>
-          <a:srcRect t="31502" b="27708"/>
-          <a:stretch/>
-        </p:blipFill>
-        <p:spPr bwMode="auto">
-          <a:xfrm>
-            <a:off x="973357" y="2848195"/>
-            <a:ext cx="3143250" cy="1282148"/>
-          </a:xfrm>
-          <a:prstGeom prst="rect">
-            <a:avLst/>
-          </a:prstGeom>
-          <a:noFill/>
-          <a:extLst>
-            <a:ext uri="{909E8E84-426E-40dd-AFC4-6F175D3DCCD1}">
-              <a14:hiddenFill xmlns:a14="http://schemas.microsoft.com/office/drawing/2010/main">
-                <a:solidFill>
-                  <a:srgbClr val="FFFFFF"/>
-                </a:solidFill>
-              </a14:hiddenFill>
-            </a:ext>
-          </a:extLst>
-        </p:spPr>
-      </p:pic>
-      <p:pic>
-        <p:nvPicPr>
-          <p:cNvPr id="7" name="Picture 4" descr="RÃ©fractomÃ¨tre d'AbbÃ© NOVEX - Jeulin">
-            <a:extLst>
-              <a:ext uri="{FF2B5EF4-FFF2-40B4-BE49-F238E27FC236}">
-                <a16:creationId xmlns="" xmlns:a16="http://schemas.microsoft.com/office/drawing/2014/main" id="{F1499DEB-7025-4DC9-B824-088160F2674E}"/>
-              </a:ext>
-            </a:extLst>
-          </p:cNvPr>
-          <p:cNvPicPr>
-            <a:picLocks noChangeAspect="1" noChangeArrowheads="1"/>
-          </p:cNvPicPr>
-          <p:nvPr/>
-        </p:nvPicPr>
-        <p:blipFill>
-          <a:blip r:embed="rId4">
-            <a:clrChange>
-              <a:clrFrom>
-                <a:srgbClr val="FFFFFF"/>
-              </a:clrFrom>
-              <a:clrTo>
-                <a:srgbClr val="FFFFFF">
-                  <a:alpha val="0"/>
-                </a:srgbClr>
-              </a:clrTo>
-            </a:clrChange>
-            <a:extLst>
-              <a:ext uri="{28A0092B-C50C-407E-A947-70E740481C1C}">
-                <a14:useLocalDpi xmlns:a14="http://schemas.microsoft.com/office/drawing/2010/main" val="0"/>
-              </a:ext>
-            </a:extLst>
-          </a:blip>
-          <a:srcRect/>
-          <a:stretch>
-            <a:fillRect/>
-          </a:stretch>
-        </p:blipFill>
-        <p:spPr bwMode="auto">
-          <a:xfrm>
-            <a:off x="5669596" y="2453113"/>
-            <a:ext cx="1919495" cy="1919495"/>
-          </a:xfrm>
-          <a:prstGeom prst="rect">
-            <a:avLst/>
-          </a:prstGeom>
-          <a:noFill/>
-          <a:extLst>
-            <a:ext uri="{909E8E84-426E-40dd-AFC4-6F175D3DCCD1}">
-              <a14:hiddenFill xmlns:a14="http://schemas.microsoft.com/office/drawing/2010/main">
-                <a:solidFill>
-                  <a:srgbClr val="FFFFFF"/>
-                </a:solidFill>
-              </a14:hiddenFill>
-            </a:ext>
-          </a:extLst>
-        </p:spPr>
-      </p:pic>
-    </p:spTree>
-    <p:extLst>
-      <p:ext uri="{BB962C8B-B14F-4D97-AF65-F5344CB8AC3E}">
-        <p14:creationId xmlns:p14="http://schemas.microsoft.com/office/powerpoint/2010/main" val="3576859831"/>
-      </p:ext>
-    </p:extLst>
-  </p:cSld>
-  <p:clrMapOvr>
-    <a:masterClrMapping/>
-  </p:clrMapOvr>
 </p:sld>
 </file>
 
